--- a/labauto.pptx
+++ b/labauto.pptx
@@ -118,6 +118,11 @@
       </a:defRPr>
     </a:lvl9pPr>
   </p:defaultTextStyle>
+  <p:extLst>
+    <p:ext uri="{EFAFB233-063F-42B5-8137-9DF3F51BA10A}">
+      <p15:sldGuideLst xmlns:p15="http://schemas.microsoft.com/office/powerpoint/2012/main"/>
+    </p:ext>
+  </p:extLst>
 </p:presentation>
 </file>
 
@@ -951,7 +956,7 @@
         <p:spPr>
           <a:xfrm>
             <a:off x="685800" y="1143000"/>
-            <a:ext cx="5485680" cy="3085560"/>
+            <a:ext cx="5486400" cy="3086100"/>
           </a:xfrm>
           <a:prstGeom prst="rect">
             <a:avLst/>
@@ -7668,208 +7673,6 @@
           </a:p>
         </p:txBody>
       </p:sp>
-      <p:sp>
-        <p:nvSpPr>
-          <p:cNvPr id="91" name="CasellaDiTesto 4"/>
-          <p:cNvSpPr/>
-          <p:nvPr/>
-        </p:nvSpPr>
-        <p:spPr>
-          <a:xfrm>
-            <a:off x="6897240" y="1812600"/>
-            <a:ext cx="4518360" cy="3930120"/>
-          </a:xfrm>
-          <a:prstGeom prst="rect">
-            <a:avLst/>
-          </a:prstGeom>
-          <a:noFill/>
-          <a:ln w="0">
-            <a:noFill/>
-          </a:ln>
-        </p:spPr>
-        <p:style>
-          <a:lnRef idx="0">
-            <a:scrgbClr r="0" g="0" b="0"/>
-          </a:lnRef>
-          <a:fillRef idx="0">
-            <a:scrgbClr r="0" g="0" b="0"/>
-          </a:fillRef>
-          <a:effectRef idx="0">
-            <a:scrgbClr r="0" g="0" b="0"/>
-          </a:effectRef>
-          <a:fontRef idx="minor"/>
-        </p:style>
-        <p:txBody>
-          <a:bodyPr lIns="90000" tIns="45000" rIns="90000" bIns="45000" anchor="t">
-            <a:spAutoFit/>
-          </a:bodyPr>
-          <a:lstStyle/>
-          <a:p>
-            <a:pPr>
-              <a:lnSpc>
-                <a:spcPct val="100000"/>
-              </a:lnSpc>
-              <a:buNone/>
-            </a:pPr>
-            <a:r>
-              <a:rPr lang="it-IT" sz="1800" b="0" strike="noStrike" spc="-1">
-                <a:solidFill>
-                  <a:srgbClr val="000000"/>
-                </a:solidFill>
-                <a:latin typeface="Calibri"/>
-                <a:ea typeface="DejaVu Sans"/>
-              </a:rPr>
-              <a:t>Schema workflow</a:t>
-            </a:r>
-            <a:endParaRPr lang="it-IT" sz="1800" b="0" strike="noStrike" spc="-1">
-              <a:latin typeface="Arial"/>
-            </a:endParaRPr>
-          </a:p>
-          <a:p>
-            <a:pPr>
-              <a:lnSpc>
-                <a:spcPct val="100000"/>
-              </a:lnSpc>
-              <a:buNone/>
-            </a:pPr>
-            <a:endParaRPr lang="it-IT" sz="1800" b="0" strike="noStrike" spc="-1">
-              <a:latin typeface="Arial"/>
-            </a:endParaRPr>
-          </a:p>
-          <a:p>
-            <a:pPr>
-              <a:lnSpc>
-                <a:spcPct val="100000"/>
-              </a:lnSpc>
-              <a:buNone/>
-            </a:pPr>
-            <a:endParaRPr lang="it-IT" sz="1800" b="0" strike="noStrike" spc="-1">
-              <a:latin typeface="Arial"/>
-            </a:endParaRPr>
-          </a:p>
-          <a:p>
-            <a:pPr>
-              <a:lnSpc>
-                <a:spcPct val="100000"/>
-              </a:lnSpc>
-              <a:buNone/>
-            </a:pPr>
-            <a:endParaRPr lang="it-IT" sz="1800" b="0" strike="noStrike" spc="-1">
-              <a:latin typeface="Arial"/>
-            </a:endParaRPr>
-          </a:p>
-          <a:p>
-            <a:pPr>
-              <a:lnSpc>
-                <a:spcPct val="100000"/>
-              </a:lnSpc>
-              <a:buNone/>
-            </a:pPr>
-            <a:endParaRPr lang="it-IT" sz="1800" b="0" strike="noStrike" spc="-1">
-              <a:latin typeface="Arial"/>
-            </a:endParaRPr>
-          </a:p>
-          <a:p>
-            <a:pPr>
-              <a:lnSpc>
-                <a:spcPct val="100000"/>
-              </a:lnSpc>
-              <a:buNone/>
-            </a:pPr>
-            <a:endParaRPr lang="it-IT" sz="1800" b="0" strike="noStrike" spc="-1">
-              <a:latin typeface="Arial"/>
-            </a:endParaRPr>
-          </a:p>
-          <a:p>
-            <a:pPr>
-              <a:lnSpc>
-                <a:spcPct val="100000"/>
-              </a:lnSpc>
-              <a:buNone/>
-            </a:pPr>
-            <a:endParaRPr lang="it-IT" sz="1800" b="0" strike="noStrike" spc="-1">
-              <a:latin typeface="Arial"/>
-            </a:endParaRPr>
-          </a:p>
-          <a:p>
-            <a:pPr>
-              <a:lnSpc>
-                <a:spcPct val="100000"/>
-              </a:lnSpc>
-              <a:buNone/>
-            </a:pPr>
-            <a:endParaRPr lang="it-IT" sz="1800" b="0" strike="noStrike" spc="-1">
-              <a:latin typeface="Arial"/>
-            </a:endParaRPr>
-          </a:p>
-          <a:p>
-            <a:pPr>
-              <a:lnSpc>
-                <a:spcPct val="100000"/>
-              </a:lnSpc>
-              <a:buNone/>
-            </a:pPr>
-            <a:endParaRPr lang="it-IT" sz="1800" b="0" strike="noStrike" spc="-1">
-              <a:latin typeface="Arial"/>
-            </a:endParaRPr>
-          </a:p>
-          <a:p>
-            <a:pPr>
-              <a:lnSpc>
-                <a:spcPct val="100000"/>
-              </a:lnSpc>
-              <a:buNone/>
-            </a:pPr>
-            <a:endParaRPr lang="it-IT" sz="1800" b="0" strike="noStrike" spc="-1">
-              <a:latin typeface="Arial"/>
-            </a:endParaRPr>
-          </a:p>
-          <a:p>
-            <a:pPr>
-              <a:lnSpc>
-                <a:spcPct val="100000"/>
-              </a:lnSpc>
-              <a:buNone/>
-            </a:pPr>
-            <a:endParaRPr lang="it-IT" sz="1800" b="0" strike="noStrike" spc="-1">
-              <a:latin typeface="Arial"/>
-            </a:endParaRPr>
-          </a:p>
-          <a:p>
-            <a:pPr>
-              <a:lnSpc>
-                <a:spcPct val="100000"/>
-              </a:lnSpc>
-              <a:buNone/>
-            </a:pPr>
-            <a:endParaRPr lang="it-IT" sz="1800" b="0" strike="noStrike" spc="-1">
-              <a:latin typeface="Arial"/>
-            </a:endParaRPr>
-          </a:p>
-          <a:p>
-            <a:pPr>
-              <a:lnSpc>
-                <a:spcPct val="100000"/>
-              </a:lnSpc>
-              <a:buNone/>
-            </a:pPr>
-            <a:endParaRPr lang="it-IT" sz="1800" b="0" strike="noStrike" spc="-1">
-              <a:latin typeface="Arial"/>
-            </a:endParaRPr>
-          </a:p>
-          <a:p>
-            <a:pPr>
-              <a:lnSpc>
-                <a:spcPct val="100000"/>
-              </a:lnSpc>
-              <a:buNone/>
-            </a:pPr>
-            <a:endParaRPr lang="it-IT" sz="1800" b="0" strike="noStrike" spc="-1">
-              <a:latin typeface="Arial"/>
-            </a:endParaRPr>
-          </a:p>
-        </p:txBody>
-      </p:sp>
       <p:pic>
         <p:nvPicPr>
           <p:cNvPr id="92" name="Immagine 91"/>
@@ -7891,6 +7694,45 @@
           <a:ln w="0">
             <a:noFill/>
           </a:ln>
+        </p:spPr>
+      </p:pic>
+      <p:pic>
+        <p:nvPicPr>
+          <p:cNvPr id="5" name="Elemento grafico 4">
+            <a:extLst>
+              <a:ext uri="{FF2B5EF4-FFF2-40B4-BE49-F238E27FC236}">
+                <a16:creationId xmlns:a16="http://schemas.microsoft.com/office/drawing/2014/main" id="{D930C4FE-AFBB-9901-BF0C-770C6FEC0BB2}"/>
+              </a:ext>
+            </a:extLst>
+          </p:cNvPr>
+          <p:cNvPicPr>
+            <a:picLocks noChangeAspect="1"/>
+          </p:cNvPicPr>
+          <p:nvPr/>
+        </p:nvPicPr>
+        <p:blipFill>
+          <a:blip r:embed="rId4">
+            <a:extLst>
+              <a:ext uri="{28A0092B-C50C-407E-A947-70E740481C1C}">
+                <a14:useLocalDpi xmlns:a14="http://schemas.microsoft.com/office/drawing/2010/main" val="0"/>
+              </a:ext>
+              <a:ext uri="{96DAC541-7B7A-43D3-8B79-37D633B846F1}">
+                <asvg:svgBlip xmlns:asvg="http://schemas.microsoft.com/office/drawing/2016/SVG/main" r:embed="rId5"/>
+              </a:ext>
+            </a:extLst>
+          </a:blip>
+          <a:stretch>
+            <a:fillRect/>
+          </a:stretch>
+        </p:blipFill>
+        <p:spPr>
+          <a:xfrm>
+            <a:off x="7046879" y="634920"/>
+            <a:ext cx="2981325" cy="5638800"/>
+          </a:xfrm>
+          <a:prstGeom prst="rect">
+            <a:avLst/>
+          </a:prstGeom>
         </p:spPr>
       </p:pic>
     </p:spTree>

--- a/labauto.pptx
+++ b/labauto.pptx
@@ -7698,10 +7698,10 @@
       </p:pic>
       <p:pic>
         <p:nvPicPr>
-          <p:cNvPr id="5" name="Elemento grafico 4">
+          <p:cNvPr id="3" name="Elemento grafico 2">
             <a:extLst>
               <a:ext uri="{FF2B5EF4-FFF2-40B4-BE49-F238E27FC236}">
-                <a16:creationId xmlns:a16="http://schemas.microsoft.com/office/drawing/2014/main" id="{D930C4FE-AFBB-9901-BF0C-770C6FEC0BB2}"/>
+                <a16:creationId xmlns:a16="http://schemas.microsoft.com/office/drawing/2014/main" id="{D6E93E18-FB1E-5BF8-1035-9970065B86E2}"/>
               </a:ext>
             </a:extLst>
           </p:cNvPr>
@@ -7727,8 +7727,8 @@
         </p:blipFill>
         <p:spPr>
           <a:xfrm>
-            <a:off x="7046879" y="634920"/>
-            <a:ext cx="2981325" cy="5638800"/>
+            <a:off x="7543155" y="695650"/>
+            <a:ext cx="2905125" cy="5695950"/>
           </a:xfrm>
           <a:prstGeom prst="rect">
             <a:avLst/>

--- a/labauto.pptx
+++ b/labauto.pptx
@@ -126,6 +126,438 @@
 </p:presentation>
 </file>
 
+<file path=ppt/revisionInfo.xml><?xml version="1.0" encoding="utf-8"?>
+<p1510:revInfo xmlns:a="http://schemas.openxmlformats.org/drawingml/2006/main" xmlns:r="http://schemas.openxmlformats.org/officeDocument/2006/relationships" xmlns:p1510="http://schemas.microsoft.com/office/powerpoint/2015/10/main">
+  <p1510:revLst>
+    <p1510:client id="{75615983-1094-4174-86F6-1BDEAFC21390}" v="19" dt="2024-05-06T07:56:13.607"/>
+  </p1510:revLst>
+</p1510:revInfo>
+</file>
+
+<file path=ppt/changesInfos/changesInfo1.xml><?xml version="1.0" encoding="utf-8"?>
+<pc:chgInfo xmlns:a="http://schemas.openxmlformats.org/drawingml/2006/main" xmlns:r="http://schemas.openxmlformats.org/officeDocument/2006/relationships" xmlns:ac="http://schemas.microsoft.com/office/drawing/2013/main/command" xmlns:pc="http://schemas.microsoft.com/office/powerpoint/2013/main/command">
+  <pc:docChgLst>
+    <pc:chgData name="Giulio Beltrami" userId="e0bbba2c-5e70-403a-8e6b-090771782fcf" providerId="ADAL" clId="{75615983-1094-4174-86F6-1BDEAFC21390}"/>
+    <pc:docChg chg="undo custSel modSld">
+      <pc:chgData name="Giulio Beltrami" userId="e0bbba2c-5e70-403a-8e6b-090771782fcf" providerId="ADAL" clId="{75615983-1094-4174-86F6-1BDEAFC21390}" dt="2024-05-06T07:56:45.513" v="224" actId="14100"/>
+      <pc:docMkLst>
+        <pc:docMk/>
+      </pc:docMkLst>
+      <pc:sldChg chg="modSp mod">
+        <pc:chgData name="Giulio Beltrami" userId="e0bbba2c-5e70-403a-8e6b-090771782fcf" providerId="ADAL" clId="{75615983-1094-4174-86F6-1BDEAFC21390}" dt="2024-05-06T06:34:17.778" v="61" actId="20577"/>
+        <pc:sldMkLst>
+          <pc:docMk/>
+          <pc:sldMk cId="0" sldId="256"/>
+        </pc:sldMkLst>
+        <pc:spChg chg="mod">
+          <ac:chgData name="Giulio Beltrami" userId="e0bbba2c-5e70-403a-8e6b-090771782fcf" providerId="ADAL" clId="{75615983-1094-4174-86F6-1BDEAFC21390}" dt="2024-05-06T06:34:17.778" v="61" actId="20577"/>
+          <ac:spMkLst>
+            <pc:docMk/>
+            <pc:sldMk cId="0" sldId="256"/>
+            <ac:spMk id="86" creationId="{00000000-0000-0000-0000-000000000000}"/>
+          </ac:spMkLst>
+        </pc:spChg>
+      </pc:sldChg>
+      <pc:sldChg chg="addSp delSp modSp mod">
+        <pc:chgData name="Giulio Beltrami" userId="e0bbba2c-5e70-403a-8e6b-090771782fcf" providerId="ADAL" clId="{75615983-1094-4174-86F6-1BDEAFC21390}" dt="2024-05-06T07:56:45.513" v="224" actId="14100"/>
+        <pc:sldMkLst>
+          <pc:docMk/>
+          <pc:sldMk cId="0" sldId="260"/>
+        </pc:sldMkLst>
+        <pc:spChg chg="del mod">
+          <ac:chgData name="Giulio Beltrami" userId="e0bbba2c-5e70-403a-8e6b-090771782fcf" providerId="ADAL" clId="{75615983-1094-4174-86F6-1BDEAFC21390}" dt="2024-05-06T06:53:12.215" v="65" actId="478"/>
+          <ac:spMkLst>
+            <pc:docMk/>
+            <pc:sldMk cId="0" sldId="260"/>
+            <ac:spMk id="105" creationId="{00000000-0000-0000-0000-000000000000}"/>
+          </ac:spMkLst>
+        </pc:spChg>
+        <pc:spChg chg="del mod">
+          <ac:chgData name="Giulio Beltrami" userId="e0bbba2c-5e70-403a-8e6b-090771782fcf" providerId="ADAL" clId="{75615983-1094-4174-86F6-1BDEAFC21390}" dt="2024-05-06T06:53:28.848" v="77" actId="478"/>
+          <ac:spMkLst>
+            <pc:docMk/>
+            <pc:sldMk cId="0" sldId="260"/>
+            <ac:spMk id="107" creationId="{00000000-0000-0000-0000-000000000000}"/>
+          </ac:spMkLst>
+        </pc:spChg>
+        <pc:spChg chg="del mod">
+          <ac:chgData name="Giulio Beltrami" userId="e0bbba2c-5e70-403a-8e6b-090771782fcf" providerId="ADAL" clId="{75615983-1094-4174-86F6-1BDEAFC21390}" dt="2024-05-06T06:33:18.628" v="16" actId="478"/>
+          <ac:spMkLst>
+            <pc:docMk/>
+            <pc:sldMk cId="0" sldId="260"/>
+            <ac:spMk id="109" creationId="{00000000-0000-0000-0000-000000000000}"/>
+          </ac:spMkLst>
+        </pc:spChg>
+        <pc:spChg chg="del mod">
+          <ac:chgData name="Giulio Beltrami" userId="e0bbba2c-5e70-403a-8e6b-090771782fcf" providerId="ADAL" clId="{75615983-1094-4174-86F6-1BDEAFC21390}" dt="2024-05-06T07:07:10.490" v="91" actId="478"/>
+          <ac:spMkLst>
+            <pc:docMk/>
+            <pc:sldMk cId="0" sldId="260"/>
+            <ac:spMk id="113" creationId="{00000000-0000-0000-0000-000000000000}"/>
+          </ac:spMkLst>
+        </pc:spChg>
+        <pc:picChg chg="add mod">
+          <ac:chgData name="Giulio Beltrami" userId="e0bbba2c-5e70-403a-8e6b-090771782fcf" providerId="ADAL" clId="{75615983-1094-4174-86F6-1BDEAFC21390}" dt="2024-05-06T06:55:34.559" v="82" actId="1076"/>
+          <ac:picMkLst>
+            <pc:docMk/>
+            <pc:sldMk cId="0" sldId="260"/>
+            <ac:picMk id="3" creationId="{E8422789-689D-415A-36CE-D5E9C4EC2747}"/>
+          </ac:picMkLst>
+        </pc:picChg>
+        <pc:picChg chg="add del mod">
+          <ac:chgData name="Giulio Beltrami" userId="e0bbba2c-5e70-403a-8e6b-090771782fcf" providerId="ADAL" clId="{75615983-1094-4174-86F6-1BDEAFC21390}" dt="2024-05-06T06:53:48.106" v="80" actId="478"/>
+          <ac:picMkLst>
+            <pc:docMk/>
+            <pc:sldMk cId="0" sldId="260"/>
+            <ac:picMk id="5" creationId="{1376FECF-46C4-723A-C9A1-BC15B04F253E}"/>
+          </ac:picMkLst>
+        </pc:picChg>
+        <pc:picChg chg="add del mod">
+          <ac:chgData name="Giulio Beltrami" userId="e0bbba2c-5e70-403a-8e6b-090771782fcf" providerId="ADAL" clId="{75615983-1094-4174-86F6-1BDEAFC21390}" dt="2024-05-06T06:53:48.713" v="81" actId="478"/>
+          <ac:picMkLst>
+            <pc:docMk/>
+            <pc:sldMk cId="0" sldId="260"/>
+            <ac:picMk id="7" creationId="{096CA52F-A5BE-E887-2FC0-750F778DC0A6}"/>
+          </ac:picMkLst>
+        </pc:picChg>
+        <pc:picChg chg="add mod">
+          <ac:chgData name="Giulio Beltrami" userId="e0bbba2c-5e70-403a-8e6b-090771782fcf" providerId="ADAL" clId="{75615983-1094-4174-86F6-1BDEAFC21390}" dt="2024-05-06T07:07:57.247" v="102" actId="14100"/>
+          <ac:picMkLst>
+            <pc:docMk/>
+            <pc:sldMk cId="0" sldId="260"/>
+            <ac:picMk id="9" creationId="{6740CD09-766B-56AB-97D0-23F23EFF7329}"/>
+          </ac:picMkLst>
+        </pc:picChg>
+        <pc:picChg chg="add mod">
+          <ac:chgData name="Giulio Beltrami" userId="e0bbba2c-5e70-403a-8e6b-090771782fcf" providerId="ADAL" clId="{75615983-1094-4174-86F6-1BDEAFC21390}" dt="2024-05-06T06:55:53.213" v="88" actId="1076"/>
+          <ac:picMkLst>
+            <pc:docMk/>
+            <pc:sldMk cId="0" sldId="260"/>
+            <ac:picMk id="11" creationId="{CABD73F2-4B21-FD84-B62F-7AF7BBB05A19}"/>
+          </ac:picMkLst>
+        </pc:picChg>
+        <pc:picChg chg="add del mod">
+          <ac:chgData name="Giulio Beltrami" userId="e0bbba2c-5e70-403a-8e6b-090771782fcf" providerId="ADAL" clId="{75615983-1094-4174-86F6-1BDEAFC21390}" dt="2024-05-06T07:12:47.815" v="115" actId="478"/>
+          <ac:picMkLst>
+            <pc:docMk/>
+            <pc:sldMk cId="0" sldId="260"/>
+            <ac:picMk id="13" creationId="{761DB654-921B-4789-5EA0-6C30F5EE5B55}"/>
+          </ac:picMkLst>
+        </pc:picChg>
+        <pc:picChg chg="add mod">
+          <ac:chgData name="Giulio Beltrami" userId="e0bbba2c-5e70-403a-8e6b-090771782fcf" providerId="ADAL" clId="{75615983-1094-4174-86F6-1BDEAFC21390}" dt="2024-05-06T07:56:37.870" v="221" actId="14100"/>
+          <ac:picMkLst>
+            <pc:docMk/>
+            <pc:sldMk cId="0" sldId="260"/>
+            <ac:picMk id="15" creationId="{C1922D88-B158-7975-5FE0-D1D54C8A037C}"/>
+          </ac:picMkLst>
+        </pc:picChg>
+        <pc:picChg chg="add mod">
+          <ac:chgData name="Giulio Beltrami" userId="e0bbba2c-5e70-403a-8e6b-090771782fcf" providerId="ADAL" clId="{75615983-1094-4174-86F6-1BDEAFC21390}" dt="2024-05-06T07:56:45.513" v="224" actId="14100"/>
+          <ac:picMkLst>
+            <pc:docMk/>
+            <pc:sldMk cId="0" sldId="260"/>
+            <ac:picMk id="17" creationId="{FD5EF55D-8CE4-2B36-095F-66AD3A1F8822}"/>
+          </ac:picMkLst>
+        </pc:picChg>
+      </pc:sldChg>
+      <pc:sldChg chg="addSp delSp modSp mod">
+        <pc:chgData name="Giulio Beltrami" userId="e0bbba2c-5e70-403a-8e6b-090771782fcf" providerId="ADAL" clId="{75615983-1094-4174-86F6-1BDEAFC21390}" dt="2024-05-06T07:19:30.177" v="146" actId="14100"/>
+        <pc:sldMkLst>
+          <pc:docMk/>
+          <pc:sldMk cId="0" sldId="261"/>
+        </pc:sldMkLst>
+        <pc:spChg chg="del">
+          <ac:chgData name="Giulio Beltrami" userId="e0bbba2c-5e70-403a-8e6b-090771782fcf" providerId="ADAL" clId="{75615983-1094-4174-86F6-1BDEAFC21390}" dt="2024-05-06T07:08:34.043" v="107" actId="478"/>
+          <ac:spMkLst>
+            <pc:docMk/>
+            <pc:sldMk cId="0" sldId="261"/>
+            <ac:spMk id="115" creationId="{00000000-0000-0000-0000-000000000000}"/>
+          </ac:spMkLst>
+        </pc:spChg>
+        <pc:spChg chg="del">
+          <ac:chgData name="Giulio Beltrami" userId="e0bbba2c-5e70-403a-8e6b-090771782fcf" providerId="ADAL" clId="{75615983-1094-4174-86F6-1BDEAFC21390}" dt="2024-05-06T07:08:31.339" v="106" actId="478"/>
+          <ac:spMkLst>
+            <pc:docMk/>
+            <pc:sldMk cId="0" sldId="261"/>
+            <ac:spMk id="117" creationId="{00000000-0000-0000-0000-000000000000}"/>
+          </ac:spMkLst>
+        </pc:spChg>
+        <pc:spChg chg="del">
+          <ac:chgData name="Giulio Beltrami" userId="e0bbba2c-5e70-403a-8e6b-090771782fcf" providerId="ADAL" clId="{75615983-1094-4174-86F6-1BDEAFC21390}" dt="2024-05-06T07:07:24.466" v="94" actId="478"/>
+          <ac:spMkLst>
+            <pc:docMk/>
+            <pc:sldMk cId="0" sldId="261"/>
+            <ac:spMk id="118" creationId="{00000000-0000-0000-0000-000000000000}"/>
+          </ac:spMkLst>
+        </pc:spChg>
+        <pc:spChg chg="del">
+          <ac:chgData name="Giulio Beltrami" userId="e0bbba2c-5e70-403a-8e6b-090771782fcf" providerId="ADAL" clId="{75615983-1094-4174-86F6-1BDEAFC21390}" dt="2024-05-06T07:07:49.792" v="99" actId="478"/>
+          <ac:spMkLst>
+            <pc:docMk/>
+            <pc:sldMk cId="0" sldId="261"/>
+            <ac:spMk id="119" creationId="{00000000-0000-0000-0000-000000000000}"/>
+          </ac:spMkLst>
+        </pc:spChg>
+        <pc:picChg chg="add mod">
+          <ac:chgData name="Giulio Beltrami" userId="e0bbba2c-5e70-403a-8e6b-090771782fcf" providerId="ADAL" clId="{75615983-1094-4174-86F6-1BDEAFC21390}" dt="2024-05-06T07:08:39.578" v="108" actId="1076"/>
+          <ac:picMkLst>
+            <pc:docMk/>
+            <pc:sldMk cId="0" sldId="261"/>
+            <ac:picMk id="3" creationId="{60E7DD48-7F42-DFE4-E7ED-66B0F31FF4A0}"/>
+          </ac:picMkLst>
+        </pc:picChg>
+        <pc:picChg chg="add del mod">
+          <ac:chgData name="Giulio Beltrami" userId="e0bbba2c-5e70-403a-8e6b-090771782fcf" providerId="ADAL" clId="{75615983-1094-4174-86F6-1BDEAFC21390}" dt="2024-05-06T07:16:01.483" v="120" actId="478"/>
+          <ac:picMkLst>
+            <pc:docMk/>
+            <pc:sldMk cId="0" sldId="261"/>
+            <ac:picMk id="5" creationId="{F2935217-844E-0D07-C45B-94F73FBD8128}"/>
+          </ac:picMkLst>
+        </pc:picChg>
+        <pc:picChg chg="add mod">
+          <ac:chgData name="Giulio Beltrami" userId="e0bbba2c-5e70-403a-8e6b-090771782fcf" providerId="ADAL" clId="{75615983-1094-4174-86F6-1BDEAFC21390}" dt="2024-05-06T07:09:13.740" v="113" actId="14100"/>
+          <ac:picMkLst>
+            <pc:docMk/>
+            <pc:sldMk cId="0" sldId="261"/>
+            <ac:picMk id="7" creationId="{DD59CABE-83A3-D538-3AD8-901AC1286E22}"/>
+          </ac:picMkLst>
+        </pc:picChg>
+        <pc:picChg chg="add mod">
+          <ac:chgData name="Giulio Beltrami" userId="e0bbba2c-5e70-403a-8e6b-090771782fcf" providerId="ADAL" clId="{75615983-1094-4174-86F6-1BDEAFC21390}" dt="2024-05-06T07:19:21.225" v="143" actId="1076"/>
+          <ac:picMkLst>
+            <pc:docMk/>
+            <pc:sldMk cId="0" sldId="261"/>
+            <ac:picMk id="9" creationId="{ADE7A7CA-EEE2-AFA0-7256-B7316628FCEE}"/>
+          </ac:picMkLst>
+        </pc:picChg>
+        <pc:picChg chg="add mod">
+          <ac:chgData name="Giulio Beltrami" userId="e0bbba2c-5e70-403a-8e6b-090771782fcf" providerId="ADAL" clId="{75615983-1094-4174-86F6-1BDEAFC21390}" dt="2024-05-06T07:19:30.177" v="146" actId="14100"/>
+          <ac:picMkLst>
+            <pc:docMk/>
+            <pc:sldMk cId="0" sldId="261"/>
+            <ac:picMk id="11" creationId="{CB30D64F-1F09-B963-F2D6-FB8A4C54F2B5}"/>
+          </ac:picMkLst>
+        </pc:picChg>
+      </pc:sldChg>
+      <pc:sldChg chg="addSp delSp modSp mod">
+        <pc:chgData name="Giulio Beltrami" userId="e0bbba2c-5e70-403a-8e6b-090771782fcf" providerId="ADAL" clId="{75615983-1094-4174-86F6-1BDEAFC21390}" dt="2024-05-06T07:25:12.956" v="173" actId="1076"/>
+        <pc:sldMkLst>
+          <pc:docMk/>
+          <pc:sldMk cId="0" sldId="262"/>
+        </pc:sldMkLst>
+        <pc:spChg chg="del">
+          <ac:chgData name="Giulio Beltrami" userId="e0bbba2c-5e70-403a-8e6b-090771782fcf" providerId="ADAL" clId="{75615983-1094-4174-86F6-1BDEAFC21390}" dt="2024-05-06T07:16:17.217" v="121" actId="478"/>
+          <ac:spMkLst>
+            <pc:docMk/>
+            <pc:sldMk cId="0" sldId="262"/>
+            <ac:spMk id="122" creationId="{00000000-0000-0000-0000-000000000000}"/>
+          </ac:spMkLst>
+        </pc:spChg>
+        <pc:spChg chg="del mod">
+          <ac:chgData name="Giulio Beltrami" userId="e0bbba2c-5e70-403a-8e6b-090771782fcf" providerId="ADAL" clId="{75615983-1094-4174-86F6-1BDEAFC21390}" dt="2024-05-06T07:24:12.946" v="149" actId="478"/>
+          <ac:spMkLst>
+            <pc:docMk/>
+            <pc:sldMk cId="0" sldId="262"/>
+            <ac:spMk id="123" creationId="{00000000-0000-0000-0000-000000000000}"/>
+          </ac:spMkLst>
+        </pc:spChg>
+        <pc:spChg chg="del mod">
+          <ac:chgData name="Giulio Beltrami" userId="e0bbba2c-5e70-403a-8e6b-090771782fcf" providerId="ADAL" clId="{75615983-1094-4174-86F6-1BDEAFC21390}" dt="2024-05-06T07:24:11.241" v="148" actId="478"/>
+          <ac:spMkLst>
+            <pc:docMk/>
+            <pc:sldMk cId="0" sldId="262"/>
+            <ac:spMk id="124" creationId="{00000000-0000-0000-0000-000000000000}"/>
+          </ac:spMkLst>
+        </pc:spChg>
+        <pc:picChg chg="add mod">
+          <ac:chgData name="Giulio Beltrami" userId="e0bbba2c-5e70-403a-8e6b-090771782fcf" providerId="ADAL" clId="{75615983-1094-4174-86F6-1BDEAFC21390}" dt="2024-05-06T07:16:59.388" v="135" actId="1076"/>
+          <ac:picMkLst>
+            <pc:docMk/>
+            <pc:sldMk cId="0" sldId="262"/>
+            <ac:picMk id="3" creationId="{37A8DE77-88B5-45FE-67C5-49E00E193920}"/>
+          </ac:picMkLst>
+        </pc:picChg>
+        <pc:picChg chg="add mod">
+          <ac:chgData name="Giulio Beltrami" userId="e0bbba2c-5e70-403a-8e6b-090771782fcf" providerId="ADAL" clId="{75615983-1094-4174-86F6-1BDEAFC21390}" dt="2024-05-06T07:16:57.227" v="134" actId="1076"/>
+          <ac:picMkLst>
+            <pc:docMk/>
+            <pc:sldMk cId="0" sldId="262"/>
+            <ac:picMk id="5" creationId="{21F6FA40-3393-52E4-4F8F-D4C76F1E90FB}"/>
+          </ac:picMkLst>
+        </pc:picChg>
+        <pc:picChg chg="add mod">
+          <ac:chgData name="Giulio Beltrami" userId="e0bbba2c-5e70-403a-8e6b-090771782fcf" providerId="ADAL" clId="{75615983-1094-4174-86F6-1BDEAFC21390}" dt="2024-05-06T07:16:55.541" v="133" actId="1076"/>
+          <ac:picMkLst>
+            <pc:docMk/>
+            <pc:sldMk cId="0" sldId="262"/>
+            <ac:picMk id="7" creationId="{DE3D8ECA-9D3C-07C7-DD2A-619B3BEC40BF}"/>
+          </ac:picMkLst>
+        </pc:picChg>
+        <pc:picChg chg="add mod">
+          <ac:chgData name="Giulio Beltrami" userId="e0bbba2c-5e70-403a-8e6b-090771782fcf" providerId="ADAL" clId="{75615983-1094-4174-86F6-1BDEAFC21390}" dt="2024-05-06T07:24:55.717" v="162" actId="1076"/>
+          <ac:picMkLst>
+            <pc:docMk/>
+            <pc:sldMk cId="0" sldId="262"/>
+            <ac:picMk id="9" creationId="{3EB6B0C6-4C4E-88BB-7D9B-C689576F33FE}"/>
+          </ac:picMkLst>
+        </pc:picChg>
+        <pc:picChg chg="add mod">
+          <ac:chgData name="Giulio Beltrami" userId="e0bbba2c-5e70-403a-8e6b-090771782fcf" providerId="ADAL" clId="{75615983-1094-4174-86F6-1BDEAFC21390}" dt="2024-05-06T07:25:08.882" v="170" actId="1076"/>
+          <ac:picMkLst>
+            <pc:docMk/>
+            <pc:sldMk cId="0" sldId="262"/>
+            <ac:picMk id="11" creationId="{07A58E34-4FD3-7704-E075-B36D7C7C3028}"/>
+          </ac:picMkLst>
+        </pc:picChg>
+        <pc:picChg chg="add mod">
+          <ac:chgData name="Giulio Beltrami" userId="e0bbba2c-5e70-403a-8e6b-090771782fcf" providerId="ADAL" clId="{75615983-1094-4174-86F6-1BDEAFC21390}" dt="2024-05-06T07:25:12.956" v="173" actId="1076"/>
+          <ac:picMkLst>
+            <pc:docMk/>
+            <pc:sldMk cId="0" sldId="262"/>
+            <ac:picMk id="13" creationId="{2C257892-A96C-6906-3B78-2205EF09F4ED}"/>
+          </ac:picMkLst>
+        </pc:picChg>
+        <pc:picChg chg="add mod">
+          <ac:chgData name="Giulio Beltrami" userId="e0bbba2c-5e70-403a-8e6b-090771782fcf" providerId="ADAL" clId="{75615983-1094-4174-86F6-1BDEAFC21390}" dt="2024-05-06T07:24:48.002" v="158" actId="14100"/>
+          <ac:picMkLst>
+            <pc:docMk/>
+            <pc:sldMk cId="0" sldId="262"/>
+            <ac:picMk id="15" creationId="{A26EC5CB-FC24-3664-2089-2AA6C241D358}"/>
+          </ac:picMkLst>
+        </pc:picChg>
+        <pc:picChg chg="add mod">
+          <ac:chgData name="Giulio Beltrami" userId="e0bbba2c-5e70-403a-8e6b-090771782fcf" providerId="ADAL" clId="{75615983-1094-4174-86F6-1BDEAFC21390}" dt="2024-05-06T07:24:49.636" v="159" actId="14100"/>
+          <ac:picMkLst>
+            <pc:docMk/>
+            <pc:sldMk cId="0" sldId="262"/>
+            <ac:picMk id="17" creationId="{EC92398E-EA15-A4FA-2314-01A0A247876D}"/>
+          </ac:picMkLst>
+        </pc:picChg>
+      </pc:sldChg>
+      <pc:sldChg chg="addSp delSp modSp mod">
+        <pc:chgData name="Giulio Beltrami" userId="e0bbba2c-5e70-403a-8e6b-090771782fcf" providerId="ADAL" clId="{75615983-1094-4174-86F6-1BDEAFC21390}" dt="2024-05-06T07:56:19.144" v="220" actId="1076"/>
+        <pc:sldMkLst>
+          <pc:docMk/>
+          <pc:sldMk cId="0" sldId="263"/>
+        </pc:sldMkLst>
+        <pc:spChg chg="add del mod">
+          <ac:chgData name="Giulio Beltrami" userId="e0bbba2c-5e70-403a-8e6b-090771782fcf" providerId="ADAL" clId="{75615983-1094-4174-86F6-1BDEAFC21390}" dt="2024-05-06T07:46:08.845" v="205" actId="478"/>
+          <ac:spMkLst>
+            <pc:docMk/>
+            <pc:sldMk cId="0" sldId="263"/>
+            <ac:spMk id="126" creationId="{00000000-0000-0000-0000-000000000000}"/>
+          </ac:spMkLst>
+        </pc:spChg>
+        <pc:spChg chg="del mod">
+          <ac:chgData name="Giulio Beltrami" userId="e0bbba2c-5e70-403a-8e6b-090771782fcf" providerId="ADAL" clId="{75615983-1094-4174-86F6-1BDEAFC21390}" dt="2024-05-05T08:42:19.029" v="1" actId="478"/>
+          <ac:spMkLst>
+            <pc:docMk/>
+            <pc:sldMk cId="0" sldId="263"/>
+            <ac:spMk id="128" creationId="{00000000-0000-0000-0000-000000000000}"/>
+          </ac:spMkLst>
+        </pc:spChg>
+        <pc:spChg chg="del">
+          <ac:chgData name="Giulio Beltrami" userId="e0bbba2c-5e70-403a-8e6b-090771782fcf" providerId="ADAL" clId="{75615983-1094-4174-86F6-1BDEAFC21390}" dt="2024-05-06T07:54:22.257" v="211" actId="478"/>
+          <ac:spMkLst>
+            <pc:docMk/>
+            <pc:sldMk cId="0" sldId="263"/>
+            <ac:spMk id="129" creationId="{00000000-0000-0000-0000-000000000000}"/>
+          </ac:spMkLst>
+        </pc:spChg>
+        <pc:spChg chg="del mod">
+          <ac:chgData name="Giulio Beltrami" userId="e0bbba2c-5e70-403a-8e6b-090771782fcf" providerId="ADAL" clId="{75615983-1094-4174-86F6-1BDEAFC21390}" dt="2024-05-06T07:55:32.502" v="216" actId="478"/>
+          <ac:spMkLst>
+            <pc:docMk/>
+            <pc:sldMk cId="0" sldId="263"/>
+            <ac:spMk id="130" creationId="{00000000-0000-0000-0000-000000000000}"/>
+          </ac:spMkLst>
+        </pc:spChg>
+        <pc:picChg chg="add del mod">
+          <ac:chgData name="Giulio Beltrami" userId="e0bbba2c-5e70-403a-8e6b-090771782fcf" providerId="ADAL" clId="{75615983-1094-4174-86F6-1BDEAFC21390}" dt="2024-05-05T08:44:35.790" v="4" actId="478"/>
+          <ac:picMkLst>
+            <pc:docMk/>
+            <pc:sldMk cId="0" sldId="263"/>
+            <ac:picMk id="3" creationId="{67D9E763-E1C0-A0EC-B96C-B7DDA9989D37}"/>
+          </ac:picMkLst>
+        </pc:picChg>
+        <pc:picChg chg="add mod">
+          <ac:chgData name="Giulio Beltrami" userId="e0bbba2c-5e70-403a-8e6b-090771782fcf" providerId="ADAL" clId="{75615983-1094-4174-86F6-1BDEAFC21390}" dt="2024-05-06T06:31:57.299" v="11" actId="1076"/>
+          <ac:picMkLst>
+            <pc:docMk/>
+            <pc:sldMk cId="0" sldId="263"/>
+            <ac:picMk id="3" creationId="{EF95C93D-D703-F427-646B-E5C955EDEBF1}"/>
+          </ac:picMkLst>
+        </pc:picChg>
+        <pc:picChg chg="add mod">
+          <ac:chgData name="Giulio Beltrami" userId="e0bbba2c-5e70-403a-8e6b-090771782fcf" providerId="ADAL" clId="{75615983-1094-4174-86F6-1BDEAFC21390}" dt="2024-05-06T07:52:10.587" v="210" actId="1076"/>
+          <ac:picMkLst>
+            <pc:docMk/>
+            <pc:sldMk cId="0" sldId="263"/>
+            <ac:picMk id="5" creationId="{7E8976B2-01D4-7998-FE36-1B720BC72D69}"/>
+          </ac:picMkLst>
+        </pc:picChg>
+        <pc:picChg chg="add mod">
+          <ac:chgData name="Giulio Beltrami" userId="e0bbba2c-5e70-403a-8e6b-090771782fcf" providerId="ADAL" clId="{75615983-1094-4174-86F6-1BDEAFC21390}" dt="2024-05-06T07:55:26.521" v="215" actId="1076"/>
+          <ac:picMkLst>
+            <pc:docMk/>
+            <pc:sldMk cId="0" sldId="263"/>
+            <ac:picMk id="7" creationId="{901BD27A-44CA-41DD-82D9-8D3167D2343B}"/>
+          </ac:picMkLst>
+        </pc:picChg>
+        <pc:picChg chg="add mod">
+          <ac:chgData name="Giulio Beltrami" userId="e0bbba2c-5e70-403a-8e6b-090771782fcf" providerId="ADAL" clId="{75615983-1094-4174-86F6-1BDEAFC21390}" dt="2024-05-06T07:56:19.144" v="220" actId="1076"/>
+          <ac:picMkLst>
+            <pc:docMk/>
+            <pc:sldMk cId="0" sldId="263"/>
+            <ac:picMk id="9" creationId="{E6091B78-62D2-AC10-F176-AAAC81AE17CD}"/>
+          </ac:picMkLst>
+        </pc:picChg>
+      </pc:sldChg>
+      <pc:sldChg chg="addSp delSp modSp mod">
+        <pc:chgData name="Giulio Beltrami" userId="e0bbba2c-5e70-403a-8e6b-090771782fcf" providerId="ADAL" clId="{75615983-1094-4174-86F6-1BDEAFC21390}" dt="2024-05-06T07:38:49.078" v="192" actId="1076"/>
+        <pc:sldMkLst>
+          <pc:docMk/>
+          <pc:sldMk cId="0" sldId="264"/>
+        </pc:sldMkLst>
+        <pc:spChg chg="del">
+          <ac:chgData name="Giulio Beltrami" userId="e0bbba2c-5e70-403a-8e6b-090771782fcf" providerId="ADAL" clId="{75615983-1094-4174-86F6-1BDEAFC21390}" dt="2024-05-06T07:37:33.093" v="185" actId="478"/>
+          <ac:spMkLst>
+            <pc:docMk/>
+            <pc:sldMk cId="0" sldId="264"/>
+            <ac:spMk id="133" creationId="{00000000-0000-0000-0000-000000000000}"/>
+          </ac:spMkLst>
+        </pc:spChg>
+        <pc:spChg chg="mod">
+          <ac:chgData name="Giulio Beltrami" userId="e0bbba2c-5e70-403a-8e6b-090771782fcf" providerId="ADAL" clId="{75615983-1094-4174-86F6-1BDEAFC21390}" dt="2024-05-06T07:38:46.151" v="191" actId="1076"/>
+          <ac:spMkLst>
+            <pc:docMk/>
+            <pc:sldMk cId="0" sldId="264"/>
+            <ac:spMk id="134" creationId="{00000000-0000-0000-0000-000000000000}"/>
+          </ac:spMkLst>
+        </pc:spChg>
+        <pc:picChg chg="add del mod">
+          <ac:chgData name="Giulio Beltrami" userId="e0bbba2c-5e70-403a-8e6b-090771782fcf" providerId="ADAL" clId="{75615983-1094-4174-86F6-1BDEAFC21390}" dt="2024-05-06T07:37:46.342" v="187" actId="478"/>
+          <ac:picMkLst>
+            <pc:docMk/>
+            <pc:sldMk cId="0" sldId="264"/>
+            <ac:picMk id="3" creationId="{367D103D-8793-CA39-3C2C-D160E76011AC}"/>
+          </ac:picMkLst>
+        </pc:picChg>
+        <pc:picChg chg="add mod">
+          <ac:chgData name="Giulio Beltrami" userId="e0bbba2c-5e70-403a-8e6b-090771782fcf" providerId="ADAL" clId="{75615983-1094-4174-86F6-1BDEAFC21390}" dt="2024-05-06T07:38:49.078" v="192" actId="1076"/>
+          <ac:picMkLst>
+            <pc:docMk/>
+            <pc:sldMk cId="0" sldId="264"/>
+            <ac:picMk id="5" creationId="{1597D2F8-DCBC-E080-A937-CDA10F0CD3AA}"/>
+          </ac:picMkLst>
+        </pc:picChg>
+      </pc:sldChg>
+    </pc:docChg>
+  </pc:docChgLst>
+</pc:chgInfo>
+</file>
+
 <file path=ppt/notesMasters/notesMaster1.xml><?xml version="1.0" encoding="utf-8"?>
 <p:notesMaster xmlns:a="http://schemas.openxmlformats.org/drawingml/2006/main" xmlns:r="http://schemas.openxmlformats.org/officeDocument/2006/relationships" xmlns:p="http://schemas.openxmlformats.org/presentationml/2006/main">
   <p:cSld>
@@ -536,7 +968,7 @@
         <p:spPr>
           <a:xfrm>
             <a:off x="685800" y="1143000"/>
-            <a:ext cx="5485680" cy="3085560"/>
+            <a:ext cx="5486400" cy="3086100"/>
           </a:xfrm>
           <a:prstGeom prst="rect">
             <a:avLst/>
@@ -1376,7 +1808,7 @@
         <p:spPr>
           <a:xfrm>
             <a:off x="685800" y="1143000"/>
-            <a:ext cx="5485680" cy="3085560"/>
+            <a:ext cx="5486400" cy="3086100"/>
           </a:xfrm>
           <a:prstGeom prst="rect">
             <a:avLst/>
@@ -1516,7 +1948,7 @@
         <p:spPr>
           <a:xfrm>
             <a:off x="685800" y="1143000"/>
-            <a:ext cx="5485680" cy="3085560"/>
+            <a:ext cx="5486400" cy="3086100"/>
           </a:xfrm>
           <a:prstGeom prst="rect">
             <a:avLst/>
@@ -1656,7 +2088,7 @@
         <p:spPr>
           <a:xfrm>
             <a:off x="685800" y="1143000"/>
-            <a:ext cx="5485680" cy="3085560"/>
+            <a:ext cx="5486400" cy="3086100"/>
           </a:xfrm>
           <a:prstGeom prst="rect">
             <a:avLst/>
@@ -1796,7 +2228,7 @@
         <p:spPr>
           <a:xfrm>
             <a:off x="685800" y="1143000"/>
-            <a:ext cx="5485680" cy="3085560"/>
+            <a:ext cx="5486400" cy="3086100"/>
           </a:xfrm>
           <a:prstGeom prst="rect">
             <a:avLst/>
@@ -1936,7 +2368,7 @@
         <p:spPr>
           <a:xfrm>
             <a:off x="685800" y="1143000"/>
-            <a:ext cx="5485680" cy="3085560"/>
+            <a:ext cx="5486400" cy="3086100"/>
           </a:xfrm>
           <a:prstGeom prst="rect">
             <a:avLst/>
@@ -6571,7 +7003,7 @@
         </p:spPr>
         <p:txBody>
           <a:bodyPr lIns="90000" tIns="45000" rIns="90000" bIns="45000" anchor="t">
-            <a:normAutofit/>
+            <a:normAutofit fontScale="90000"/>
           </a:bodyPr>
           <a:lstStyle/>
           <a:p>
@@ -6582,16 +7014,46 @@
               <a:buNone/>
             </a:pPr>
             <a:r>
-              <a:rPr lang="it-IT" sz="5000" b="0" strike="noStrike" spc="-1">
+              <a:rPr lang="it-IT" sz="5000" b="0" strike="noStrike" spc="-1" dirty="0">
                 <a:solidFill>
                   <a:srgbClr val="FFFFFF"/>
                 </a:solidFill>
                 <a:latin typeface="Verdana"/>
                 <a:ea typeface="Verdana"/>
               </a:rPr>
-              <a:t>Controllo visivo in Sliding Mode di un Rover</a:t>
+              <a:t>Controllo in Sliding Mode di un Rover con </a:t>
             </a:r>
-            <a:endParaRPr lang="it-IT" sz="5000" b="0" strike="noStrike" spc="-1">
+            <a:r>
+              <a:rPr lang="it-IT" sz="5000" b="0" strike="noStrike" spc="-1" dirty="0" err="1">
+                <a:solidFill>
+                  <a:srgbClr val="FFFFFF"/>
+                </a:solidFill>
+                <a:latin typeface="Verdana"/>
+                <a:ea typeface="Verdana"/>
+              </a:rPr>
+              <a:t>waypoint</a:t>
+            </a:r>
+            <a:r>
+              <a:rPr lang="it-IT" sz="5000" b="0" strike="noStrike" spc="-1" dirty="0">
+                <a:solidFill>
+                  <a:srgbClr val="FFFFFF"/>
+                </a:solidFill>
+                <a:latin typeface="Verdana"/>
+                <a:ea typeface="Verdana"/>
+              </a:rPr>
+              <a:t> </a:t>
+            </a:r>
+            <a:r>
+              <a:rPr lang="it-IT" sz="5000" b="0" strike="noStrike" spc="-1" dirty="0" err="1">
+                <a:solidFill>
+                  <a:srgbClr val="FFFFFF"/>
+                </a:solidFill>
+                <a:latin typeface="Verdana"/>
+                <a:ea typeface="Verdana"/>
+              </a:rPr>
+              <a:t>ArUco</a:t>
+            </a:r>
+            <a:endParaRPr lang="it-IT" sz="5000" b="0" strike="noStrike" spc="-1" dirty="0">
               <a:latin typeface="Arial"/>
             </a:endParaRPr>
           </a:p>
@@ -8562,62 +9024,6 @@
       </p:sp>
       <p:sp>
         <p:nvSpPr>
-          <p:cNvPr id="105" name="PlaceHolder 2"/>
-          <p:cNvSpPr>
-            <a:spLocks noGrp="1"/>
-          </p:cNvSpPr>
-          <p:nvPr>
-            <p:ph/>
-          </p:nvPr>
-        </p:nvSpPr>
-        <p:spPr>
-          <a:xfrm>
-            <a:off x="775800" y="1821960"/>
-            <a:ext cx="2643840" cy="1237680"/>
-          </a:xfrm>
-          <a:prstGeom prst="rect">
-            <a:avLst/>
-          </a:prstGeom>
-          <a:noFill/>
-          <a:ln w="0">
-            <a:noFill/>
-          </a:ln>
-        </p:spPr>
-        <p:txBody>
-          <a:bodyPr lIns="90000" tIns="45000" rIns="90000" bIns="45000" anchor="t">
-            <a:noAutofit/>
-          </a:bodyPr>
-          <a:lstStyle/>
-          <a:p>
-            <a:pPr marL="7920">
-              <a:lnSpc>
-                <a:spcPct val="150000"/>
-              </a:lnSpc>
-              <a:spcBef>
-                <a:spcPts val="1001"/>
-              </a:spcBef>
-              <a:buNone/>
-              <a:tabLst>
-                <a:tab pos="0" algn="l"/>
-              </a:tabLst>
-            </a:pPr>
-            <a:r>
-              <a:rPr lang="en-US" sz="1800" b="0" strike="noStrike" spc="-1">
-                <a:solidFill>
-                  <a:srgbClr val="000000"/>
-                </a:solidFill>
-                <a:latin typeface="Verdana"/>
-              </a:rPr>
-              <a:t>J_rep = ...</a:t>
-            </a:r>
-            <a:endParaRPr lang="it-IT" sz="1800" b="0" strike="noStrike" spc="-1">
-              <a:latin typeface="Arial"/>
-            </a:endParaRPr>
-          </a:p>
-        </p:txBody>
-      </p:sp>
-      <p:sp>
-        <p:nvSpPr>
           <p:cNvPr id="106" name="PlaceHolder 3"/>
           <p:cNvSpPr>
             <a:spLocks noGrp="1"/>
@@ -8669,70 +9075,6 @@
       </p:sp>
       <p:sp>
         <p:nvSpPr>
-          <p:cNvPr id="107" name="Segnaposto testo 3"/>
-          <p:cNvSpPr/>
-          <p:nvPr/>
-        </p:nvSpPr>
-        <p:spPr>
-          <a:xfrm>
-            <a:off x="5455800" y="1821960"/>
-            <a:ext cx="2643840" cy="1237680"/>
-          </a:xfrm>
-          <a:prstGeom prst="rect">
-            <a:avLst/>
-          </a:prstGeom>
-          <a:noFill/>
-          <a:ln w="0">
-            <a:noFill/>
-          </a:ln>
-        </p:spPr>
-        <p:style>
-          <a:lnRef idx="0">
-            <a:scrgbClr r="0" g="0" b="0"/>
-          </a:lnRef>
-          <a:fillRef idx="0">
-            <a:scrgbClr r="0" g="0" b="0"/>
-          </a:fillRef>
-          <a:effectRef idx="0">
-            <a:scrgbClr r="0" g="0" b="0"/>
-          </a:effectRef>
-          <a:fontRef idx="minor"/>
-        </p:style>
-        <p:txBody>
-          <a:bodyPr lIns="90000" tIns="45000" rIns="90000" bIns="45000" anchor="t">
-            <a:noAutofit/>
-          </a:bodyPr>
-          <a:lstStyle/>
-          <a:p>
-            <a:pPr marL="7920">
-              <a:lnSpc>
-                <a:spcPct val="150000"/>
-              </a:lnSpc>
-              <a:spcBef>
-                <a:spcPts val="1001"/>
-              </a:spcBef>
-              <a:buNone/>
-              <a:tabLst>
-                <a:tab pos="0" algn="l"/>
-              </a:tabLst>
-            </a:pPr>
-            <a:r>
-              <a:rPr lang="en-US" sz="1800" b="0" strike="noStrike" spc="-1">
-                <a:solidFill>
-                  <a:srgbClr val="000000"/>
-                </a:solidFill>
-                <a:latin typeface="Verdana"/>
-              </a:rPr>
-              <a:t>J_att = ...</a:t>
-            </a:r>
-            <a:endParaRPr lang="it-IT" sz="1800" b="0" strike="noStrike" spc="-1">
-              <a:latin typeface="Arial"/>
-            </a:endParaRPr>
-          </a:p>
-        </p:txBody>
-      </p:sp>
-      <p:sp>
-        <p:nvSpPr>
           <p:cNvPr id="108" name="Titolo 1"/>
           <p:cNvSpPr/>
           <p:nvPr/>
@@ -8785,70 +9127,6 @@
               <a:t>Nodo controllo</a:t>
             </a:r>
             <a:endParaRPr lang="it-IT" sz="2200" b="0" strike="noStrike" spc="-1">
-              <a:latin typeface="Arial"/>
-            </a:endParaRPr>
-          </a:p>
-        </p:txBody>
-      </p:sp>
-      <p:sp>
-        <p:nvSpPr>
-          <p:cNvPr id="109" name="Segnaposto testo 4"/>
-          <p:cNvSpPr/>
-          <p:nvPr/>
-        </p:nvSpPr>
-        <p:spPr>
-          <a:xfrm>
-            <a:off x="900000" y="3600000"/>
-            <a:ext cx="2643840" cy="1237680"/>
-          </a:xfrm>
-          <a:prstGeom prst="rect">
-            <a:avLst/>
-          </a:prstGeom>
-          <a:noFill/>
-          <a:ln w="0">
-            <a:noFill/>
-          </a:ln>
-        </p:spPr>
-        <p:style>
-          <a:lnRef idx="0">
-            <a:scrgbClr r="0" g="0" b="0"/>
-          </a:lnRef>
-          <a:fillRef idx="0">
-            <a:scrgbClr r="0" g="0" b="0"/>
-          </a:fillRef>
-          <a:effectRef idx="0">
-            <a:scrgbClr r="0" g="0" b="0"/>
-          </a:effectRef>
-          <a:fontRef idx="minor"/>
-        </p:style>
-        <p:txBody>
-          <a:bodyPr lIns="90000" tIns="45000" rIns="90000" bIns="45000" anchor="t">
-            <a:noAutofit/>
-          </a:bodyPr>
-          <a:lstStyle/>
-          <a:p>
-            <a:pPr marL="7920">
-              <a:lnSpc>
-                <a:spcPct val="150000"/>
-              </a:lnSpc>
-              <a:spcBef>
-                <a:spcPts val="1001"/>
-              </a:spcBef>
-              <a:buNone/>
-              <a:tabLst>
-                <a:tab pos="0" algn="l"/>
-              </a:tabLst>
-            </a:pPr>
-            <a:r>
-              <a:rPr lang="en-US" sz="1800" b="0" strike="noStrike" spc="-1">
-                <a:solidFill>
-                  <a:srgbClr val="000000"/>
-                </a:solidFill>
-                <a:latin typeface="Verdana"/>
-              </a:rPr>
-              <a:t>Immagine LOS</a:t>
-            </a:r>
-            <a:endParaRPr lang="it-IT" sz="1800" b="0" strike="noStrike" spc="-1">
               <a:latin typeface="Arial"/>
             </a:endParaRPr>
           </a:p>
@@ -9027,84 +9305,224 @@
               </a:tabLst>
             </a:pPr>
             <a:r>
-              <a:rPr lang="en-US" sz="1800" b="0" strike="noStrike" spc="-1">
+              <a:rPr lang="en-US" sz="1800" b="0" strike="noStrike" spc="-1" dirty="0" err="1">
                 <a:solidFill>
                   <a:srgbClr val="000000"/>
                 </a:solidFill>
                 <a:latin typeface="Verdana"/>
               </a:rPr>
-              <a:t>Parametri APF</a:t>
+              <a:t>Parametri</a:t>
             </a:r>
-            <a:endParaRPr lang="it-IT" sz="1800" b="0" strike="noStrike" spc="-1">
-              <a:latin typeface="Arial"/>
-            </a:endParaRPr>
-          </a:p>
-        </p:txBody>
-      </p:sp>
-      <p:sp>
-        <p:nvSpPr>
-          <p:cNvPr id="113" name="Segnaposto testo 10"/>
-          <p:cNvSpPr/>
-          <p:nvPr/>
-        </p:nvSpPr>
-        <p:spPr>
-          <a:xfrm>
-            <a:off x="1440000" y="4881960"/>
-            <a:ext cx="7379640" cy="1237680"/>
-          </a:xfrm>
-          <a:prstGeom prst="rect">
-            <a:avLst/>
-          </a:prstGeom>
-          <a:noFill/>
-          <a:ln w="0">
-            <a:noFill/>
-          </a:ln>
-        </p:spPr>
-        <p:style>
-          <a:lnRef idx="0">
-            <a:scrgbClr r="0" g="0" b="0"/>
-          </a:lnRef>
-          <a:fillRef idx="0">
-            <a:scrgbClr r="0" g="0" b="0"/>
-          </a:fillRef>
-          <a:effectRef idx="0">
-            <a:scrgbClr r="0" g="0" b="0"/>
-          </a:effectRef>
-          <a:fontRef idx="minor"/>
-        </p:style>
-        <p:txBody>
-          <a:bodyPr lIns="90000" tIns="45000" rIns="90000" bIns="45000" anchor="t">
-            <a:noAutofit/>
-          </a:bodyPr>
-          <a:lstStyle/>
-          <a:p>
-            <a:pPr marL="7920">
-              <a:lnSpc>
-                <a:spcPct val="150000"/>
-              </a:lnSpc>
-              <a:spcBef>
-                <a:spcPts val="1001"/>
-              </a:spcBef>
-              <a:buNone/>
-              <a:tabLst>
-                <a:tab pos="0" algn="l"/>
-              </a:tabLst>
-            </a:pPr>
             <a:r>
-              <a:rPr lang="en-US" sz="1800" b="0" strike="noStrike" spc="-1">
+              <a:rPr lang="en-US" sz="1800" b="0" strike="noStrike" spc="-1" dirty="0">
                 <a:solidFill>
                   <a:srgbClr val="000000"/>
                 </a:solidFill>
                 <a:latin typeface="Verdana"/>
               </a:rPr>
-              <a:t>v e omega dalle slide di Roma </a:t>
+              <a:t> APF</a:t>
             </a:r>
-            <a:endParaRPr lang="it-IT" sz="1800" b="0" strike="noStrike" spc="-1">
-              <a:latin typeface="Arial"/>
-            </a:endParaRPr>
-          </a:p>
-        </p:txBody>
-      </p:sp>
+            <a:endParaRPr lang="it-IT" sz="1800" b="0" strike="noStrike" spc="-1" dirty="0">
+              <a:latin typeface="Arial"/>
+            </a:endParaRPr>
+          </a:p>
+        </p:txBody>
+      </p:sp>
+      <p:pic>
+        <p:nvPicPr>
+          <p:cNvPr id="3" name="Elemento grafico 2">
+            <a:extLst>
+              <a:ext uri="{FF2B5EF4-FFF2-40B4-BE49-F238E27FC236}">
+                <a16:creationId xmlns:a16="http://schemas.microsoft.com/office/drawing/2014/main" id="{E8422789-689D-415A-36CE-D5E9C4EC2747}"/>
+              </a:ext>
+            </a:extLst>
+          </p:cNvPr>
+          <p:cNvPicPr>
+            <a:picLocks noChangeAspect="1"/>
+          </p:cNvPicPr>
+          <p:nvPr/>
+        </p:nvPicPr>
+        <p:blipFill>
+          <a:blip r:embed="rId3">
+            <a:extLst>
+              <a:ext uri="{28A0092B-C50C-407E-A947-70E740481C1C}">
+                <a14:useLocalDpi xmlns:a14="http://schemas.microsoft.com/office/drawing/2010/main" val="0"/>
+              </a:ext>
+              <a:ext uri="{96DAC541-7B7A-43D3-8B79-37D633B846F1}">
+                <asvg:svgBlip xmlns:asvg="http://schemas.microsoft.com/office/drawing/2016/SVG/main" r:embed="rId4"/>
+              </a:ext>
+            </a:extLst>
+          </a:blip>
+          <a:stretch>
+            <a:fillRect/>
+          </a:stretch>
+        </p:blipFill>
+        <p:spPr>
+          <a:xfrm>
+            <a:off x="775800" y="2818982"/>
+            <a:ext cx="3448050" cy="2305050"/>
+          </a:xfrm>
+          <a:prstGeom prst="rect">
+            <a:avLst/>
+          </a:prstGeom>
+        </p:spPr>
+      </p:pic>
+      <p:pic>
+        <p:nvPicPr>
+          <p:cNvPr id="9" name="Elemento grafico 8">
+            <a:extLst>
+              <a:ext uri="{FF2B5EF4-FFF2-40B4-BE49-F238E27FC236}">
+                <a16:creationId xmlns:a16="http://schemas.microsoft.com/office/drawing/2014/main" id="{6740CD09-766B-56AB-97D0-23F23EFF7329}"/>
+              </a:ext>
+            </a:extLst>
+          </p:cNvPr>
+          <p:cNvPicPr>
+            <a:picLocks noChangeAspect="1"/>
+          </p:cNvPicPr>
+          <p:nvPr/>
+        </p:nvPicPr>
+        <p:blipFill>
+          <a:blip r:embed="rId5">
+            <a:extLst>
+              <a:ext uri="{28A0092B-C50C-407E-A947-70E740481C1C}">
+                <a14:useLocalDpi xmlns:a14="http://schemas.microsoft.com/office/drawing/2010/main" val="0"/>
+              </a:ext>
+              <a:ext uri="{96DAC541-7B7A-43D3-8B79-37D633B846F1}">
+                <asvg:svgBlip xmlns:asvg="http://schemas.microsoft.com/office/drawing/2016/SVG/main" r:embed="rId6"/>
+              </a:ext>
+            </a:extLst>
+          </a:blip>
+          <a:stretch>
+            <a:fillRect/>
+          </a:stretch>
+        </p:blipFill>
+        <p:spPr>
+          <a:xfrm>
+            <a:off x="175355" y="1791758"/>
+            <a:ext cx="7215260" cy="760931"/>
+          </a:xfrm>
+          <a:prstGeom prst="rect">
+            <a:avLst/>
+          </a:prstGeom>
+        </p:spPr>
+      </p:pic>
+      <p:pic>
+        <p:nvPicPr>
+          <p:cNvPr id="11" name="Elemento grafico 10">
+            <a:extLst>
+              <a:ext uri="{FF2B5EF4-FFF2-40B4-BE49-F238E27FC236}">
+                <a16:creationId xmlns:a16="http://schemas.microsoft.com/office/drawing/2014/main" id="{CABD73F2-4B21-FD84-B62F-7AF7BBB05A19}"/>
+              </a:ext>
+            </a:extLst>
+          </p:cNvPr>
+          <p:cNvPicPr>
+            <a:picLocks noChangeAspect="1"/>
+          </p:cNvPicPr>
+          <p:nvPr/>
+        </p:nvPicPr>
+        <p:blipFill>
+          <a:blip r:embed="rId7">
+            <a:extLst>
+              <a:ext uri="{28A0092B-C50C-407E-A947-70E740481C1C}">
+                <a14:useLocalDpi xmlns:a14="http://schemas.microsoft.com/office/drawing/2010/main" val="0"/>
+              </a:ext>
+              <a:ext uri="{96DAC541-7B7A-43D3-8B79-37D633B846F1}">
+                <asvg:svgBlip xmlns:asvg="http://schemas.microsoft.com/office/drawing/2016/SVG/main" r:embed="rId8"/>
+              </a:ext>
+            </a:extLst>
+          </a:blip>
+          <a:stretch>
+            <a:fillRect/>
+          </a:stretch>
+        </p:blipFill>
+        <p:spPr>
+          <a:xfrm>
+            <a:off x="7935270" y="1847243"/>
+            <a:ext cx="2724150" cy="514350"/>
+          </a:xfrm>
+          <a:prstGeom prst="rect">
+            <a:avLst/>
+          </a:prstGeom>
+        </p:spPr>
+      </p:pic>
+      <p:pic>
+        <p:nvPicPr>
+          <p:cNvPr id="15" name="Elemento grafico 14">
+            <a:extLst>
+              <a:ext uri="{FF2B5EF4-FFF2-40B4-BE49-F238E27FC236}">
+                <a16:creationId xmlns:a16="http://schemas.microsoft.com/office/drawing/2014/main" id="{C1922D88-B158-7975-5FE0-D1D54C8A037C}"/>
+              </a:ext>
+            </a:extLst>
+          </p:cNvPr>
+          <p:cNvPicPr>
+            <a:picLocks noChangeAspect="1"/>
+          </p:cNvPicPr>
+          <p:nvPr/>
+        </p:nvPicPr>
+        <p:blipFill>
+          <a:blip r:embed="rId9">
+            <a:extLst>
+              <a:ext uri="{28A0092B-C50C-407E-A947-70E740481C1C}">
+                <a14:useLocalDpi xmlns:a14="http://schemas.microsoft.com/office/drawing/2010/main" val="0"/>
+              </a:ext>
+              <a:ext uri="{96DAC541-7B7A-43D3-8B79-37D633B846F1}">
+                <asvg:svgBlip xmlns:asvg="http://schemas.microsoft.com/office/drawing/2016/SVG/main" r:embed="rId10"/>
+              </a:ext>
+            </a:extLst>
+          </a:blip>
+          <a:stretch>
+            <a:fillRect/>
+          </a:stretch>
+        </p:blipFill>
+        <p:spPr>
+          <a:xfrm>
+            <a:off x="6298815" y="5589001"/>
+            <a:ext cx="4362726" cy="375076"/>
+          </a:xfrm>
+          <a:prstGeom prst="rect">
+            <a:avLst/>
+          </a:prstGeom>
+        </p:spPr>
+      </p:pic>
+      <p:pic>
+        <p:nvPicPr>
+          <p:cNvPr id="17" name="Elemento grafico 16">
+            <a:extLst>
+              <a:ext uri="{FF2B5EF4-FFF2-40B4-BE49-F238E27FC236}">
+                <a16:creationId xmlns:a16="http://schemas.microsoft.com/office/drawing/2014/main" id="{FD5EF55D-8CE4-2B36-095F-66AD3A1F8822}"/>
+              </a:ext>
+            </a:extLst>
+          </p:cNvPr>
+          <p:cNvPicPr>
+            <a:picLocks noChangeAspect="1"/>
+          </p:cNvPicPr>
+          <p:nvPr/>
+        </p:nvPicPr>
+        <p:blipFill>
+          <a:blip r:embed="rId11">
+            <a:extLst>
+              <a:ext uri="{28A0092B-C50C-407E-A947-70E740481C1C}">
+                <a14:useLocalDpi xmlns:a14="http://schemas.microsoft.com/office/drawing/2010/main" val="0"/>
+              </a:ext>
+              <a:ext uri="{96DAC541-7B7A-43D3-8B79-37D633B846F1}">
+                <asvg:svgBlip xmlns:asvg="http://schemas.microsoft.com/office/drawing/2016/SVG/main" r:embed="rId12"/>
+              </a:ext>
+            </a:extLst>
+          </a:blip>
+          <a:stretch>
+            <a:fillRect/>
+          </a:stretch>
+        </p:blipFill>
+        <p:spPr>
+          <a:xfrm>
+            <a:off x="1000720" y="5589001"/>
+            <a:ext cx="3466336" cy="333658"/>
+          </a:xfrm>
+          <a:prstGeom prst="rect">
+            <a:avLst/>
+          </a:prstGeom>
+        </p:spPr>
+      </p:pic>
     </p:spTree>
   </p:cSld>
   <p:clrMapOvr>
@@ -9189,62 +9607,6 @@
       </p:sp>
       <p:sp>
         <p:nvSpPr>
-          <p:cNvPr id="115" name="PlaceHolder 2"/>
-          <p:cNvSpPr>
-            <a:spLocks noGrp="1"/>
-          </p:cNvSpPr>
-          <p:nvPr>
-            <p:ph/>
-          </p:nvPr>
-        </p:nvSpPr>
-        <p:spPr>
-          <a:xfrm>
-            <a:off x="4015800" y="1620000"/>
-            <a:ext cx="2643840" cy="1237680"/>
-          </a:xfrm>
-          <a:prstGeom prst="rect">
-            <a:avLst/>
-          </a:prstGeom>
-          <a:noFill/>
-          <a:ln w="0">
-            <a:noFill/>
-          </a:ln>
-        </p:spPr>
-        <p:txBody>
-          <a:bodyPr lIns="90000" tIns="45000" rIns="90000" bIns="45000" anchor="t">
-            <a:noAutofit/>
-          </a:bodyPr>
-          <a:lstStyle/>
-          <a:p>
-            <a:pPr marL="7920">
-              <a:lnSpc>
-                <a:spcPct val="150000"/>
-              </a:lnSpc>
-              <a:spcBef>
-                <a:spcPts val="1001"/>
-              </a:spcBef>
-              <a:buNone/>
-              <a:tabLst>
-                <a:tab pos="0" algn="l"/>
-              </a:tabLst>
-            </a:pPr>
-            <a:r>
-              <a:rPr lang="en-US" sz="1800" b="0" strike="noStrike" spc="-1">
-                <a:solidFill>
-                  <a:srgbClr val="000000"/>
-                </a:solidFill>
-                <a:latin typeface="Verdana"/>
-              </a:rPr>
-              <a:t>u_i di SMC</a:t>
-            </a:r>
-            <a:endParaRPr lang="it-IT" sz="1800" b="0" strike="noStrike" spc="-1">
-              <a:latin typeface="Arial"/>
-            </a:endParaRPr>
-          </a:p>
-        </p:txBody>
-      </p:sp>
-      <p:sp>
-        <p:nvSpPr>
           <p:cNvPr id="116" name="PlaceHolder 3"/>
           <p:cNvSpPr>
             <a:spLocks noGrp="1"/>
@@ -9294,276 +9656,162 @@
           </a:p>
         </p:txBody>
       </p:sp>
-      <p:sp>
-        <p:nvSpPr>
-          <p:cNvPr id="117" name="Segnaposto testo 8"/>
-          <p:cNvSpPr/>
+      <p:pic>
+        <p:nvPicPr>
+          <p:cNvPr id="3" name="Elemento grafico 2">
+            <a:extLst>
+              <a:ext uri="{FF2B5EF4-FFF2-40B4-BE49-F238E27FC236}">
+                <a16:creationId xmlns:a16="http://schemas.microsoft.com/office/drawing/2014/main" id="{60E7DD48-7F42-DFE4-E7ED-66B0F31FF4A0}"/>
+              </a:ext>
+            </a:extLst>
+          </p:cNvPr>
+          <p:cNvPicPr>
+            <a:picLocks noChangeAspect="1"/>
+          </p:cNvPicPr>
           <p:nvPr/>
-        </p:nvSpPr>
-        <p:spPr>
-          <a:xfrm>
-            <a:off x="4016160" y="1620360"/>
-            <a:ext cx="2643840" cy="1237680"/>
-          </a:xfrm>
-          <a:prstGeom prst="rect">
-            <a:avLst/>
-          </a:prstGeom>
-          <a:noFill/>
-          <a:ln w="0">
-            <a:noFill/>
-          </a:ln>
-        </p:spPr>
-        <p:style>
-          <a:lnRef idx="0">
-            <a:scrgbClr r="0" g="0" b="0"/>
-          </a:lnRef>
-          <a:fillRef idx="0">
-            <a:scrgbClr r="0" g="0" b="0"/>
-          </a:fillRef>
-          <a:effectRef idx="0">
-            <a:scrgbClr r="0" g="0" b="0"/>
-          </a:effectRef>
-          <a:fontRef idx="minor"/>
-        </p:style>
-        <p:txBody>
-          <a:bodyPr lIns="90000" tIns="45000" rIns="90000" bIns="45000" anchor="t">
-            <a:noAutofit/>
-          </a:bodyPr>
-          <a:lstStyle/>
-          <a:p>
-            <a:pPr marL="7920">
-              <a:lnSpc>
-                <a:spcPct val="150000"/>
-              </a:lnSpc>
-              <a:spcBef>
-                <a:spcPts val="1001"/>
-              </a:spcBef>
-              <a:buNone/>
-              <a:tabLst>
-                <a:tab pos="0" algn="l"/>
-              </a:tabLst>
-            </a:pPr>
-            <a:r>
-              <a:rPr lang="en-US" sz="1800" b="0" strike="noStrike" spc="-1">
-                <a:solidFill>
-                  <a:srgbClr val="000000"/>
-                </a:solidFill>
-                <a:latin typeface="Verdana"/>
-              </a:rPr>
-              <a:t>u_i di SMC</a:t>
-            </a:r>
-            <a:endParaRPr lang="it-IT" sz="1800" b="0" strike="noStrike" spc="-1">
-              <a:latin typeface="Arial"/>
-            </a:endParaRPr>
-          </a:p>
-        </p:txBody>
-      </p:sp>
-      <p:sp>
-        <p:nvSpPr>
-          <p:cNvPr id="118" name="Segnaposto testo 12"/>
-          <p:cNvSpPr/>
+        </p:nvPicPr>
+        <p:blipFill>
+          <a:blip r:embed="rId3">
+            <a:extLst>
+              <a:ext uri="{28A0092B-C50C-407E-A947-70E740481C1C}">
+                <a14:useLocalDpi xmlns:a14="http://schemas.microsoft.com/office/drawing/2010/main" val="0"/>
+              </a:ext>
+              <a:ext uri="{96DAC541-7B7A-43D3-8B79-37D633B846F1}">
+                <asvg:svgBlip xmlns:asvg="http://schemas.microsoft.com/office/drawing/2016/SVG/main" r:embed="rId4"/>
+              </a:ext>
+            </a:extLst>
+          </a:blip>
+          <a:stretch>
+            <a:fillRect/>
+          </a:stretch>
+        </p:blipFill>
+        <p:spPr>
+          <a:xfrm>
+            <a:off x="775800" y="3234117"/>
+            <a:ext cx="2277359" cy="1664224"/>
+          </a:xfrm>
+          <a:prstGeom prst="rect">
+            <a:avLst/>
+          </a:prstGeom>
+        </p:spPr>
+      </p:pic>
+      <p:pic>
+        <p:nvPicPr>
+          <p:cNvPr id="7" name="Elemento grafico 6">
+            <a:extLst>
+              <a:ext uri="{FF2B5EF4-FFF2-40B4-BE49-F238E27FC236}">
+                <a16:creationId xmlns:a16="http://schemas.microsoft.com/office/drawing/2014/main" id="{DD59CABE-83A3-D538-3AD8-901AC1286E22}"/>
+              </a:ext>
+            </a:extLst>
+          </p:cNvPr>
+          <p:cNvPicPr>
+            <a:picLocks noChangeAspect="1"/>
+          </p:cNvPicPr>
           <p:nvPr/>
-        </p:nvSpPr>
-        <p:spPr>
-          <a:xfrm>
-            <a:off x="415800" y="3261960"/>
-            <a:ext cx="2643840" cy="1237680"/>
-          </a:xfrm>
-          <a:prstGeom prst="rect">
-            <a:avLst/>
-          </a:prstGeom>
-          <a:noFill/>
-          <a:ln w="0">
-            <a:noFill/>
-          </a:ln>
-        </p:spPr>
-        <p:style>
-          <a:lnRef idx="0">
-            <a:scrgbClr r="0" g="0" b="0"/>
-          </a:lnRef>
-          <a:fillRef idx="0">
-            <a:scrgbClr r="0" g="0" b="0"/>
-          </a:fillRef>
-          <a:effectRef idx="0">
-            <a:scrgbClr r="0" g="0" b="0"/>
-          </a:effectRef>
-          <a:fontRef idx="minor"/>
-        </p:style>
-        <p:txBody>
-          <a:bodyPr lIns="90000" tIns="45000" rIns="90000" bIns="45000" anchor="t">
-            <a:noAutofit/>
-          </a:bodyPr>
-          <a:lstStyle/>
-          <a:p>
-            <a:pPr marL="7920">
-              <a:lnSpc>
-                <a:spcPct val="150000"/>
-              </a:lnSpc>
-              <a:spcBef>
-                <a:spcPts val="1001"/>
-              </a:spcBef>
-              <a:buNone/>
-              <a:tabLst>
-                <a:tab pos="0" algn="l"/>
-              </a:tabLst>
-            </a:pPr>
-            <a:r>
-              <a:rPr lang="en-US" sz="1800" b="0" strike="noStrike" spc="-1">
-                <a:solidFill>
-                  <a:srgbClr val="000000"/>
-                </a:solidFill>
-                <a:latin typeface="Verdana"/>
-              </a:rPr>
-              <a:t>e1</a:t>
-            </a:r>
-            <a:endParaRPr lang="it-IT" sz="1800" b="0" strike="noStrike" spc="-1">
-              <a:latin typeface="Arial"/>
-            </a:endParaRPr>
-          </a:p>
-          <a:p>
-            <a:pPr marL="7920">
-              <a:lnSpc>
-                <a:spcPct val="150000"/>
-              </a:lnSpc>
-              <a:spcBef>
-                <a:spcPts val="1001"/>
-              </a:spcBef>
-              <a:buNone/>
-              <a:tabLst>
-                <a:tab pos="0" algn="l"/>
-              </a:tabLst>
-            </a:pPr>
-            <a:r>
-              <a:rPr lang="en-US" sz="1800" b="0" strike="noStrike" spc="-1">
-                <a:solidFill>
-                  <a:srgbClr val="000000"/>
-                </a:solidFill>
-                <a:latin typeface="Verdana"/>
-              </a:rPr>
-              <a:t>e2</a:t>
-            </a:r>
-            <a:endParaRPr lang="it-IT" sz="1800" b="0" strike="noStrike" spc="-1">
-              <a:latin typeface="Arial"/>
-            </a:endParaRPr>
-          </a:p>
-          <a:p>
-            <a:pPr marL="7920">
-              <a:lnSpc>
-                <a:spcPct val="150000"/>
-              </a:lnSpc>
-              <a:spcBef>
-                <a:spcPts val="1001"/>
-              </a:spcBef>
-              <a:buNone/>
-              <a:tabLst>
-                <a:tab pos="0" algn="l"/>
-              </a:tabLst>
-            </a:pPr>
-            <a:r>
-              <a:rPr lang="en-US" sz="1800" b="0" strike="noStrike" spc="-1">
-                <a:solidFill>
-                  <a:srgbClr val="000000"/>
-                </a:solidFill>
-                <a:latin typeface="Verdana"/>
-              </a:rPr>
-              <a:t>e3</a:t>
-            </a:r>
-            <a:endParaRPr lang="it-IT" sz="1800" b="0" strike="noStrike" spc="-1">
-              <a:latin typeface="Arial"/>
-            </a:endParaRPr>
-          </a:p>
-        </p:txBody>
-      </p:sp>
-      <p:sp>
-        <p:nvSpPr>
-          <p:cNvPr id="119" name="Segnaposto testo 13"/>
-          <p:cNvSpPr/>
+        </p:nvPicPr>
+        <p:blipFill>
+          <a:blip r:embed="rId5">
+            <a:extLst>
+              <a:ext uri="{28A0092B-C50C-407E-A947-70E740481C1C}">
+                <a14:useLocalDpi xmlns:a14="http://schemas.microsoft.com/office/drawing/2010/main" val="0"/>
+              </a:ext>
+              <a:ext uri="{96DAC541-7B7A-43D3-8B79-37D633B846F1}">
+                <asvg:svgBlip xmlns:asvg="http://schemas.microsoft.com/office/drawing/2016/SVG/main" r:embed="rId6"/>
+              </a:ext>
+            </a:extLst>
+          </a:blip>
+          <a:stretch>
+            <a:fillRect/>
+          </a:stretch>
+        </p:blipFill>
+        <p:spPr>
+          <a:xfrm>
+            <a:off x="2201551" y="1810648"/>
+            <a:ext cx="6904742" cy="575395"/>
+          </a:xfrm>
+          <a:prstGeom prst="rect">
+            <a:avLst/>
+          </a:prstGeom>
+        </p:spPr>
+      </p:pic>
+      <p:pic>
+        <p:nvPicPr>
+          <p:cNvPr id="9" name="Elemento grafico 8">
+            <a:extLst>
+              <a:ext uri="{FF2B5EF4-FFF2-40B4-BE49-F238E27FC236}">
+                <a16:creationId xmlns:a16="http://schemas.microsoft.com/office/drawing/2014/main" id="{ADE7A7CA-EEE2-AFA0-7256-B7316628FCEE}"/>
+              </a:ext>
+            </a:extLst>
+          </p:cNvPr>
+          <p:cNvPicPr>
+            <a:picLocks noChangeAspect="1"/>
+          </p:cNvPicPr>
           <p:nvPr/>
-        </p:nvSpPr>
-        <p:spPr>
-          <a:xfrm>
-            <a:off x="6355800" y="3240000"/>
-            <a:ext cx="2643840" cy="1237680"/>
-          </a:xfrm>
-          <a:prstGeom prst="rect">
-            <a:avLst/>
-          </a:prstGeom>
-          <a:noFill/>
-          <a:ln w="0">
-            <a:noFill/>
-          </a:ln>
-        </p:spPr>
-        <p:style>
-          <a:lnRef idx="0">
-            <a:scrgbClr r="0" g="0" b="0"/>
-          </a:lnRef>
-          <a:fillRef idx="0">
-            <a:scrgbClr r="0" g="0" b="0"/>
-          </a:fillRef>
-          <a:effectRef idx="0">
-            <a:scrgbClr r="0" g="0" b="0"/>
-          </a:effectRef>
-          <a:fontRef idx="minor"/>
-        </p:style>
-        <p:txBody>
-          <a:bodyPr lIns="90000" tIns="45000" rIns="90000" bIns="45000" anchor="t">
-            <a:noAutofit/>
-          </a:bodyPr>
-          <a:lstStyle/>
-          <a:p>
-            <a:pPr marL="7920">
-              <a:lnSpc>
-                <a:spcPct val="150000"/>
-              </a:lnSpc>
-              <a:spcBef>
-                <a:spcPts val="1001"/>
-              </a:spcBef>
-              <a:buNone/>
-              <a:tabLst>
-                <a:tab pos="0" algn="l"/>
-              </a:tabLst>
-            </a:pPr>
-            <a:r>
-              <a:rPr lang="en-US" sz="1800" b="0" strike="noStrike" spc="-1">
-                <a:solidFill>
-                  <a:srgbClr val="000000"/>
-                </a:solidFill>
-                <a:latin typeface="Verdana"/>
-              </a:rPr>
-              <a:t>sigma1</a:t>
-            </a:r>
-            <a:endParaRPr lang="it-IT" sz="1800" b="0" strike="noStrike" spc="-1">
-              <a:latin typeface="Arial"/>
-            </a:endParaRPr>
-          </a:p>
-          <a:p>
-            <a:pPr marL="7920">
-              <a:lnSpc>
-                <a:spcPct val="150000"/>
-              </a:lnSpc>
-              <a:spcBef>
-                <a:spcPts val="1001"/>
-              </a:spcBef>
-              <a:buNone/>
-              <a:tabLst>
-                <a:tab pos="0" algn="l"/>
-              </a:tabLst>
-            </a:pPr>
-            <a:r>
-              <a:rPr lang="en-US" sz="1800" b="0" strike="noStrike" spc="-1">
-                <a:solidFill>
-                  <a:srgbClr val="000000"/>
-                </a:solidFill>
-                <a:latin typeface="Verdana"/>
-              </a:rPr>
-              <a:t>sigma2</a:t>
-            </a:r>
-            <a:endParaRPr lang="it-IT" sz="1800" b="0" strike="noStrike" spc="-1">
-              <a:latin typeface="Arial"/>
-            </a:endParaRPr>
-          </a:p>
-        </p:txBody>
-      </p:sp>
+        </p:nvPicPr>
+        <p:blipFill>
+          <a:blip r:embed="rId7">
+            <a:extLst>
+              <a:ext uri="{28A0092B-C50C-407E-A947-70E740481C1C}">
+                <a14:useLocalDpi xmlns:a14="http://schemas.microsoft.com/office/drawing/2010/main" val="0"/>
+              </a:ext>
+              <a:ext uri="{96DAC541-7B7A-43D3-8B79-37D633B846F1}">
+                <asvg:svgBlip xmlns:asvg="http://schemas.microsoft.com/office/drawing/2016/SVG/main" r:embed="rId8"/>
+              </a:ext>
+            </a:extLst>
+          </a:blip>
+          <a:stretch>
+            <a:fillRect/>
+          </a:stretch>
+        </p:blipFill>
+        <p:spPr>
+          <a:xfrm>
+            <a:off x="7017174" y="3818055"/>
+            <a:ext cx="3876386" cy="398714"/>
+          </a:xfrm>
+          <a:prstGeom prst="rect">
+            <a:avLst/>
+          </a:prstGeom>
+        </p:spPr>
+      </p:pic>
+      <p:pic>
+        <p:nvPicPr>
+          <p:cNvPr id="11" name="Elemento grafico 10">
+            <a:extLst>
+              <a:ext uri="{FF2B5EF4-FFF2-40B4-BE49-F238E27FC236}">
+                <a16:creationId xmlns:a16="http://schemas.microsoft.com/office/drawing/2014/main" id="{CB30D64F-1F09-B963-F2D6-FB8A4C54F2B5}"/>
+              </a:ext>
+            </a:extLst>
+          </p:cNvPr>
+          <p:cNvPicPr>
+            <a:picLocks noChangeAspect="1"/>
+          </p:cNvPicPr>
+          <p:nvPr/>
+        </p:nvPicPr>
+        <p:blipFill>
+          <a:blip r:embed="rId9">
+            <a:extLst>
+              <a:ext uri="{28A0092B-C50C-407E-A947-70E740481C1C}">
+                <a14:useLocalDpi xmlns:a14="http://schemas.microsoft.com/office/drawing/2010/main" val="0"/>
+              </a:ext>
+              <a:ext uri="{96DAC541-7B7A-43D3-8B79-37D633B846F1}">
+                <asvg:svgBlip xmlns:asvg="http://schemas.microsoft.com/office/drawing/2016/SVG/main" r:embed="rId10"/>
+              </a:ext>
+            </a:extLst>
+          </a:blip>
+          <a:stretch>
+            <a:fillRect/>
+          </a:stretch>
+        </p:blipFill>
+        <p:spPr>
+          <a:xfrm>
+            <a:off x="7017174" y="3345720"/>
+            <a:ext cx="1353828" cy="275780"/>
+          </a:xfrm>
+          <a:prstGeom prst="rect">
+            <a:avLst/>
+          </a:prstGeom>
+        </p:spPr>
+      </p:pic>
     </p:spTree>
   </p:cSld>
   <p:clrMapOvr>
@@ -9697,250 +9945,318 @@
           </a:p>
         </p:txBody>
       </p:sp>
-      <p:sp>
-        <p:nvSpPr>
-          <p:cNvPr id="122" name="Segnaposto testo 17"/>
-          <p:cNvSpPr/>
+      <p:pic>
+        <p:nvPicPr>
+          <p:cNvPr id="3" name="Elemento grafico 2">
+            <a:extLst>
+              <a:ext uri="{FF2B5EF4-FFF2-40B4-BE49-F238E27FC236}">
+                <a16:creationId xmlns:a16="http://schemas.microsoft.com/office/drawing/2014/main" id="{37A8DE77-88B5-45FE-67C5-49E00E193920}"/>
+              </a:ext>
+            </a:extLst>
+          </p:cNvPr>
+          <p:cNvPicPr>
+            <a:picLocks noChangeAspect="1"/>
+          </p:cNvPicPr>
           <p:nvPr/>
-        </p:nvSpPr>
-        <p:spPr>
-          <a:xfrm>
-            <a:off x="595800" y="2001960"/>
-            <a:ext cx="2643840" cy="1237680"/>
-          </a:xfrm>
-          <a:prstGeom prst="rect">
-            <a:avLst/>
-          </a:prstGeom>
-          <a:noFill/>
-          <a:ln w="0">
-            <a:noFill/>
-          </a:ln>
-        </p:spPr>
-        <p:style>
-          <a:lnRef idx="0">
-            <a:scrgbClr r="0" g="0" b="0"/>
-          </a:lnRef>
-          <a:fillRef idx="0">
-            <a:scrgbClr r="0" g="0" b="0"/>
-          </a:fillRef>
-          <a:effectRef idx="0">
-            <a:scrgbClr r="0" g="0" b="0"/>
-          </a:effectRef>
-          <a:fontRef idx="minor"/>
-        </p:style>
-        <p:txBody>
-          <a:bodyPr lIns="90000" tIns="45000" rIns="90000" bIns="45000" anchor="t">
-            <a:noAutofit/>
-          </a:bodyPr>
-          <a:lstStyle/>
-          <a:p>
-            <a:pPr marL="7920">
-              <a:lnSpc>
-                <a:spcPct val="150000"/>
-              </a:lnSpc>
-              <a:spcBef>
-                <a:spcPts val="1001"/>
-              </a:spcBef>
-              <a:buNone/>
-              <a:tabLst>
-                <a:tab pos="0" algn="l"/>
-              </a:tabLst>
-            </a:pPr>
-            <a:r>
-              <a:rPr lang="en-US" sz="1800" b="0" strike="noStrike" spc="-1">
-                <a:solidFill>
-                  <a:srgbClr val="000000"/>
-                </a:solidFill>
-                <a:latin typeface="Verdana"/>
-              </a:rPr>
-              <a:t>r1</a:t>
-            </a:r>
-            <a:endParaRPr lang="it-IT" sz="1800" b="0" strike="noStrike" spc="-1">
-              <a:latin typeface="Arial"/>
-            </a:endParaRPr>
-          </a:p>
-          <a:p>
-            <a:pPr marL="7920">
-              <a:lnSpc>
-                <a:spcPct val="150000"/>
-              </a:lnSpc>
-              <a:spcBef>
-                <a:spcPts val="1001"/>
-              </a:spcBef>
-              <a:buNone/>
-              <a:tabLst>
-                <a:tab pos="0" algn="l"/>
-              </a:tabLst>
-            </a:pPr>
-            <a:r>
-              <a:rPr lang="en-US" sz="1800" b="0" strike="noStrike" spc="-1">
-                <a:solidFill>
-                  <a:srgbClr val="000000"/>
-                </a:solidFill>
-                <a:latin typeface="Verdana"/>
-              </a:rPr>
-              <a:t>r2</a:t>
-            </a:r>
-            <a:endParaRPr lang="it-IT" sz="1800" b="0" strike="noStrike" spc="-1">
-              <a:latin typeface="Arial"/>
-            </a:endParaRPr>
-          </a:p>
-          <a:p>
-            <a:pPr marL="7920">
-              <a:lnSpc>
-                <a:spcPct val="150000"/>
-              </a:lnSpc>
-              <a:spcBef>
-                <a:spcPts val="1001"/>
-              </a:spcBef>
-              <a:buNone/>
-              <a:tabLst>
-                <a:tab pos="0" algn="l"/>
-              </a:tabLst>
-            </a:pPr>
-            <a:r>
-              <a:rPr lang="en-US" sz="1800" b="0" strike="noStrike" spc="-1">
-                <a:solidFill>
-                  <a:srgbClr val="000000"/>
-                </a:solidFill>
-                <a:latin typeface="Verdana"/>
-              </a:rPr>
-              <a:t>r3</a:t>
-            </a:r>
-            <a:endParaRPr lang="it-IT" sz="1800" b="0" strike="noStrike" spc="-1">
-              <a:latin typeface="Arial"/>
-            </a:endParaRPr>
-          </a:p>
-        </p:txBody>
-      </p:sp>
-      <p:sp>
-        <p:nvSpPr>
-          <p:cNvPr id="123" name="Segnaposto testo 18"/>
-          <p:cNvSpPr/>
+        </p:nvPicPr>
+        <p:blipFill>
+          <a:blip r:embed="rId3">
+            <a:extLst>
+              <a:ext uri="{28A0092B-C50C-407E-A947-70E740481C1C}">
+                <a14:useLocalDpi xmlns:a14="http://schemas.microsoft.com/office/drawing/2010/main" val="0"/>
+              </a:ext>
+              <a:ext uri="{96DAC541-7B7A-43D3-8B79-37D633B846F1}">
+                <asvg:svgBlip xmlns:asvg="http://schemas.microsoft.com/office/drawing/2016/SVG/main" r:embed="rId4"/>
+              </a:ext>
+            </a:extLst>
+          </a:blip>
+          <a:stretch>
+            <a:fillRect/>
+          </a:stretch>
+        </p:blipFill>
+        <p:spPr>
+          <a:xfrm>
+            <a:off x="451831" y="3327354"/>
+            <a:ext cx="4013215" cy="657684"/>
+          </a:xfrm>
+          <a:prstGeom prst="rect">
+            <a:avLst/>
+          </a:prstGeom>
+        </p:spPr>
+      </p:pic>
+      <p:pic>
+        <p:nvPicPr>
+          <p:cNvPr id="5" name="Elemento grafico 4">
+            <a:extLst>
+              <a:ext uri="{FF2B5EF4-FFF2-40B4-BE49-F238E27FC236}">
+                <a16:creationId xmlns:a16="http://schemas.microsoft.com/office/drawing/2014/main" id="{21F6FA40-3393-52E4-4F8F-D4C76F1E90FB}"/>
+              </a:ext>
+            </a:extLst>
+          </p:cNvPr>
+          <p:cNvPicPr>
+            <a:picLocks noChangeAspect="1"/>
+          </p:cNvPicPr>
           <p:nvPr/>
-        </p:nvSpPr>
-        <p:spPr>
-          <a:xfrm>
-            <a:off x="5095800" y="2181960"/>
-            <a:ext cx="6243840" cy="1237680"/>
-          </a:xfrm>
-          <a:prstGeom prst="rect">
-            <a:avLst/>
-          </a:prstGeom>
-          <a:noFill/>
-          <a:ln w="0">
-            <a:noFill/>
-          </a:ln>
-        </p:spPr>
-        <p:style>
-          <a:lnRef idx="0">
-            <a:scrgbClr r="0" g="0" b="0"/>
-          </a:lnRef>
-          <a:fillRef idx="0">
-            <a:scrgbClr r="0" g="0" b="0"/>
-          </a:fillRef>
-          <a:effectRef idx="0">
-            <a:scrgbClr r="0" g="0" b="0"/>
-          </a:effectRef>
-          <a:fontRef idx="minor"/>
-        </p:style>
-        <p:txBody>
-          <a:bodyPr lIns="90000" tIns="45000" rIns="90000" bIns="45000" anchor="t">
-            <a:noAutofit/>
-          </a:bodyPr>
-          <a:lstStyle/>
-          <a:p>
-            <a:pPr marL="7920">
-              <a:lnSpc>
-                <a:spcPct val="150000"/>
-              </a:lnSpc>
-              <a:spcBef>
-                <a:spcPts val="1001"/>
-              </a:spcBef>
-              <a:buNone/>
-              <a:tabLst>
-                <a:tab pos="0" algn="l"/>
-              </a:tabLst>
-            </a:pPr>
-            <a:r>
-              <a:rPr lang="en-US" sz="1800" b="0" strike="noStrike" spc="-1">
-                <a:solidFill>
-                  <a:srgbClr val="000000"/>
-                </a:solidFill>
-                <a:latin typeface="Verdana"/>
-              </a:rPr>
-              <a:t>Condizioni sui guadagni rho1 e rho2  e nostra scelta </a:t>
-            </a:r>
-            <a:endParaRPr lang="it-IT" sz="1800" b="0" strike="noStrike" spc="-1">
-              <a:latin typeface="Arial"/>
-            </a:endParaRPr>
-          </a:p>
-        </p:txBody>
-      </p:sp>
-      <p:sp>
-        <p:nvSpPr>
-          <p:cNvPr id="124" name="Segnaposto testo 15"/>
-          <p:cNvSpPr/>
+        </p:nvPicPr>
+        <p:blipFill>
+          <a:blip r:embed="rId5">
+            <a:extLst>
+              <a:ext uri="{28A0092B-C50C-407E-A947-70E740481C1C}">
+                <a14:useLocalDpi xmlns:a14="http://schemas.microsoft.com/office/drawing/2010/main" val="0"/>
+              </a:ext>
+              <a:ext uri="{96DAC541-7B7A-43D3-8B79-37D633B846F1}">
+                <asvg:svgBlip xmlns:asvg="http://schemas.microsoft.com/office/drawing/2016/SVG/main" r:embed="rId6"/>
+              </a:ext>
+            </a:extLst>
+          </a:blip>
+          <a:stretch>
+            <a:fillRect/>
+          </a:stretch>
+        </p:blipFill>
+        <p:spPr>
+          <a:xfrm>
+            <a:off x="451831" y="2477010"/>
+            <a:ext cx="5368852" cy="724795"/>
+          </a:xfrm>
+          <a:prstGeom prst="rect">
+            <a:avLst/>
+          </a:prstGeom>
+        </p:spPr>
+      </p:pic>
+      <p:pic>
+        <p:nvPicPr>
+          <p:cNvPr id="7" name="Elemento grafico 6">
+            <a:extLst>
+              <a:ext uri="{FF2B5EF4-FFF2-40B4-BE49-F238E27FC236}">
+                <a16:creationId xmlns:a16="http://schemas.microsoft.com/office/drawing/2014/main" id="{DE3D8ECA-9D3C-07C7-DD2A-619B3BEC40BF}"/>
+              </a:ext>
+            </a:extLst>
+          </p:cNvPr>
+          <p:cNvPicPr>
+            <a:picLocks noChangeAspect="1"/>
+          </p:cNvPicPr>
           <p:nvPr/>
-        </p:nvSpPr>
-        <p:spPr>
-          <a:xfrm>
-            <a:off x="2575800" y="4881960"/>
-            <a:ext cx="6243840" cy="1237680"/>
-          </a:xfrm>
-          <a:prstGeom prst="rect">
-            <a:avLst/>
-          </a:prstGeom>
-          <a:noFill/>
-          <a:ln w="0">
-            <a:noFill/>
-          </a:ln>
-        </p:spPr>
-        <p:style>
-          <a:lnRef idx="0">
-            <a:scrgbClr r="0" g="0" b="0"/>
-          </a:lnRef>
-          <a:fillRef idx="0">
-            <a:scrgbClr r="0" g="0" b="0"/>
-          </a:fillRef>
-          <a:effectRef idx="0">
-            <a:scrgbClr r="0" g="0" b="0"/>
-          </a:effectRef>
-          <a:fontRef idx="minor"/>
-        </p:style>
-        <p:txBody>
-          <a:bodyPr lIns="90000" tIns="45000" rIns="90000" bIns="45000" anchor="t">
-            <a:noAutofit/>
-          </a:bodyPr>
-          <a:lstStyle/>
-          <a:p>
-            <a:pPr marL="7920">
-              <a:lnSpc>
-                <a:spcPct val="150000"/>
-              </a:lnSpc>
-              <a:spcBef>
-                <a:spcPts val="1001"/>
-              </a:spcBef>
-              <a:buNone/>
-              <a:tabLst>
-                <a:tab pos="0" algn="l"/>
-              </a:tabLst>
-            </a:pPr>
-            <a:r>
-              <a:rPr lang="en-US" sz="1800" b="0" strike="noStrike" spc="-1">
-                <a:solidFill>
-                  <a:srgbClr val="000000"/>
-                </a:solidFill>
-                <a:latin typeface="Verdana"/>
-              </a:rPr>
-              <a:t>Convergenza dell’algoritmo a C = ...</a:t>
-            </a:r>
-            <a:endParaRPr lang="it-IT" sz="1800" b="0" strike="noStrike" spc="-1">
-              <a:latin typeface="Arial"/>
-            </a:endParaRPr>
-          </a:p>
-        </p:txBody>
-      </p:sp>
+        </p:nvPicPr>
+        <p:blipFill>
+          <a:blip r:embed="rId7">
+            <a:extLst>
+              <a:ext uri="{28A0092B-C50C-407E-A947-70E740481C1C}">
+                <a14:useLocalDpi xmlns:a14="http://schemas.microsoft.com/office/drawing/2010/main" val="0"/>
+              </a:ext>
+              <a:ext uri="{96DAC541-7B7A-43D3-8B79-37D633B846F1}">
+                <asvg:svgBlip xmlns:asvg="http://schemas.microsoft.com/office/drawing/2016/SVG/main" r:embed="rId8"/>
+              </a:ext>
+            </a:extLst>
+          </a:blip>
+          <a:stretch>
+            <a:fillRect/>
+          </a:stretch>
+        </p:blipFill>
+        <p:spPr>
+          <a:xfrm>
+            <a:off x="451831" y="1717485"/>
+            <a:ext cx="7395593" cy="724795"/>
+          </a:xfrm>
+          <a:prstGeom prst="rect">
+            <a:avLst/>
+          </a:prstGeom>
+        </p:spPr>
+      </p:pic>
+      <p:pic>
+        <p:nvPicPr>
+          <p:cNvPr id="9" name="Elemento grafico 8">
+            <a:extLst>
+              <a:ext uri="{FF2B5EF4-FFF2-40B4-BE49-F238E27FC236}">
+                <a16:creationId xmlns:a16="http://schemas.microsoft.com/office/drawing/2014/main" id="{3EB6B0C6-4C4E-88BB-7D9B-C689576F33FE}"/>
+              </a:ext>
+            </a:extLst>
+          </p:cNvPr>
+          <p:cNvPicPr>
+            <a:picLocks noChangeAspect="1"/>
+          </p:cNvPicPr>
+          <p:nvPr/>
+        </p:nvPicPr>
+        <p:blipFill>
+          <a:blip r:embed="rId9">
+            <a:extLst>
+              <a:ext uri="{28A0092B-C50C-407E-A947-70E740481C1C}">
+                <a14:useLocalDpi xmlns:a14="http://schemas.microsoft.com/office/drawing/2010/main" val="0"/>
+              </a:ext>
+              <a:ext uri="{96DAC541-7B7A-43D3-8B79-37D633B846F1}">
+                <asvg:svgBlip xmlns:asvg="http://schemas.microsoft.com/office/drawing/2016/SVG/main" r:embed="rId10"/>
+              </a:ext>
+            </a:extLst>
+          </a:blip>
+          <a:stretch>
+            <a:fillRect/>
+          </a:stretch>
+        </p:blipFill>
+        <p:spPr>
+          <a:xfrm>
+            <a:off x="328680" y="5439964"/>
+            <a:ext cx="6553388" cy="298498"/>
+          </a:xfrm>
+          <a:prstGeom prst="rect">
+            <a:avLst/>
+          </a:prstGeom>
+        </p:spPr>
+      </p:pic>
+      <p:pic>
+        <p:nvPicPr>
+          <p:cNvPr id="11" name="Elemento grafico 10">
+            <a:extLst>
+              <a:ext uri="{FF2B5EF4-FFF2-40B4-BE49-F238E27FC236}">
+                <a16:creationId xmlns:a16="http://schemas.microsoft.com/office/drawing/2014/main" id="{07A58E34-4FD3-7704-E075-B36D7C7C3028}"/>
+              </a:ext>
+            </a:extLst>
+          </p:cNvPr>
+          <p:cNvPicPr>
+            <a:picLocks noChangeAspect="1"/>
+          </p:cNvPicPr>
+          <p:nvPr/>
+        </p:nvPicPr>
+        <p:blipFill>
+          <a:blip r:embed="rId11">
+            <a:extLst>
+              <a:ext uri="{28A0092B-C50C-407E-A947-70E740481C1C}">
+                <a14:useLocalDpi xmlns:a14="http://schemas.microsoft.com/office/drawing/2010/main" val="0"/>
+              </a:ext>
+              <a:ext uri="{96DAC541-7B7A-43D3-8B79-37D633B846F1}">
+                <asvg:svgBlip xmlns:asvg="http://schemas.microsoft.com/office/drawing/2016/SVG/main" r:embed="rId12"/>
+              </a:ext>
+            </a:extLst>
+          </a:blip>
+          <a:stretch>
+            <a:fillRect/>
+          </a:stretch>
+        </p:blipFill>
+        <p:spPr>
+          <a:xfrm>
+            <a:off x="7455994" y="5546007"/>
+            <a:ext cx="469570" cy="144483"/>
+          </a:xfrm>
+          <a:prstGeom prst="rect">
+            <a:avLst/>
+          </a:prstGeom>
+        </p:spPr>
+      </p:pic>
+      <p:pic>
+        <p:nvPicPr>
+          <p:cNvPr id="13" name="Elemento grafico 12">
+            <a:extLst>
+              <a:ext uri="{FF2B5EF4-FFF2-40B4-BE49-F238E27FC236}">
+                <a16:creationId xmlns:a16="http://schemas.microsoft.com/office/drawing/2014/main" id="{2C257892-A96C-6906-3B78-2205EF09F4ED}"/>
+              </a:ext>
+            </a:extLst>
+          </p:cNvPr>
+          <p:cNvPicPr>
+            <a:picLocks noChangeAspect="1"/>
+          </p:cNvPicPr>
+          <p:nvPr/>
+        </p:nvPicPr>
+        <p:blipFill>
+          <a:blip r:embed="rId13">
+            <a:extLst>
+              <a:ext uri="{28A0092B-C50C-407E-A947-70E740481C1C}">
+                <a14:useLocalDpi xmlns:a14="http://schemas.microsoft.com/office/drawing/2010/main" val="0"/>
+              </a:ext>
+              <a:ext uri="{96DAC541-7B7A-43D3-8B79-37D633B846F1}">
+                <asvg:svgBlip xmlns:asvg="http://schemas.microsoft.com/office/drawing/2016/SVG/main" r:embed="rId14"/>
+              </a:ext>
+            </a:extLst>
+          </a:blip>
+          <a:stretch>
+            <a:fillRect/>
+          </a:stretch>
+        </p:blipFill>
+        <p:spPr>
+          <a:xfrm>
+            <a:off x="8566864" y="5317254"/>
+            <a:ext cx="2598739" cy="539361"/>
+          </a:xfrm>
+          <a:prstGeom prst="rect">
+            <a:avLst/>
+          </a:prstGeom>
+        </p:spPr>
+      </p:pic>
+      <p:pic>
+        <p:nvPicPr>
+          <p:cNvPr id="15" name="Elemento grafico 14">
+            <a:extLst>
+              <a:ext uri="{FF2B5EF4-FFF2-40B4-BE49-F238E27FC236}">
+                <a16:creationId xmlns:a16="http://schemas.microsoft.com/office/drawing/2014/main" id="{A26EC5CB-FC24-3664-2089-2AA6C241D358}"/>
+              </a:ext>
+            </a:extLst>
+          </p:cNvPr>
+          <p:cNvPicPr>
+            <a:picLocks noChangeAspect="1"/>
+          </p:cNvPicPr>
+          <p:nvPr/>
+        </p:nvPicPr>
+        <p:blipFill>
+          <a:blip r:embed="rId15">
+            <a:extLst>
+              <a:ext uri="{28A0092B-C50C-407E-A947-70E740481C1C}">
+                <a14:useLocalDpi xmlns:a14="http://schemas.microsoft.com/office/drawing/2010/main" val="0"/>
+              </a:ext>
+              <a:ext uri="{96DAC541-7B7A-43D3-8B79-37D633B846F1}">
+                <asvg:svgBlip xmlns:asvg="http://schemas.microsoft.com/office/drawing/2016/SVG/main" r:embed="rId16"/>
+              </a:ext>
+            </a:extLst>
+          </a:blip>
+          <a:stretch>
+            <a:fillRect/>
+          </a:stretch>
+        </p:blipFill>
+        <p:spPr>
+          <a:xfrm>
+            <a:off x="9311984" y="3359916"/>
+            <a:ext cx="1037797" cy="249840"/>
+          </a:xfrm>
+          <a:prstGeom prst="rect">
+            <a:avLst/>
+          </a:prstGeom>
+        </p:spPr>
+      </p:pic>
+      <p:pic>
+        <p:nvPicPr>
+          <p:cNvPr id="17" name="Elemento grafico 16">
+            <a:extLst>
+              <a:ext uri="{FF2B5EF4-FFF2-40B4-BE49-F238E27FC236}">
+                <a16:creationId xmlns:a16="http://schemas.microsoft.com/office/drawing/2014/main" id="{EC92398E-EA15-A4FA-2314-01A0A247876D}"/>
+              </a:ext>
+            </a:extLst>
+          </p:cNvPr>
+          <p:cNvPicPr>
+            <a:picLocks noChangeAspect="1"/>
+          </p:cNvPicPr>
+          <p:nvPr/>
+        </p:nvPicPr>
+        <p:blipFill>
+          <a:blip r:embed="rId17">
+            <a:extLst>
+              <a:ext uri="{28A0092B-C50C-407E-A947-70E740481C1C}">
+                <a14:useLocalDpi xmlns:a14="http://schemas.microsoft.com/office/drawing/2010/main" val="0"/>
+              </a:ext>
+              <a:ext uri="{96DAC541-7B7A-43D3-8B79-37D633B846F1}">
+                <asvg:svgBlip xmlns:asvg="http://schemas.microsoft.com/office/drawing/2016/SVG/main" r:embed="rId18"/>
+              </a:ext>
+            </a:extLst>
+          </a:blip>
+          <a:stretch>
+            <a:fillRect/>
+          </a:stretch>
+        </p:blipFill>
+        <p:spPr>
+          <a:xfrm>
+            <a:off x="9224654" y="3013878"/>
+            <a:ext cx="1768098" cy="249840"/>
+          </a:xfrm>
+          <a:prstGeom prst="rect">
+            <a:avLst/>
+          </a:prstGeom>
+        </p:spPr>
+      </p:pic>
     </p:spTree>
   </p:cSld>
   <p:clrMapOvr>
@@ -10042,88 +10358,6 @@
       </p:sp>
       <p:sp>
         <p:nvSpPr>
-          <p:cNvPr id="126" name="PlaceHolder 2"/>
-          <p:cNvSpPr>
-            <a:spLocks noGrp="1"/>
-          </p:cNvSpPr>
-          <p:nvPr>
-            <p:ph/>
-          </p:nvPr>
-        </p:nvSpPr>
-        <p:spPr>
-          <a:xfrm>
-            <a:off x="7740000" y="3081960"/>
-            <a:ext cx="3779640" cy="697680"/>
-          </a:xfrm>
-          <a:prstGeom prst="rect">
-            <a:avLst/>
-          </a:prstGeom>
-          <a:noFill/>
-          <a:ln w="0">
-            <a:noFill/>
-          </a:ln>
-        </p:spPr>
-        <p:txBody>
-          <a:bodyPr lIns="90000" tIns="45000" rIns="90000" bIns="45000" anchor="t">
-            <a:noAutofit/>
-          </a:bodyPr>
-          <a:lstStyle/>
-          <a:p>
-            <a:pPr marL="7920">
-              <a:lnSpc>
-                <a:spcPct val="150000"/>
-              </a:lnSpc>
-              <a:spcBef>
-                <a:spcPts val="1001"/>
-              </a:spcBef>
-              <a:buNone/>
-              <a:tabLst>
-                <a:tab pos="0" algn="l"/>
-              </a:tabLst>
-            </a:pPr>
-            <a:r>
-              <a:rPr lang="en-US" sz="1800" b="0" strike="noStrike" spc="-1">
-                <a:solidFill>
-                  <a:srgbClr val="000000"/>
-                </a:solidFill>
-                <a:latin typeface="Verdana"/>
-              </a:rPr>
-              <a:t>v_acc = …</a:t>
-            </a:r>
-            <a:endParaRPr lang="it-IT" sz="1800" b="0" strike="noStrike" spc="-1">
-              <a:latin typeface="Arial"/>
-            </a:endParaRPr>
-          </a:p>
-          <a:p>
-            <a:pPr marL="7920">
-              <a:lnSpc>
-                <a:spcPct val="150000"/>
-              </a:lnSpc>
-              <a:spcBef>
-                <a:spcPts val="1001"/>
-              </a:spcBef>
-              <a:buNone/>
-              <a:tabLst>
-                <a:tab pos="0" algn="l"/>
-              </a:tabLst>
-            </a:pPr>
-            <a:r>
-              <a:rPr lang="en-US" sz="1800" b="0" strike="noStrike" spc="-1">
-                <a:solidFill>
-                  <a:srgbClr val="000000"/>
-                </a:solidFill>
-                <a:latin typeface="Verdana"/>
-              </a:rPr>
-              <a:t>v_pos = ...</a:t>
-            </a:r>
-            <a:endParaRPr lang="it-IT" sz="1800" b="0" strike="noStrike" spc="-1">
-              <a:latin typeface="Arial"/>
-            </a:endParaRPr>
-          </a:p>
-        </p:txBody>
-      </p:sp>
-      <p:sp>
-        <p:nvSpPr>
           <p:cNvPr id="127" name="PlaceHolder 3"/>
           <p:cNvSpPr>
             <a:spLocks noGrp="1"/>
@@ -10173,198 +10407,162 @@
           </a:p>
         </p:txBody>
       </p:sp>
-      <p:sp>
-        <p:nvSpPr>
-          <p:cNvPr id="128" name="Segnaposto testo 16"/>
-          <p:cNvSpPr/>
+      <p:pic>
+        <p:nvPicPr>
+          <p:cNvPr id="3" name="Elemento grafico 2">
+            <a:extLst>
+              <a:ext uri="{FF2B5EF4-FFF2-40B4-BE49-F238E27FC236}">
+                <a16:creationId xmlns:a16="http://schemas.microsoft.com/office/drawing/2014/main" id="{EF95C93D-D703-F427-646B-E5C955EDEBF1}"/>
+              </a:ext>
+            </a:extLst>
+          </p:cNvPr>
+          <p:cNvPicPr>
+            <a:picLocks noChangeAspect="1"/>
+          </p:cNvPicPr>
           <p:nvPr/>
-        </p:nvSpPr>
-        <p:spPr>
-          <a:xfrm>
-            <a:off x="360000" y="2880000"/>
-            <a:ext cx="3779640" cy="1799640"/>
-          </a:xfrm>
-          <a:prstGeom prst="rect">
-            <a:avLst/>
-          </a:prstGeom>
-          <a:noFill/>
-          <a:ln w="0">
-            <a:noFill/>
-          </a:ln>
-        </p:spPr>
-        <p:style>
-          <a:lnRef idx="0">
-            <a:scrgbClr r="0" g="0" b="0"/>
-          </a:lnRef>
-          <a:fillRef idx="0">
-            <a:scrgbClr r="0" g="0" b="0"/>
-          </a:fillRef>
-          <a:effectRef idx="0">
-            <a:scrgbClr r="0" g="0" b="0"/>
-          </a:effectRef>
-          <a:fontRef idx="minor"/>
-        </p:style>
-        <p:txBody>
-          <a:bodyPr lIns="90000" tIns="45000" rIns="90000" bIns="45000" anchor="t">
-            <a:noAutofit/>
-          </a:bodyPr>
-          <a:lstStyle/>
-          <a:p>
-            <a:pPr marL="7920">
-              <a:lnSpc>
-                <a:spcPct val="150000"/>
-              </a:lnSpc>
-              <a:spcBef>
-                <a:spcPts val="1001"/>
-              </a:spcBef>
-              <a:buNone/>
-              <a:tabLst>
-                <a:tab pos="0" algn="l"/>
-              </a:tabLst>
-            </a:pPr>
-            <a:r>
-              <a:rPr lang="en-US" sz="1800" b="0" strike="noStrike" spc="-1">
-                <a:solidFill>
-                  <a:srgbClr val="000000"/>
-                </a:solidFill>
-                <a:latin typeface="Verdana"/>
-              </a:rPr>
-              <a:t>Schema filtro complementare</a:t>
-            </a:r>
-            <a:endParaRPr lang="it-IT" sz="1800" b="0" strike="noStrike" spc="-1">
-              <a:latin typeface="Arial"/>
-            </a:endParaRPr>
-          </a:p>
-        </p:txBody>
-      </p:sp>
-      <p:sp>
-        <p:nvSpPr>
-          <p:cNvPr id="129" name="Segnaposto testo 19"/>
-          <p:cNvSpPr/>
+        </p:nvPicPr>
+        <p:blipFill>
+          <a:blip r:embed="rId3">
+            <a:extLst>
+              <a:ext uri="{28A0092B-C50C-407E-A947-70E740481C1C}">
+                <a14:useLocalDpi xmlns:a14="http://schemas.microsoft.com/office/drawing/2010/main" val="0"/>
+              </a:ext>
+              <a:ext uri="{96DAC541-7B7A-43D3-8B79-37D633B846F1}">
+                <asvg:svgBlip xmlns:asvg="http://schemas.microsoft.com/office/drawing/2016/SVG/main" r:embed="rId4"/>
+              </a:ext>
+            </a:extLst>
+          </a:blip>
+          <a:stretch>
+            <a:fillRect/>
+          </a:stretch>
+        </p:blipFill>
+        <p:spPr>
+          <a:xfrm>
+            <a:off x="269081" y="2530440"/>
+            <a:ext cx="5826919" cy="2181471"/>
+          </a:xfrm>
+          <a:prstGeom prst="rect">
+            <a:avLst/>
+          </a:prstGeom>
+        </p:spPr>
+      </p:pic>
+      <p:pic>
+        <p:nvPicPr>
+          <p:cNvPr id="5" name="Elemento grafico 4">
+            <a:extLst>
+              <a:ext uri="{FF2B5EF4-FFF2-40B4-BE49-F238E27FC236}">
+                <a16:creationId xmlns:a16="http://schemas.microsoft.com/office/drawing/2014/main" id="{7E8976B2-01D4-7998-FE36-1B720BC72D69}"/>
+              </a:ext>
+            </a:extLst>
+          </p:cNvPr>
+          <p:cNvPicPr>
+            <a:picLocks noChangeAspect="1"/>
+          </p:cNvPicPr>
           <p:nvPr/>
-        </p:nvSpPr>
-        <p:spPr>
-          <a:xfrm>
-            <a:off x="776160" y="1822320"/>
-            <a:ext cx="9483840" cy="697680"/>
-          </a:xfrm>
-          <a:prstGeom prst="rect">
-            <a:avLst/>
-          </a:prstGeom>
-          <a:noFill/>
-          <a:ln w="0">
-            <a:noFill/>
-          </a:ln>
-        </p:spPr>
-        <p:style>
-          <a:lnRef idx="0">
-            <a:scrgbClr r="0" g="0" b="0"/>
-          </a:lnRef>
-          <a:fillRef idx="0">
-            <a:scrgbClr r="0" g="0" b="0"/>
-          </a:fillRef>
-          <a:effectRef idx="0">
-            <a:scrgbClr r="0" g="0" b="0"/>
-          </a:effectRef>
-          <a:fontRef idx="minor"/>
-        </p:style>
-        <p:txBody>
-          <a:bodyPr lIns="90000" tIns="45000" rIns="90000" bIns="45000" anchor="t">
-            <a:noAutofit/>
-          </a:bodyPr>
-          <a:lstStyle/>
-          <a:p>
-            <a:pPr marL="7920">
-              <a:lnSpc>
-                <a:spcPct val="150000"/>
-              </a:lnSpc>
-              <a:spcBef>
-                <a:spcPts val="1001"/>
-              </a:spcBef>
-              <a:buNone/>
-              <a:tabLst>
-                <a:tab pos="0" algn="l"/>
-              </a:tabLst>
-            </a:pPr>
-            <a:r>
-              <a:rPr lang="en-US" sz="1800" b="0" strike="noStrike" spc="-1">
-                <a:solidFill>
-                  <a:srgbClr val="000000"/>
-                </a:solidFill>
-                <a:latin typeface="Verdana"/>
-              </a:rPr>
-              <a:t>Calcolo theta con derivata discreta inversa</a:t>
-            </a:r>
-            <a:endParaRPr lang="it-IT" sz="1800" b="0" strike="noStrike" spc="-1">
-              <a:latin typeface="Arial"/>
-            </a:endParaRPr>
-          </a:p>
-        </p:txBody>
-      </p:sp>
-      <p:sp>
-        <p:nvSpPr>
-          <p:cNvPr id="130" name="Segnaposto testo 20"/>
-          <p:cNvSpPr/>
+        </p:nvPicPr>
+        <p:blipFill>
+          <a:blip r:embed="rId5">
+            <a:extLst>
+              <a:ext uri="{28A0092B-C50C-407E-A947-70E740481C1C}">
+                <a14:useLocalDpi xmlns:a14="http://schemas.microsoft.com/office/drawing/2010/main" val="0"/>
+              </a:ext>
+              <a:ext uri="{96DAC541-7B7A-43D3-8B79-37D633B846F1}">
+                <asvg:svgBlip xmlns:asvg="http://schemas.microsoft.com/office/drawing/2016/SVG/main" r:embed="rId6"/>
+              </a:ext>
+            </a:extLst>
+          </a:blip>
+          <a:stretch>
+            <a:fillRect/>
+          </a:stretch>
+        </p:blipFill>
+        <p:spPr>
+          <a:xfrm>
+            <a:off x="7666495" y="3036855"/>
+            <a:ext cx="3634958" cy="399215"/>
+          </a:xfrm>
+          <a:prstGeom prst="rect">
+            <a:avLst/>
+          </a:prstGeom>
+        </p:spPr>
+      </p:pic>
+      <p:pic>
+        <p:nvPicPr>
+          <p:cNvPr id="7" name="Elemento grafico 6">
+            <a:extLst>
+              <a:ext uri="{FF2B5EF4-FFF2-40B4-BE49-F238E27FC236}">
+                <a16:creationId xmlns:a16="http://schemas.microsoft.com/office/drawing/2014/main" id="{901BD27A-44CA-41DD-82D9-8D3167D2343B}"/>
+              </a:ext>
+            </a:extLst>
+          </p:cNvPr>
+          <p:cNvPicPr>
+            <a:picLocks noChangeAspect="1"/>
+          </p:cNvPicPr>
           <p:nvPr/>
-        </p:nvSpPr>
-        <p:spPr>
-          <a:xfrm>
-            <a:off x="720000" y="5061960"/>
-            <a:ext cx="9483840" cy="697680"/>
-          </a:xfrm>
-          <a:prstGeom prst="rect">
-            <a:avLst/>
-          </a:prstGeom>
-          <a:noFill/>
-          <a:ln w="0">
-            <a:noFill/>
-          </a:ln>
-        </p:spPr>
-        <p:style>
-          <a:lnRef idx="0">
-            <a:scrgbClr r="0" g="0" b="0"/>
-          </a:lnRef>
-          <a:fillRef idx="0">
-            <a:scrgbClr r="0" g="0" b="0"/>
-          </a:fillRef>
-          <a:effectRef idx="0">
-            <a:scrgbClr r="0" g="0" b="0"/>
-          </a:effectRef>
-          <a:fontRef idx="minor"/>
-        </p:style>
-        <p:txBody>
-          <a:bodyPr lIns="90000" tIns="45000" rIns="90000" bIns="45000" anchor="t">
-            <a:noAutofit/>
-          </a:bodyPr>
-          <a:lstStyle/>
-          <a:p>
-            <a:pPr marL="7920">
-              <a:lnSpc>
-                <a:spcPct val="150000"/>
-              </a:lnSpc>
-              <a:spcBef>
-                <a:spcPts val="1001"/>
-              </a:spcBef>
-              <a:buNone/>
-              <a:tabLst>
-                <a:tab pos="0" algn="l"/>
-              </a:tabLst>
-            </a:pPr>
-            <a:r>
-              <a:rPr lang="en-US" sz="1800" b="0" strike="noStrike" spc="-1">
-                <a:solidFill>
-                  <a:srgbClr val="000000"/>
-                </a:solidFill>
-                <a:latin typeface="Verdana"/>
-              </a:rPr>
-              <a:t>Formula filtro complementare?</a:t>
-            </a:r>
-            <a:endParaRPr lang="it-IT" sz="1800" b="0" strike="noStrike" spc="-1">
-              <a:latin typeface="Arial"/>
-            </a:endParaRPr>
-          </a:p>
-        </p:txBody>
-      </p:sp>
+        </p:nvPicPr>
+        <p:blipFill>
+          <a:blip r:embed="rId7">
+            <a:extLst>
+              <a:ext uri="{28A0092B-C50C-407E-A947-70E740481C1C}">
+                <a14:useLocalDpi xmlns:a14="http://schemas.microsoft.com/office/drawing/2010/main" val="0"/>
+              </a:ext>
+              <a:ext uri="{96DAC541-7B7A-43D3-8B79-37D633B846F1}">
+                <asvg:svgBlip xmlns:asvg="http://schemas.microsoft.com/office/drawing/2016/SVG/main" r:embed="rId8"/>
+              </a:ext>
+            </a:extLst>
+          </a:blip>
+          <a:stretch>
+            <a:fillRect/>
+          </a:stretch>
+        </p:blipFill>
+        <p:spPr>
+          <a:xfrm>
+            <a:off x="926477" y="1811880"/>
+            <a:ext cx="5665689" cy="470079"/>
+          </a:xfrm>
+          <a:prstGeom prst="rect">
+            <a:avLst/>
+          </a:prstGeom>
+        </p:spPr>
+      </p:pic>
+      <p:pic>
+        <p:nvPicPr>
+          <p:cNvPr id="9" name="Elemento grafico 8">
+            <a:extLst>
+              <a:ext uri="{FF2B5EF4-FFF2-40B4-BE49-F238E27FC236}">
+                <a16:creationId xmlns:a16="http://schemas.microsoft.com/office/drawing/2014/main" id="{E6091B78-62D2-AC10-F176-AAAC81AE17CD}"/>
+              </a:ext>
+            </a:extLst>
+          </p:cNvPr>
+          <p:cNvPicPr>
+            <a:picLocks noChangeAspect="1"/>
+          </p:cNvPicPr>
+          <p:nvPr/>
+        </p:nvPicPr>
+        <p:blipFill>
+          <a:blip r:embed="rId9">
+            <a:extLst>
+              <a:ext uri="{28A0092B-C50C-407E-A947-70E740481C1C}">
+                <a14:useLocalDpi xmlns:a14="http://schemas.microsoft.com/office/drawing/2010/main" val="0"/>
+              </a:ext>
+              <a:ext uri="{96DAC541-7B7A-43D3-8B79-37D633B846F1}">
+                <asvg:svgBlip xmlns:asvg="http://schemas.microsoft.com/office/drawing/2016/SVG/main" r:embed="rId10"/>
+              </a:ext>
+            </a:extLst>
+          </a:blip>
+          <a:stretch>
+            <a:fillRect/>
+          </a:stretch>
+        </p:blipFill>
+        <p:spPr>
+          <a:xfrm>
+            <a:off x="1438077" y="5430471"/>
+            <a:ext cx="3600741" cy="319692"/>
+          </a:xfrm>
+          <a:prstGeom prst="rect">
+            <a:avLst/>
+          </a:prstGeom>
+        </p:spPr>
+      </p:pic>
     </p:spTree>
   </p:cSld>
   <p:clrMapOvr>
@@ -10517,13 +10715,13 @@
       </p:sp>
       <p:sp>
         <p:nvSpPr>
-          <p:cNvPr id="133" name="Segnaposto testo 24"/>
+          <p:cNvPr id="134" name="Segnaposto testo 25"/>
           <p:cNvSpPr/>
           <p:nvPr/>
         </p:nvSpPr>
         <p:spPr>
           <a:xfrm>
-            <a:off x="776160" y="1822320"/>
+            <a:off x="775800" y="4559752"/>
             <a:ext cx="9483840" cy="697680"/>
           </a:xfrm>
           <a:prstGeom prst="rect">
@@ -10565,79 +10763,60 @@
               </a:tabLst>
             </a:pPr>
             <a:r>
-              <a:rPr lang="en-US" sz="1800" b="0" strike="noStrike" spc="-1">
+              <a:rPr lang="en-US" sz="1800" b="0" strike="noStrike" spc="-1" dirty="0" err="1">
                 <a:solidFill>
                   <a:srgbClr val="000000"/>
                 </a:solidFill>
                 <a:latin typeface="Verdana"/>
               </a:rPr>
-              <a:t>Imamgine PID con BC&amp;T</a:t>
+              <a:t>Qualcosa</a:t>
             </a:r>
-            <a:endParaRPr lang="it-IT" sz="1800" b="0" strike="noStrike" spc="-1">
-              <a:latin typeface="Arial"/>
-            </a:endParaRPr>
-          </a:p>
-        </p:txBody>
-      </p:sp>
-      <p:sp>
-        <p:nvSpPr>
-          <p:cNvPr id="134" name="Segnaposto testo 25"/>
-          <p:cNvSpPr/>
-          <p:nvPr/>
-        </p:nvSpPr>
-        <p:spPr>
-          <a:xfrm>
-            <a:off x="775800" y="3240000"/>
-            <a:ext cx="9483840" cy="697680"/>
-          </a:xfrm>
-          <a:prstGeom prst="rect">
-            <a:avLst/>
-          </a:prstGeom>
-          <a:noFill/>
-          <a:ln w="0">
-            <a:noFill/>
-          </a:ln>
-        </p:spPr>
-        <p:style>
-          <a:lnRef idx="0">
-            <a:scrgbClr r="0" g="0" b="0"/>
-          </a:lnRef>
-          <a:fillRef idx="0">
-            <a:scrgbClr r="0" g="0" b="0"/>
-          </a:fillRef>
-          <a:effectRef idx="0">
-            <a:scrgbClr r="0" g="0" b="0"/>
-          </a:effectRef>
-          <a:fontRef idx="minor"/>
-        </p:style>
-        <p:txBody>
-          <a:bodyPr lIns="90000" tIns="45000" rIns="90000" bIns="45000" anchor="t">
-            <a:noAutofit/>
-          </a:bodyPr>
-          <a:lstStyle/>
-          <a:p>
-            <a:pPr marL="7920">
-              <a:lnSpc>
-                <a:spcPct val="150000"/>
-              </a:lnSpc>
-              <a:spcBef>
-                <a:spcPts val="1001"/>
-              </a:spcBef>
-              <a:buNone/>
-              <a:tabLst>
-                <a:tab pos="0" algn="l"/>
-              </a:tabLst>
-            </a:pPr>
             <a:r>
-              <a:rPr lang="en-US" sz="1800" b="0" strike="noStrike" spc="-1">
+              <a:rPr lang="en-US" sz="1800" b="0" strike="noStrike" spc="-1" dirty="0">
                 <a:solidFill>
                   <a:srgbClr val="000000"/>
                 </a:solidFill>
                 <a:latin typeface="Verdana"/>
               </a:rPr>
-              <a:t>Qualcosa sul PID Tuner/ Identificazione?</a:t>
+              <a:t> </a:t>
             </a:r>
-            <a:endParaRPr lang="it-IT" sz="1800" b="0" strike="noStrike" spc="-1">
+            <a:r>
+              <a:rPr lang="en-US" sz="1800" b="0" strike="noStrike" spc="-1" dirty="0" err="1">
+                <a:solidFill>
+                  <a:srgbClr val="000000"/>
+                </a:solidFill>
+                <a:latin typeface="Verdana"/>
+              </a:rPr>
+              <a:t>sul</a:t>
+            </a:r>
+            <a:r>
+              <a:rPr lang="en-US" sz="1800" b="0" strike="noStrike" spc="-1" dirty="0">
+                <a:solidFill>
+                  <a:srgbClr val="000000"/>
+                </a:solidFill>
+                <a:latin typeface="Verdana"/>
+              </a:rPr>
+              <a:t> PID Tuner/ </a:t>
+            </a:r>
+            <a:r>
+              <a:rPr lang="en-US" sz="1800" b="0" strike="noStrike" spc="-1" dirty="0" err="1">
+                <a:solidFill>
+                  <a:srgbClr val="000000"/>
+                </a:solidFill>
+                <a:latin typeface="Verdana"/>
+              </a:rPr>
+              <a:t>Identificazione</a:t>
+            </a:r>
+            <a:r>
+              <a:rPr lang="en-US" sz="1800" b="0" strike="noStrike" spc="-1" dirty="0">
+                <a:solidFill>
+                  <a:srgbClr val="000000"/>
+                </a:solidFill>
+                <a:latin typeface="Verdana"/>
+              </a:rPr>
+              <a:t>?</a:t>
+            </a:r>
+            <a:endParaRPr lang="it-IT" sz="1800" b="0" strike="noStrike" spc="-1" dirty="0">
               <a:latin typeface="Arial"/>
             </a:endParaRPr>
           </a:p>
@@ -10707,6 +10886,45 @@
           </a:p>
         </p:txBody>
       </p:sp>
+      <p:pic>
+        <p:nvPicPr>
+          <p:cNvPr id="5" name="Elemento grafico 4">
+            <a:extLst>
+              <a:ext uri="{FF2B5EF4-FFF2-40B4-BE49-F238E27FC236}">
+                <a16:creationId xmlns:a16="http://schemas.microsoft.com/office/drawing/2014/main" id="{1597D2F8-DCBC-E080-A937-CDA10F0CD3AA}"/>
+              </a:ext>
+            </a:extLst>
+          </p:cNvPr>
+          <p:cNvPicPr>
+            <a:picLocks noChangeAspect="1"/>
+          </p:cNvPicPr>
+          <p:nvPr/>
+        </p:nvPicPr>
+        <p:blipFill>
+          <a:blip r:embed="rId3">
+            <a:extLst>
+              <a:ext uri="{28A0092B-C50C-407E-A947-70E740481C1C}">
+                <a14:useLocalDpi xmlns:a14="http://schemas.microsoft.com/office/drawing/2010/main" val="0"/>
+              </a:ext>
+              <a:ext uri="{96DAC541-7B7A-43D3-8B79-37D633B846F1}">
+                <asvg:svgBlip xmlns:asvg="http://schemas.microsoft.com/office/drawing/2016/SVG/main" r:embed="rId4"/>
+              </a:ext>
+            </a:extLst>
+          </a:blip>
+          <a:stretch>
+            <a:fillRect/>
+          </a:stretch>
+        </p:blipFill>
+        <p:spPr>
+          <a:xfrm>
+            <a:off x="625400" y="1468527"/>
+            <a:ext cx="8374240" cy="2656345"/>
+          </a:xfrm>
+          <a:prstGeom prst="rect">
+            <a:avLst/>
+          </a:prstGeom>
+        </p:spPr>
+      </p:pic>
     </p:spTree>
   </p:cSld>
   <p:clrMapOvr>

--- a/labauto.pptx
+++ b/labauto.pptx
@@ -129,7 +129,7 @@
 <file path=ppt/revisionInfo.xml><?xml version="1.0" encoding="utf-8"?>
 <p1510:revInfo xmlns:a="http://schemas.openxmlformats.org/drawingml/2006/main" xmlns:r="http://schemas.openxmlformats.org/officeDocument/2006/relationships" xmlns:p1510="http://schemas.microsoft.com/office/powerpoint/2015/10/main">
   <p1510:revLst>
-    <p1510:client id="{75615983-1094-4174-86F6-1BDEAFC21390}" v="19" dt="2024-05-06T07:56:13.607"/>
+    <p1510:client id="{75615983-1094-4174-86F6-1BDEAFC21390}" v="20" dt="2024-05-06T09:42:42.040"/>
   </p1510:revLst>
 </p1510:revInfo>
 </file>
@@ -139,7 +139,7 @@
   <pc:docChgLst>
     <pc:chgData name="Giulio Beltrami" userId="e0bbba2c-5e70-403a-8e6b-090771782fcf" providerId="ADAL" clId="{75615983-1094-4174-86F6-1BDEAFC21390}"/>
     <pc:docChg chg="undo custSel modSld">
-      <pc:chgData name="Giulio Beltrami" userId="e0bbba2c-5e70-403a-8e6b-090771782fcf" providerId="ADAL" clId="{75615983-1094-4174-86F6-1BDEAFC21390}" dt="2024-05-06T07:56:45.513" v="224" actId="14100"/>
+      <pc:chgData name="Giulio Beltrami" userId="e0bbba2c-5e70-403a-8e6b-090771782fcf" providerId="ADAL" clId="{75615983-1094-4174-86F6-1BDEAFC21390}" dt="2024-05-06T09:52:44.758" v="449" actId="1076"/>
       <pc:docMkLst>
         <pc:docMk/>
       </pc:docMkLst>
@@ -157,6 +157,29 @@
             <ac:spMk id="86" creationId="{00000000-0000-0000-0000-000000000000}"/>
           </ac:spMkLst>
         </pc:spChg>
+      </pc:sldChg>
+      <pc:sldChg chg="addSp modSp mod">
+        <pc:chgData name="Giulio Beltrami" userId="e0bbba2c-5e70-403a-8e6b-090771782fcf" providerId="ADAL" clId="{75615983-1094-4174-86F6-1BDEAFC21390}" dt="2024-05-06T09:52:44.758" v="449" actId="1076"/>
+        <pc:sldMkLst>
+          <pc:docMk/>
+          <pc:sldMk cId="0" sldId="257"/>
+        </pc:sldMkLst>
+        <pc:spChg chg="add mod">
+          <ac:chgData name="Giulio Beltrami" userId="e0bbba2c-5e70-403a-8e6b-090771782fcf" providerId="ADAL" clId="{75615983-1094-4174-86F6-1BDEAFC21390}" dt="2024-05-06T09:52:44.758" v="449" actId="1076"/>
+          <ac:spMkLst>
+            <pc:docMk/>
+            <pc:sldMk cId="0" sldId="257"/>
+            <ac:spMk id="2" creationId="{04782B39-CBD7-6BC1-9C60-78921EDE69DE}"/>
+          </ac:spMkLst>
+        </pc:spChg>
+        <pc:picChg chg="mod">
+          <ac:chgData name="Giulio Beltrami" userId="e0bbba2c-5e70-403a-8e6b-090771782fcf" providerId="ADAL" clId="{75615983-1094-4174-86F6-1BDEAFC21390}" dt="2024-05-06T09:52:37.374" v="448" actId="14100"/>
+          <ac:picMkLst>
+            <pc:docMk/>
+            <pc:sldMk cId="0" sldId="257"/>
+            <ac:picMk id="3" creationId="{D6E93E18-FB1E-5BF8-1035-9970065B86E2}"/>
+          </ac:picMkLst>
+        </pc:picChg>
       </pc:sldChg>
       <pc:sldChg chg="addSp delSp modSp mod">
         <pc:chgData name="Giulio Beltrami" userId="e0bbba2c-5e70-403a-8e6b-090771782fcf" providerId="ADAL" clId="{75615983-1094-4174-86F6-1BDEAFC21390}" dt="2024-05-06T07:56:45.513" v="224" actId="14100"/>
@@ -8120,7 +8143,7 @@
               <a:buNone/>
             </a:pPr>
             <a:r>
-              <a:rPr lang="it-IT" sz="2200" b="1" strike="noStrike" spc="-1">
+              <a:rPr lang="it-IT" sz="2200" b="1" strike="noStrike" spc="-1" dirty="0">
                 <a:solidFill>
                   <a:srgbClr val="000000"/>
                 </a:solidFill>
@@ -8129,7 +8152,7 @@
               </a:rPr>
               <a:t>Introduzione</a:t>
             </a:r>
-            <a:endParaRPr lang="it-IT" sz="2200" b="0" strike="noStrike" spc="-1">
+            <a:endParaRPr lang="it-IT" sz="2200" b="0" strike="noStrike" spc="-1" dirty="0">
               <a:latin typeface="Arial"/>
             </a:endParaRPr>
           </a:p>
@@ -8189,14 +8212,154 @@
         </p:blipFill>
         <p:spPr>
           <a:xfrm>
-            <a:off x="7543155" y="695650"/>
-            <a:ext cx="2905125" cy="5695950"/>
+            <a:off x="8352149" y="384049"/>
+            <a:ext cx="3064052" cy="6007551"/>
           </a:xfrm>
           <a:prstGeom prst="rect">
             <a:avLst/>
           </a:prstGeom>
         </p:spPr>
       </p:pic>
+      <p:sp>
+        <p:nvSpPr>
+          <p:cNvPr id="2" name="CasellaDiTesto 1">
+            <a:extLst>
+              <a:ext uri="{FF2B5EF4-FFF2-40B4-BE49-F238E27FC236}">
+                <a16:creationId xmlns:a16="http://schemas.microsoft.com/office/drawing/2014/main" id="{04782B39-CBD7-6BC1-9C60-78921EDE69DE}"/>
+              </a:ext>
+            </a:extLst>
+          </p:cNvPr>
+          <p:cNvSpPr txBox="1"/>
+          <p:nvPr/>
+        </p:nvSpPr>
+        <p:spPr>
+          <a:xfrm>
+            <a:off x="4592975" y="1675316"/>
+            <a:ext cx="3504650" cy="2585323"/>
+          </a:xfrm>
+          <a:prstGeom prst="rect">
+            <a:avLst/>
+          </a:prstGeom>
+          <a:noFill/>
+        </p:spPr>
+        <p:txBody>
+          <a:bodyPr wrap="square" rtlCol="0">
+            <a:spAutoFit/>
+          </a:bodyPr>
+          <a:lstStyle/>
+          <a:p>
+            <a:r>
+              <a:rPr lang="it-IT" dirty="0"/>
+              <a:t>Componenti rover:</a:t>
+            </a:r>
+          </a:p>
+          <a:p>
+            <a:pPr marL="285750" indent="-285750">
+              <a:buFont typeface="Arial" panose="020B0604020202020204" pitchFamily="34" charset="0"/>
+              <a:buChar char="•"/>
+            </a:pPr>
+            <a:endParaRPr lang="it-IT" dirty="0"/>
+          </a:p>
+          <a:p>
+            <a:pPr marL="285750" indent="-285750">
+              <a:buFont typeface="Arial" panose="020B0604020202020204" pitchFamily="34" charset="0"/>
+              <a:buChar char="•"/>
+            </a:pPr>
+            <a:r>
+              <a:rPr lang="it-IT" dirty="0"/>
+              <a:t>ZED 2i</a:t>
+            </a:r>
+          </a:p>
+          <a:p>
+            <a:pPr marL="285750" indent="-285750">
+              <a:buFont typeface="Arial" panose="020B0604020202020204" pitchFamily="34" charset="0"/>
+              <a:buChar char="•"/>
+            </a:pPr>
+            <a:r>
+              <a:rPr lang="it-IT" dirty="0" err="1"/>
+              <a:t>LiDar</a:t>
+            </a:r>
+            <a:endParaRPr lang="it-IT" dirty="0"/>
+          </a:p>
+          <a:p>
+            <a:pPr marL="285750" indent="-285750">
+              <a:buFont typeface="Arial" panose="020B0604020202020204" pitchFamily="34" charset="0"/>
+              <a:buChar char="•"/>
+            </a:pPr>
+            <a:r>
+              <a:rPr lang="it-IT" dirty="0"/>
+              <a:t>Nvidia </a:t>
+            </a:r>
+            <a:r>
+              <a:rPr lang="it-IT" dirty="0" err="1"/>
+              <a:t>Jetson</a:t>
+            </a:r>
+            <a:r>
+              <a:rPr lang="it-IT" dirty="0"/>
+              <a:t> AGX </a:t>
+            </a:r>
+            <a:r>
+              <a:rPr lang="it-IT" dirty="0" err="1"/>
+              <a:t>Orin</a:t>
+            </a:r>
+            <a:endParaRPr lang="it-IT" dirty="0"/>
+          </a:p>
+          <a:p>
+            <a:pPr marL="285750" indent="-285750">
+              <a:buFont typeface="Arial" panose="020B0604020202020204" pitchFamily="34" charset="0"/>
+              <a:buChar char="•"/>
+            </a:pPr>
+            <a:r>
+              <a:rPr lang="it-IT" dirty="0"/>
+              <a:t>Servomotore </a:t>
+            </a:r>
+            <a:r>
+              <a:rPr lang="it-IT" dirty="0">
+                <a:sym typeface="Wingdings" panose="05000000000000000000" pitchFamily="2" charset="2"/>
+              </a:rPr>
+              <a:t> S</a:t>
+            </a:r>
+            <a:r>
+              <a:rPr lang="it-IT" dirty="0"/>
+              <a:t>terzo</a:t>
+            </a:r>
+          </a:p>
+          <a:p>
+            <a:pPr marL="285750" indent="-285750">
+              <a:buFont typeface="Arial" panose="020B0604020202020204" pitchFamily="34" charset="0"/>
+              <a:buChar char="•"/>
+            </a:pPr>
+            <a:r>
+              <a:rPr lang="it-IT" dirty="0"/>
+              <a:t>Motore Brushless </a:t>
+            </a:r>
+            <a:r>
+              <a:rPr lang="it-IT" dirty="0">
+                <a:sym typeface="Wingdings" panose="05000000000000000000" pitchFamily="2" charset="2"/>
+              </a:rPr>
+              <a:t></a:t>
+            </a:r>
+            <a:r>
+              <a:rPr lang="it-IT" dirty="0"/>
+              <a:t> Trazione</a:t>
+            </a:r>
+          </a:p>
+          <a:p>
+            <a:pPr marL="285750" indent="-285750">
+              <a:buFont typeface="Arial" panose="020B0604020202020204" pitchFamily="34" charset="0"/>
+              <a:buChar char="•"/>
+            </a:pPr>
+            <a:endParaRPr lang="it-IT" dirty="0"/>
+          </a:p>
+          <a:p>
+            <a:pPr marL="285750" indent="-285750">
+              <a:buFont typeface="Arial" panose="020B0604020202020204" pitchFamily="34" charset="0"/>
+              <a:buChar char="•"/>
+            </a:pPr>
+            <a:endParaRPr lang="it-IT" dirty="0"/>
+          </a:p>
+        </p:txBody>
+      </p:sp>
     </p:spTree>
   </p:cSld>
   <p:clrMapOvr>

--- a/labauto.pptx
+++ b/labauto.pptx
@@ -1271,7 +1271,7 @@
         <p:spPr>
           <a:xfrm>
             <a:off x="685800" y="1143000"/>
-            <a:ext cx="5485680" cy="3085560"/>
+            <a:ext cx="5486400" cy="3086100"/>
           </a:xfrm>
           <a:prstGeom prst="rect">
             <a:avLst/>
@@ -7798,16 +7798,26 @@
               </a:tabLst>
             </a:pPr>
             <a:r>
-              <a:rPr lang="it-IT" sz="1800" b="0" strike="noStrike" spc="-1">
+              <a:rPr lang="it-IT" sz="1800" spc="-1" dirty="0">
                 <a:solidFill>
                   <a:srgbClr val="000000"/>
                 </a:solidFill>
                 <a:latin typeface="Verdana"/>
                 <a:ea typeface="Verdana"/>
               </a:rPr>
-              <a:t>conclusioni</a:t>
+              <a:t>C</a:t>
             </a:r>
-            <a:endParaRPr lang="it-IT" sz="1800" b="0" strike="noStrike" spc="-1">
+            <a:r>
+              <a:rPr lang="it-IT" sz="1800" b="0" strike="noStrike" spc="-1" dirty="0">
+                <a:solidFill>
+                  <a:srgbClr val="000000"/>
+                </a:solidFill>
+                <a:latin typeface="Verdana"/>
+                <a:ea typeface="Verdana"/>
+              </a:rPr>
+              <a:t>onclusioni</a:t>
+            </a:r>
+            <a:endParaRPr lang="it-IT" sz="1800" b="0" strike="noStrike" spc="-1" dirty="0">
               <a:latin typeface="Arial"/>
             </a:endParaRPr>
           </a:p>
@@ -7908,7 +7918,7 @@
               <a:buNone/>
             </a:pPr>
             <a:r>
-              <a:rPr lang="it-IT" sz="1800" b="0" strike="noStrike" spc="-1">
+              <a:rPr lang="it-IT" sz="1800" b="0" strike="noStrike" spc="-1" dirty="0">
                 <a:solidFill>
                   <a:srgbClr val="000000"/>
                 </a:solidFill>
@@ -7917,7 +7927,7 @@
               </a:rPr>
               <a:t>Sviluppi futuri:</a:t>
             </a:r>
-            <a:endParaRPr lang="it-IT" sz="1800" b="0" strike="noStrike" spc="-1">
+            <a:endParaRPr lang="it-IT" sz="1800" b="0" strike="noStrike" spc="-1" dirty="0">
               <a:latin typeface="Arial"/>
             </a:endParaRPr>
           </a:p>
@@ -7933,7 +7943,7 @@
               <a:buChar char="•"/>
             </a:pPr>
             <a:r>
-              <a:rPr lang="it-IT" sz="1800" b="0" strike="noStrike" spc="-1">
+              <a:rPr lang="it-IT" sz="1800" b="0" strike="noStrike" spc="-1" dirty="0">
                 <a:solidFill>
                   <a:srgbClr val="000000"/>
                 </a:solidFill>
@@ -7942,7 +7952,7 @@
               </a:rPr>
               <a:t>ENCODER</a:t>
             </a:r>
-            <a:endParaRPr lang="it-IT" sz="1800" b="0" strike="noStrike" spc="-1">
+            <a:endParaRPr lang="it-IT" sz="1800" b="0" strike="noStrike" spc="-1" dirty="0">
               <a:latin typeface="Arial"/>
             </a:endParaRPr>
           </a:p>
@@ -7953,7 +7963,7 @@
               </a:lnSpc>
               <a:buNone/>
             </a:pPr>
-            <a:endParaRPr lang="it-IT" sz="1800" b="0" strike="noStrike" spc="-1">
+            <a:endParaRPr lang="it-IT" sz="1800" b="0" strike="noStrike" spc="-1" dirty="0">
               <a:latin typeface="Arial"/>
             </a:endParaRPr>
           </a:p>
@@ -7964,7 +7974,7 @@
               </a:lnSpc>
               <a:buNone/>
             </a:pPr>
-            <a:endParaRPr lang="it-IT" sz="1800" b="0" strike="noStrike" spc="-1">
+            <a:endParaRPr lang="it-IT" sz="1800" b="0" strike="noStrike" spc="-1" dirty="0">
               <a:latin typeface="Arial"/>
             </a:endParaRPr>
           </a:p>
@@ -7975,7 +7985,7 @@
               </a:lnSpc>
               <a:buNone/>
             </a:pPr>
-            <a:endParaRPr lang="it-IT" sz="1800" b="0" strike="noStrike" spc="-1">
+            <a:endParaRPr lang="it-IT" sz="1800" b="0" strike="noStrike" spc="-1" dirty="0">
               <a:latin typeface="Arial"/>
             </a:endParaRPr>
           </a:p>
@@ -7986,7 +7996,7 @@
               </a:lnSpc>
               <a:buNone/>
             </a:pPr>
-            <a:endParaRPr lang="it-IT" sz="1800" b="0" strike="noStrike" spc="-1">
+            <a:endParaRPr lang="it-IT" sz="1800" b="0" strike="noStrike" spc="-1" dirty="0">
               <a:latin typeface="Arial"/>
             </a:endParaRPr>
           </a:p>
@@ -7997,7 +8007,7 @@
               </a:lnSpc>
               <a:buNone/>
             </a:pPr>
-            <a:endParaRPr lang="it-IT" sz="1800" b="0" strike="noStrike" spc="-1">
+            <a:endParaRPr lang="it-IT" sz="1800" b="0" strike="noStrike" spc="-1" dirty="0">
               <a:latin typeface="Arial"/>
             </a:endParaRPr>
           </a:p>
@@ -8008,7 +8018,7 @@
               </a:lnSpc>
               <a:buNone/>
             </a:pPr>
-            <a:endParaRPr lang="it-IT" sz="1800" b="0" strike="noStrike" spc="-1">
+            <a:endParaRPr lang="it-IT" sz="1800" b="0" strike="noStrike" spc="-1" dirty="0">
               <a:latin typeface="Arial"/>
             </a:endParaRPr>
           </a:p>
@@ -8019,7 +8029,7 @@
               </a:lnSpc>
               <a:buNone/>
             </a:pPr>
-            <a:endParaRPr lang="it-IT" sz="1800" b="0" strike="noStrike" spc="-1">
+            <a:endParaRPr lang="it-IT" sz="1800" b="0" strike="noStrike" spc="-1" dirty="0">
               <a:latin typeface="Arial"/>
             </a:endParaRPr>
           </a:p>
@@ -8600,16 +8610,36 @@
               </a:tabLst>
             </a:pPr>
             <a:r>
-              <a:rPr lang="it-IT" sz="1800" b="0" strike="noStrike" spc="-1">
+              <a:rPr lang="it-IT" sz="1800" b="0" strike="noStrike" spc="-1" dirty="0">
                 <a:solidFill>
                   <a:srgbClr val="000000"/>
                 </a:solidFill>
                 <a:latin typeface="Verdana"/>
                 <a:ea typeface="Verdana"/>
               </a:rPr>
-              <a:t>Immagine/ discorso che tramite OpenCV dall’immagine si ricava la posizione in terna camera del marker e l’id</a:t>
+              <a:t>Immagine/ discorso che tramite </a:t>
             </a:r>
-            <a:endParaRPr lang="it-IT" sz="1800" b="0" strike="noStrike" spc="-1">
+            <a:r>
+              <a:rPr lang="it-IT" sz="1800" b="0" strike="noStrike" spc="-1" dirty="0" err="1">
+                <a:solidFill>
+                  <a:srgbClr val="000000"/>
+                </a:solidFill>
+                <a:latin typeface="Verdana"/>
+                <a:ea typeface="Verdana"/>
+              </a:rPr>
+              <a:t>OpenCV</a:t>
+            </a:r>
+            <a:r>
+              <a:rPr lang="it-IT" sz="1800" b="0" strike="noStrike" spc="-1" dirty="0">
+                <a:solidFill>
+                  <a:srgbClr val="000000"/>
+                </a:solidFill>
+                <a:latin typeface="Verdana"/>
+                <a:ea typeface="Verdana"/>
+              </a:rPr>
+              <a:t> dall’immagine si ricava la posizione in terna camera del marker e l’id</a:t>
+            </a:r>
+            <a:endParaRPr lang="it-IT" sz="1800" b="0" strike="noStrike" spc="-1" dirty="0">
               <a:latin typeface="Arial"/>
             </a:endParaRPr>
           </a:p>
@@ -8665,7 +8695,7 @@
               </a:tabLst>
             </a:pPr>
             <a:r>
-              <a:rPr lang="it-IT" sz="1800" b="0" strike="noStrike" spc="-1">
+              <a:rPr lang="it-IT" sz="1800" b="0" strike="noStrike" spc="-1" dirty="0">
                 <a:solidFill>
                   <a:srgbClr val="000000"/>
                 </a:solidFill>
@@ -8674,7 +8704,7 @@
               </a:rPr>
               <a:t>Immagine terna marker </a:t>
             </a:r>
-            <a:endParaRPr lang="it-IT" sz="1800" b="0" strike="noStrike" spc="-1">
+            <a:endParaRPr lang="it-IT" sz="1800" b="0" strike="noStrike" spc="-1" dirty="0">
               <a:latin typeface="Arial"/>
             </a:endParaRPr>
           </a:p>
@@ -9354,143 +9384,6 @@
           </a:p>
         </p:txBody>
       </p:sp>
-      <p:sp>
-        <p:nvSpPr>
-          <p:cNvPr id="111" name="Segnaposto testo 5"/>
-          <p:cNvSpPr/>
-          <p:nvPr/>
-        </p:nvSpPr>
-        <p:spPr>
-          <a:xfrm>
-            <a:off x="5760000" y="3081960"/>
-            <a:ext cx="2643840" cy="1237680"/>
-          </a:xfrm>
-          <a:prstGeom prst="rect">
-            <a:avLst/>
-          </a:prstGeom>
-          <a:noFill/>
-          <a:ln w="0">
-            <a:noFill/>
-          </a:ln>
-        </p:spPr>
-        <p:style>
-          <a:lnRef idx="0">
-            <a:scrgbClr r="0" g="0" b="0"/>
-          </a:lnRef>
-          <a:fillRef idx="0">
-            <a:scrgbClr r="0" g="0" b="0"/>
-          </a:fillRef>
-          <a:effectRef idx="0">
-            <a:scrgbClr r="0" g="0" b="0"/>
-          </a:effectRef>
-          <a:fontRef idx="minor"/>
-        </p:style>
-        <p:txBody>
-          <a:bodyPr lIns="90000" tIns="45000" rIns="90000" bIns="45000" anchor="t">
-            <a:noAutofit/>
-          </a:bodyPr>
-          <a:lstStyle/>
-          <a:p>
-            <a:pPr marL="7920">
-              <a:lnSpc>
-                <a:spcPct val="150000"/>
-              </a:lnSpc>
-              <a:spcBef>
-                <a:spcPts val="1001"/>
-              </a:spcBef>
-              <a:buNone/>
-              <a:tabLst>
-                <a:tab pos="0" algn="l"/>
-              </a:tabLst>
-            </a:pPr>
-            <a:r>
-              <a:rPr lang="en-US" sz="1800" b="0" strike="noStrike" spc="-1">
-                <a:solidFill>
-                  <a:srgbClr val="000000"/>
-                </a:solidFill>
-                <a:latin typeface="Verdana"/>
-              </a:rPr>
-              <a:t>Parametri APF</a:t>
-            </a:r>
-            <a:endParaRPr lang="it-IT" sz="1800" b="0" strike="noStrike" spc="-1">
-              <a:latin typeface="Arial"/>
-            </a:endParaRPr>
-          </a:p>
-        </p:txBody>
-      </p:sp>
-      <p:sp>
-        <p:nvSpPr>
-          <p:cNvPr id="112" name="Segnaposto testo 9"/>
-          <p:cNvSpPr/>
-          <p:nvPr/>
-        </p:nvSpPr>
-        <p:spPr>
-          <a:xfrm>
-            <a:off x="5760360" y="3082320"/>
-            <a:ext cx="2643840" cy="1237680"/>
-          </a:xfrm>
-          <a:prstGeom prst="rect">
-            <a:avLst/>
-          </a:prstGeom>
-          <a:noFill/>
-          <a:ln w="0">
-            <a:noFill/>
-          </a:ln>
-        </p:spPr>
-        <p:style>
-          <a:lnRef idx="0">
-            <a:scrgbClr r="0" g="0" b="0"/>
-          </a:lnRef>
-          <a:fillRef idx="0">
-            <a:scrgbClr r="0" g="0" b="0"/>
-          </a:fillRef>
-          <a:effectRef idx="0">
-            <a:scrgbClr r="0" g="0" b="0"/>
-          </a:effectRef>
-          <a:fontRef idx="minor"/>
-        </p:style>
-        <p:txBody>
-          <a:bodyPr lIns="90000" tIns="45000" rIns="90000" bIns="45000" anchor="t">
-            <a:noAutofit/>
-          </a:bodyPr>
-          <a:lstStyle/>
-          <a:p>
-            <a:pPr marL="7920">
-              <a:lnSpc>
-                <a:spcPct val="150000"/>
-              </a:lnSpc>
-              <a:spcBef>
-                <a:spcPts val="1001"/>
-              </a:spcBef>
-              <a:buNone/>
-              <a:tabLst>
-                <a:tab pos="0" algn="l"/>
-              </a:tabLst>
-            </a:pPr>
-            <a:r>
-              <a:rPr lang="en-US" sz="1800" b="0" strike="noStrike" spc="-1" dirty="0" err="1">
-                <a:solidFill>
-                  <a:srgbClr val="000000"/>
-                </a:solidFill>
-                <a:latin typeface="Verdana"/>
-              </a:rPr>
-              <a:t>Parametri</a:t>
-            </a:r>
-            <a:r>
-              <a:rPr lang="en-US" sz="1800" b="0" strike="noStrike" spc="-1" dirty="0">
-                <a:solidFill>
-                  <a:srgbClr val="000000"/>
-                </a:solidFill>
-                <a:latin typeface="Verdana"/>
-              </a:rPr>
-              <a:t> APF</a:t>
-            </a:r>
-            <a:endParaRPr lang="it-IT" sz="1800" b="0" strike="noStrike" spc="-1" dirty="0">
-              <a:latin typeface="Arial"/>
-            </a:endParaRPr>
-          </a:p>
-        </p:txBody>
-      </p:sp>
       <p:pic>
         <p:nvPicPr>
           <p:cNvPr id="3" name="Elemento grafico 2">
@@ -9686,6 +9579,893 @@
           </a:prstGeom>
         </p:spPr>
       </p:pic>
+      <mc:AlternateContent xmlns:mc="http://schemas.openxmlformats.org/markup-compatibility/2006">
+        <mc:Choice xmlns:a14="http://schemas.microsoft.com/office/drawing/2010/main" Requires="a14">
+          <p:graphicFrame>
+            <p:nvGraphicFramePr>
+              <p:cNvPr id="2" name="Tabella 1">
+                <a:extLst>
+                  <a:ext uri="{FF2B5EF4-FFF2-40B4-BE49-F238E27FC236}">
+                    <a16:creationId xmlns:a16="http://schemas.microsoft.com/office/drawing/2014/main" id="{00CE3058-F966-0D4D-ABF5-A3609441608B}"/>
+                  </a:ext>
+                </a:extLst>
+              </p:cNvPr>
+              <p:cNvGraphicFramePr>
+                <a:graphicFrameLocks noGrp="1"/>
+              </p:cNvGraphicFramePr>
+              <p:nvPr>
+                <p:extLst>
+                  <p:ext uri="{D42A27DB-BD31-4B8C-83A1-F6EECF244321}">
+                    <p14:modId xmlns:p14="http://schemas.microsoft.com/office/powerpoint/2010/main" val="2485847206"/>
+                  </p:ext>
+                </p:extLst>
+              </p:nvPr>
+            </p:nvGraphicFramePr>
+            <p:xfrm>
+              <a:off x="6078459" y="2903713"/>
+              <a:ext cx="4068342" cy="1882575"/>
+            </p:xfrm>
+            <a:graphic>
+              <a:graphicData uri="http://schemas.openxmlformats.org/drawingml/2006/table">
+                <a:tbl>
+                  <a:tblPr firstRow="1" bandRow="1">
+                    <a:tableStyleId>{EB344D84-9AFB-497E-A393-DC336BA19D2E}</a:tableStyleId>
+                  </a:tblPr>
+                  <a:tblGrid>
+                    <a:gridCol w="2034171">
+                      <a:extLst>
+                        <a:ext uri="{9D8B030D-6E8A-4147-A177-3AD203B41FA5}">
+                          <a16:colId xmlns:a16="http://schemas.microsoft.com/office/drawing/2014/main" val="1399199553"/>
+                        </a:ext>
+                      </a:extLst>
+                    </a:gridCol>
+                    <a:gridCol w="2034171">
+                      <a:extLst>
+                        <a:ext uri="{9D8B030D-6E8A-4147-A177-3AD203B41FA5}">
+                          <a16:colId xmlns:a16="http://schemas.microsoft.com/office/drawing/2014/main" val="184007162"/>
+                        </a:ext>
+                      </a:extLst>
+                    </a:gridCol>
+                  </a:tblGrid>
+                  <a:tr h="376515">
+                    <a:tc>
+                      <a:txBody>
+                        <a:bodyPr/>
+                        <a:lstStyle/>
+                        <a:p>
+                          <a:pPr algn="ctr"/>
+                          <a:r>
+                            <a:rPr lang="it-IT" b="1" dirty="0">
+                              <a:solidFill>
+                                <a:schemeClr val="tx1"/>
+                              </a:solidFill>
+                            </a:rPr>
+                            <a:t>Parametri</a:t>
+                          </a:r>
+                        </a:p>
+                      </a:txBody>
+                      <a:tcPr>
+                        <a:lnL w="12700" cap="flat" cmpd="sng" algn="ctr">
+                          <a:solidFill>
+                            <a:schemeClr val="tx1"/>
+                          </a:solidFill>
+                          <a:prstDash val="solid"/>
+                          <a:round/>
+                          <a:headEnd type="none" w="med" len="med"/>
+                          <a:tailEnd type="none" w="med" len="med"/>
+                        </a:lnL>
+                        <a:lnT w="12700" cap="flat" cmpd="sng" algn="ctr">
+                          <a:solidFill>
+                            <a:schemeClr val="tx1"/>
+                          </a:solidFill>
+                          <a:prstDash val="solid"/>
+                          <a:round/>
+                          <a:headEnd type="none" w="med" len="med"/>
+                          <a:tailEnd type="none" w="med" len="med"/>
+                        </a:lnT>
+                        <a:solidFill>
+                          <a:schemeClr val="bg1">
+                            <a:alpha val="36863"/>
+                          </a:schemeClr>
+                        </a:solidFill>
+                      </a:tcPr>
+                    </a:tc>
+                    <a:tc>
+                      <a:txBody>
+                        <a:bodyPr/>
+                        <a:lstStyle/>
+                        <a:p>
+                          <a:pPr algn="ctr"/>
+                          <a:r>
+                            <a:rPr lang="it-IT" sz="1800" b="1" kern="1200" dirty="0">
+                              <a:solidFill>
+                                <a:schemeClr val="tx1"/>
+                              </a:solidFill>
+                              <a:latin typeface="+mn-lt"/>
+                              <a:ea typeface="+mn-ea"/>
+                              <a:cs typeface="+mn-cs"/>
+                            </a:rPr>
+                            <a:t>Valore</a:t>
+                          </a:r>
+                        </a:p>
+                      </a:txBody>
+                      <a:tcPr>
+                        <a:lnR w="12700" cap="flat" cmpd="sng" algn="ctr">
+                          <a:solidFill>
+                            <a:schemeClr val="tx1"/>
+                          </a:solidFill>
+                          <a:prstDash val="solid"/>
+                          <a:round/>
+                          <a:headEnd type="none" w="med" len="med"/>
+                          <a:tailEnd type="none" w="med" len="med"/>
+                        </a:lnR>
+                        <a:lnT w="12700" cap="flat" cmpd="sng" algn="ctr">
+                          <a:solidFill>
+                            <a:schemeClr val="tx1"/>
+                          </a:solidFill>
+                          <a:prstDash val="solid"/>
+                          <a:round/>
+                          <a:headEnd type="none" w="med" len="med"/>
+                          <a:tailEnd type="none" w="med" len="med"/>
+                        </a:lnT>
+                        <a:solidFill>
+                          <a:schemeClr val="bg1">
+                            <a:alpha val="36863"/>
+                          </a:schemeClr>
+                        </a:solidFill>
+                      </a:tcPr>
+                    </a:tc>
+                    <a:extLst>
+                      <a:ext uri="{0D108BD9-81ED-4DB2-BD59-A6C34878D82A}">
+                        <a16:rowId xmlns:a16="http://schemas.microsoft.com/office/drawing/2014/main" val="2665473541"/>
+                      </a:ext>
+                    </a:extLst>
+                  </a:tr>
+                  <a:tr h="376515">
+                    <a:tc>
+                      <a:txBody>
+                        <a:bodyPr/>
+                        <a:lstStyle/>
+                        <a:p>
+                          <a14:m>
+                            <m:oMathPara xmlns:m="http://schemas.openxmlformats.org/officeDocument/2006/math">
+                              <m:oMathParaPr>
+                                <m:jc m:val="centerGroup"/>
+                              </m:oMathParaPr>
+                              <m:oMath xmlns:m="http://schemas.openxmlformats.org/officeDocument/2006/math">
+                                <m:sSub>
+                                  <m:sSubPr>
+                                    <m:ctrlPr>
+                                      <a:rPr lang="it-IT" smtClean="0"/>
+                                    </m:ctrlPr>
+                                  </m:sSubPr>
+                                  <m:e>
+                                    <m:r>
+                                      <a:rPr lang="it-IT" smtClean="0"/>
+                                      <m:t>𝑘</m:t>
+                                    </m:r>
+                                  </m:e>
+                                  <m:sub>
+                                    <m:r>
+                                      <a:rPr lang="it-IT" smtClean="0"/>
+                                      <m:t>𝑎</m:t>
+                                    </m:r>
+                                  </m:sub>
+                                </m:sSub>
+                              </m:oMath>
+                            </m:oMathPara>
+                          </a14:m>
+                          <a:endParaRPr lang="it-IT" dirty="0"/>
+                        </a:p>
+                      </a:txBody>
+                      <a:tcPr>
+                        <a:lnL w="12700" cap="flat" cmpd="sng" algn="ctr">
+                          <a:solidFill>
+                            <a:schemeClr val="tx1"/>
+                          </a:solidFill>
+                          <a:prstDash val="solid"/>
+                          <a:round/>
+                          <a:headEnd type="none" w="med" len="med"/>
+                          <a:tailEnd type="none" w="med" len="med"/>
+                        </a:lnL>
+                        <a:solidFill>
+                          <a:schemeClr val="bg1">
+                            <a:alpha val="36863"/>
+                          </a:schemeClr>
+                        </a:solidFill>
+                      </a:tcPr>
+                    </a:tc>
+                    <a:tc>
+                      <a:txBody>
+                        <a:bodyPr/>
+                        <a:lstStyle/>
+                        <a:p>
+                          <a:endParaRPr lang="it-IT" dirty="0"/>
+                        </a:p>
+                      </a:txBody>
+                      <a:tcPr>
+                        <a:lnR w="12700" cap="flat" cmpd="sng" algn="ctr">
+                          <a:solidFill>
+                            <a:schemeClr val="tx1"/>
+                          </a:solidFill>
+                          <a:prstDash val="solid"/>
+                          <a:round/>
+                          <a:headEnd type="none" w="med" len="med"/>
+                          <a:tailEnd type="none" w="med" len="med"/>
+                        </a:lnR>
+                        <a:solidFill>
+                          <a:schemeClr val="bg1">
+                            <a:alpha val="36863"/>
+                          </a:schemeClr>
+                        </a:solidFill>
+                      </a:tcPr>
+                    </a:tc>
+                    <a:extLst>
+                      <a:ext uri="{0D108BD9-81ED-4DB2-BD59-A6C34878D82A}">
+                        <a16:rowId xmlns:a16="http://schemas.microsoft.com/office/drawing/2014/main" val="3119651478"/>
+                      </a:ext>
+                    </a:extLst>
+                  </a:tr>
+                  <a:tr h="376515">
+                    <a:tc>
+                      <a:txBody>
+                        <a:bodyPr/>
+                        <a:lstStyle/>
+                        <a:p>
+                          <a14:m>
+                            <m:oMathPara xmlns:m="http://schemas.openxmlformats.org/officeDocument/2006/math">
+                              <m:oMathParaPr>
+                                <m:jc m:val="centerGroup"/>
+                              </m:oMathParaPr>
+                              <m:oMath xmlns:m="http://schemas.openxmlformats.org/officeDocument/2006/math">
+                                <m:sSub>
+                                  <m:sSubPr>
+                                    <m:ctrlPr>
+                                      <a:rPr lang="it-IT" smtClean="0"/>
+                                    </m:ctrlPr>
+                                  </m:sSubPr>
+                                  <m:e>
+                                    <m:r>
+                                      <a:rPr lang="it-IT" smtClean="0"/>
+                                      <m:t>𝑘</m:t>
+                                    </m:r>
+                                  </m:e>
+                                  <m:sub>
+                                    <m:r>
+                                      <a:rPr lang="it-IT" smtClean="0"/>
+                                      <m:t>𝑟</m:t>
+                                    </m:r>
+                                  </m:sub>
+                                </m:sSub>
+                              </m:oMath>
+                            </m:oMathPara>
+                          </a14:m>
+                          <a:endParaRPr lang="it-IT" dirty="0"/>
+                        </a:p>
+                      </a:txBody>
+                      <a:tcPr>
+                        <a:lnL w="12700" cap="flat" cmpd="sng" algn="ctr">
+                          <a:solidFill>
+                            <a:schemeClr val="tx1"/>
+                          </a:solidFill>
+                          <a:prstDash val="solid"/>
+                          <a:round/>
+                          <a:headEnd type="none" w="med" len="med"/>
+                          <a:tailEnd type="none" w="med" len="med"/>
+                        </a:lnL>
+                        <a:solidFill>
+                          <a:schemeClr val="bg1">
+                            <a:alpha val="36863"/>
+                          </a:schemeClr>
+                        </a:solidFill>
+                      </a:tcPr>
+                    </a:tc>
+                    <a:tc>
+                      <a:txBody>
+                        <a:bodyPr/>
+                        <a:lstStyle/>
+                        <a:p>
+                          <a:endParaRPr lang="it-IT"/>
+                        </a:p>
+                      </a:txBody>
+                      <a:tcPr>
+                        <a:lnR w="12700" cap="flat" cmpd="sng" algn="ctr">
+                          <a:solidFill>
+                            <a:schemeClr val="tx1"/>
+                          </a:solidFill>
+                          <a:prstDash val="solid"/>
+                          <a:round/>
+                          <a:headEnd type="none" w="med" len="med"/>
+                          <a:tailEnd type="none" w="med" len="med"/>
+                        </a:lnR>
+                        <a:solidFill>
+                          <a:schemeClr val="bg1">
+                            <a:alpha val="36863"/>
+                          </a:schemeClr>
+                        </a:solidFill>
+                      </a:tcPr>
+                    </a:tc>
+                    <a:extLst>
+                      <a:ext uri="{0D108BD9-81ED-4DB2-BD59-A6C34878D82A}">
+                        <a16:rowId xmlns:a16="http://schemas.microsoft.com/office/drawing/2014/main" val="3465027243"/>
+                      </a:ext>
+                    </a:extLst>
+                  </a:tr>
+                  <a:tr h="376515">
+                    <a:tc>
+                      <a:txBody>
+                        <a:bodyPr/>
+                        <a:lstStyle/>
+                        <a:p>
+                          <a14:m>
+                            <m:oMathPara xmlns:m="http://schemas.openxmlformats.org/officeDocument/2006/math">
+                              <m:oMathParaPr>
+                                <m:jc m:val="centerGroup"/>
+                              </m:oMathParaPr>
+                              <m:oMath xmlns:m="http://schemas.openxmlformats.org/officeDocument/2006/math">
+                                <m:r>
+                                  <a:rPr lang="it-IT" smtClean="0"/>
+                                  <m:t>𝛿</m:t>
+                                </m:r>
+                              </m:oMath>
+                            </m:oMathPara>
+                          </a14:m>
+                          <a:endParaRPr lang="it-IT" dirty="0"/>
+                        </a:p>
+                      </a:txBody>
+                      <a:tcPr>
+                        <a:lnL w="12700" cap="flat" cmpd="sng" algn="ctr">
+                          <a:solidFill>
+                            <a:schemeClr val="tx1"/>
+                          </a:solidFill>
+                          <a:prstDash val="solid"/>
+                          <a:round/>
+                          <a:headEnd type="none" w="med" len="med"/>
+                          <a:tailEnd type="none" w="med" len="med"/>
+                        </a:lnL>
+                        <a:solidFill>
+                          <a:schemeClr val="bg1">
+                            <a:alpha val="36863"/>
+                          </a:schemeClr>
+                        </a:solidFill>
+                      </a:tcPr>
+                    </a:tc>
+                    <a:tc>
+                      <a:txBody>
+                        <a:bodyPr/>
+                        <a:lstStyle/>
+                        <a:p>
+                          <a:endParaRPr lang="it-IT" dirty="0"/>
+                        </a:p>
+                      </a:txBody>
+                      <a:tcPr>
+                        <a:lnR w="12700" cap="flat" cmpd="sng" algn="ctr">
+                          <a:solidFill>
+                            <a:schemeClr val="tx1"/>
+                          </a:solidFill>
+                          <a:prstDash val="solid"/>
+                          <a:round/>
+                          <a:headEnd type="none" w="med" len="med"/>
+                          <a:tailEnd type="none" w="med" len="med"/>
+                        </a:lnR>
+                        <a:solidFill>
+                          <a:schemeClr val="bg1">
+                            <a:alpha val="36863"/>
+                          </a:schemeClr>
+                        </a:solidFill>
+                      </a:tcPr>
+                    </a:tc>
+                    <a:extLst>
+                      <a:ext uri="{0D108BD9-81ED-4DB2-BD59-A6C34878D82A}">
+                        <a16:rowId xmlns:a16="http://schemas.microsoft.com/office/drawing/2014/main" val="572882039"/>
+                      </a:ext>
+                    </a:extLst>
+                  </a:tr>
+                  <a:tr h="376515">
+                    <a:tc>
+                      <a:txBody>
+                        <a:bodyPr/>
+                        <a:lstStyle/>
+                        <a:p>
+                          <a14:m>
+                            <m:oMathPara xmlns:m="http://schemas.openxmlformats.org/officeDocument/2006/math">
+                              <m:oMathParaPr>
+                                <m:jc m:val="centerGroup"/>
+                              </m:oMathParaPr>
+                              <m:oMath xmlns:m="http://schemas.openxmlformats.org/officeDocument/2006/math">
+                                <m:sSub>
+                                  <m:sSubPr>
+                                    <m:ctrlPr>
+                                      <a:rPr lang="it-IT" smtClean="0"/>
+                                    </m:ctrlPr>
+                                  </m:sSubPr>
+                                  <m:e>
+                                    <m:r>
+                                      <a:rPr lang="it-IT" smtClean="0"/>
+                                      <m:t>𝛿</m:t>
+                                    </m:r>
+                                  </m:e>
+                                  <m:sub>
+                                    <m:r>
+                                      <a:rPr lang="it-IT" smtClean="0"/>
+                                      <m:t>0</m:t>
+                                    </m:r>
+                                  </m:sub>
+                                </m:sSub>
+                              </m:oMath>
+                            </m:oMathPara>
+                          </a14:m>
+                          <a:endParaRPr lang="it-IT" dirty="0"/>
+                        </a:p>
+                      </a:txBody>
+                      <a:tcPr>
+                        <a:lnL w="12700" cap="flat" cmpd="sng" algn="ctr">
+                          <a:solidFill>
+                            <a:schemeClr val="tx1"/>
+                          </a:solidFill>
+                          <a:prstDash val="solid"/>
+                          <a:round/>
+                          <a:headEnd type="none" w="med" len="med"/>
+                          <a:tailEnd type="none" w="med" len="med"/>
+                        </a:lnL>
+                        <a:lnB w="12700" cap="flat" cmpd="sng" algn="ctr">
+                          <a:solidFill>
+                            <a:schemeClr val="tx1"/>
+                          </a:solidFill>
+                          <a:prstDash val="solid"/>
+                          <a:round/>
+                          <a:headEnd type="none" w="med" len="med"/>
+                          <a:tailEnd type="none" w="med" len="med"/>
+                        </a:lnB>
+                        <a:solidFill>
+                          <a:schemeClr val="bg1">
+                            <a:alpha val="36863"/>
+                          </a:schemeClr>
+                        </a:solidFill>
+                      </a:tcPr>
+                    </a:tc>
+                    <a:tc>
+                      <a:txBody>
+                        <a:bodyPr/>
+                        <a:lstStyle/>
+                        <a:p>
+                          <a:endParaRPr lang="it-IT" dirty="0"/>
+                        </a:p>
+                      </a:txBody>
+                      <a:tcPr>
+                        <a:lnR w="12700" cap="flat" cmpd="sng" algn="ctr">
+                          <a:solidFill>
+                            <a:schemeClr val="tx1"/>
+                          </a:solidFill>
+                          <a:prstDash val="solid"/>
+                          <a:round/>
+                          <a:headEnd type="none" w="med" len="med"/>
+                          <a:tailEnd type="none" w="med" len="med"/>
+                        </a:lnR>
+                        <a:lnB w="12700" cap="flat" cmpd="sng" algn="ctr">
+                          <a:solidFill>
+                            <a:schemeClr val="tx1"/>
+                          </a:solidFill>
+                          <a:prstDash val="solid"/>
+                          <a:round/>
+                          <a:headEnd type="none" w="med" len="med"/>
+                          <a:tailEnd type="none" w="med" len="med"/>
+                        </a:lnB>
+                        <a:solidFill>
+                          <a:schemeClr val="bg1">
+                            <a:alpha val="36863"/>
+                          </a:schemeClr>
+                        </a:solidFill>
+                      </a:tcPr>
+                    </a:tc>
+                    <a:extLst>
+                      <a:ext uri="{0D108BD9-81ED-4DB2-BD59-A6C34878D82A}">
+                        <a16:rowId xmlns:a16="http://schemas.microsoft.com/office/drawing/2014/main" val="4183447673"/>
+                      </a:ext>
+                    </a:extLst>
+                  </a:tr>
+                </a:tbl>
+              </a:graphicData>
+            </a:graphic>
+          </p:graphicFrame>
+        </mc:Choice>
+        <mc:Fallback>
+          <p:graphicFrame>
+            <p:nvGraphicFramePr>
+              <p:cNvPr id="2" name="Tabella 1">
+                <a:extLst>
+                  <a:ext uri="{FF2B5EF4-FFF2-40B4-BE49-F238E27FC236}">
+                    <a16:creationId xmlns:a16="http://schemas.microsoft.com/office/drawing/2014/main" id="{00CE3058-F966-0D4D-ABF5-A3609441608B}"/>
+                  </a:ext>
+                </a:extLst>
+              </p:cNvPr>
+              <p:cNvGraphicFramePr>
+                <a:graphicFrameLocks noGrp="1"/>
+              </p:cNvGraphicFramePr>
+              <p:nvPr>
+                <p:extLst>
+                  <p:ext uri="{D42A27DB-BD31-4B8C-83A1-F6EECF244321}">
+                    <p14:modId xmlns:p14="http://schemas.microsoft.com/office/powerpoint/2010/main" val="2485847206"/>
+                  </p:ext>
+                </p:extLst>
+              </p:nvPr>
+            </p:nvGraphicFramePr>
+            <p:xfrm>
+              <a:off x="6078459" y="2903713"/>
+              <a:ext cx="4068342" cy="1882575"/>
+            </p:xfrm>
+            <a:graphic>
+              <a:graphicData uri="http://schemas.openxmlformats.org/drawingml/2006/table">
+                <a:tbl>
+                  <a:tblPr firstRow="1" bandRow="1">
+                    <a:tableStyleId>{EB344D84-9AFB-497E-A393-DC336BA19D2E}</a:tableStyleId>
+                  </a:tblPr>
+                  <a:tblGrid>
+                    <a:gridCol w="2034171">
+                      <a:extLst>
+                        <a:ext uri="{9D8B030D-6E8A-4147-A177-3AD203B41FA5}">
+                          <a16:colId xmlns:a16="http://schemas.microsoft.com/office/drawing/2014/main" val="1399199553"/>
+                        </a:ext>
+                      </a:extLst>
+                    </a:gridCol>
+                    <a:gridCol w="2034171">
+                      <a:extLst>
+                        <a:ext uri="{9D8B030D-6E8A-4147-A177-3AD203B41FA5}">
+                          <a16:colId xmlns:a16="http://schemas.microsoft.com/office/drawing/2014/main" val="184007162"/>
+                        </a:ext>
+                      </a:extLst>
+                    </a:gridCol>
+                  </a:tblGrid>
+                  <a:tr h="376515">
+                    <a:tc>
+                      <a:txBody>
+                        <a:bodyPr/>
+                        <a:lstStyle/>
+                        <a:p>
+                          <a:pPr algn="ctr"/>
+                          <a:r>
+                            <a:rPr lang="it-IT" b="1" dirty="0">
+                              <a:solidFill>
+                                <a:schemeClr val="tx1"/>
+                              </a:solidFill>
+                            </a:rPr>
+                            <a:t>Parametri</a:t>
+                          </a:r>
+                        </a:p>
+                      </a:txBody>
+                      <a:tcPr>
+                        <a:lnL w="12700" cap="flat" cmpd="sng" algn="ctr">
+                          <a:solidFill>
+                            <a:schemeClr val="tx1"/>
+                          </a:solidFill>
+                          <a:prstDash val="solid"/>
+                          <a:round/>
+                          <a:headEnd type="none" w="med" len="med"/>
+                          <a:tailEnd type="none" w="med" len="med"/>
+                        </a:lnL>
+                        <a:lnT w="12700" cap="flat" cmpd="sng" algn="ctr">
+                          <a:solidFill>
+                            <a:schemeClr val="tx1"/>
+                          </a:solidFill>
+                          <a:prstDash val="solid"/>
+                          <a:round/>
+                          <a:headEnd type="none" w="med" len="med"/>
+                          <a:tailEnd type="none" w="med" len="med"/>
+                        </a:lnT>
+                        <a:solidFill>
+                          <a:schemeClr val="bg1">
+                            <a:alpha val="36863"/>
+                          </a:schemeClr>
+                        </a:solidFill>
+                      </a:tcPr>
+                    </a:tc>
+                    <a:tc>
+                      <a:txBody>
+                        <a:bodyPr/>
+                        <a:lstStyle/>
+                        <a:p>
+                          <a:pPr algn="ctr"/>
+                          <a:r>
+                            <a:rPr lang="it-IT" sz="1800" b="1" kern="1200" dirty="0">
+                              <a:solidFill>
+                                <a:schemeClr val="tx1"/>
+                              </a:solidFill>
+                              <a:latin typeface="+mn-lt"/>
+                              <a:ea typeface="+mn-ea"/>
+                              <a:cs typeface="+mn-cs"/>
+                            </a:rPr>
+                            <a:t>Valore</a:t>
+                          </a:r>
+                        </a:p>
+                      </a:txBody>
+                      <a:tcPr>
+                        <a:lnR w="12700" cap="flat" cmpd="sng" algn="ctr">
+                          <a:solidFill>
+                            <a:schemeClr val="tx1"/>
+                          </a:solidFill>
+                          <a:prstDash val="solid"/>
+                          <a:round/>
+                          <a:headEnd type="none" w="med" len="med"/>
+                          <a:tailEnd type="none" w="med" len="med"/>
+                        </a:lnR>
+                        <a:lnT w="12700" cap="flat" cmpd="sng" algn="ctr">
+                          <a:solidFill>
+                            <a:schemeClr val="tx1"/>
+                          </a:solidFill>
+                          <a:prstDash val="solid"/>
+                          <a:round/>
+                          <a:headEnd type="none" w="med" len="med"/>
+                          <a:tailEnd type="none" w="med" len="med"/>
+                        </a:lnT>
+                        <a:solidFill>
+                          <a:schemeClr val="bg1">
+                            <a:alpha val="36863"/>
+                          </a:schemeClr>
+                        </a:solidFill>
+                      </a:tcPr>
+                    </a:tc>
+                    <a:extLst>
+                      <a:ext uri="{0D108BD9-81ED-4DB2-BD59-A6C34878D82A}">
+                        <a16:rowId xmlns:a16="http://schemas.microsoft.com/office/drawing/2014/main" val="2665473541"/>
+                      </a:ext>
+                    </a:extLst>
+                  </a:tr>
+                  <a:tr h="376515">
+                    <a:tc>
+                      <a:txBody>
+                        <a:bodyPr/>
+                        <a:lstStyle/>
+                        <a:p>
+                          <a:endParaRPr lang="it-IT"/>
+                        </a:p>
+                      </a:txBody>
+                      <a:tcPr>
+                        <a:lnL w="12700" cap="flat" cmpd="sng" algn="ctr">
+                          <a:solidFill>
+                            <a:schemeClr val="tx1"/>
+                          </a:solidFill>
+                          <a:prstDash val="solid"/>
+                          <a:round/>
+                          <a:headEnd type="none" w="med" len="med"/>
+                          <a:tailEnd type="none" w="med" len="med"/>
+                        </a:lnL>
+                        <a:blipFill>
+                          <a:blip r:embed="rId13"/>
+                          <a:stretch>
+                            <a:fillRect t="-106667" r="-100000" b="-300000"/>
+                          </a:stretch>
+                        </a:blipFill>
+                      </a:tcPr>
+                    </a:tc>
+                    <a:tc>
+                      <a:txBody>
+                        <a:bodyPr/>
+                        <a:lstStyle/>
+                        <a:p>
+                          <a:endParaRPr lang="it-IT" dirty="0"/>
+                        </a:p>
+                      </a:txBody>
+                      <a:tcPr>
+                        <a:lnR w="12700" cap="flat" cmpd="sng" algn="ctr">
+                          <a:solidFill>
+                            <a:schemeClr val="tx1"/>
+                          </a:solidFill>
+                          <a:prstDash val="solid"/>
+                          <a:round/>
+                          <a:headEnd type="none" w="med" len="med"/>
+                          <a:tailEnd type="none" w="med" len="med"/>
+                        </a:lnR>
+                        <a:solidFill>
+                          <a:schemeClr val="bg1">
+                            <a:alpha val="36863"/>
+                          </a:schemeClr>
+                        </a:solidFill>
+                      </a:tcPr>
+                    </a:tc>
+                    <a:extLst>
+                      <a:ext uri="{0D108BD9-81ED-4DB2-BD59-A6C34878D82A}">
+                        <a16:rowId xmlns:a16="http://schemas.microsoft.com/office/drawing/2014/main" val="3119651478"/>
+                      </a:ext>
+                    </a:extLst>
+                  </a:tr>
+                  <a:tr h="376515">
+                    <a:tc>
+                      <a:txBody>
+                        <a:bodyPr/>
+                        <a:lstStyle/>
+                        <a:p>
+                          <a:endParaRPr lang="it-IT"/>
+                        </a:p>
+                      </a:txBody>
+                      <a:tcPr>
+                        <a:lnL w="12700" cap="flat" cmpd="sng" algn="ctr">
+                          <a:solidFill>
+                            <a:schemeClr val="tx1"/>
+                          </a:solidFill>
+                          <a:prstDash val="solid"/>
+                          <a:round/>
+                          <a:headEnd type="none" w="med" len="med"/>
+                          <a:tailEnd type="none" w="med" len="med"/>
+                        </a:lnL>
+                        <a:blipFill>
+                          <a:blip r:embed="rId13"/>
+                          <a:stretch>
+                            <a:fillRect t="-213793" r="-100000" b="-210345"/>
+                          </a:stretch>
+                        </a:blipFill>
+                      </a:tcPr>
+                    </a:tc>
+                    <a:tc>
+                      <a:txBody>
+                        <a:bodyPr/>
+                        <a:lstStyle/>
+                        <a:p>
+                          <a:endParaRPr lang="it-IT"/>
+                        </a:p>
+                      </a:txBody>
+                      <a:tcPr>
+                        <a:lnR w="12700" cap="flat" cmpd="sng" algn="ctr">
+                          <a:solidFill>
+                            <a:schemeClr val="tx1"/>
+                          </a:solidFill>
+                          <a:prstDash val="solid"/>
+                          <a:round/>
+                          <a:headEnd type="none" w="med" len="med"/>
+                          <a:tailEnd type="none" w="med" len="med"/>
+                        </a:lnR>
+                        <a:solidFill>
+                          <a:schemeClr val="bg1">
+                            <a:alpha val="36863"/>
+                          </a:schemeClr>
+                        </a:solidFill>
+                      </a:tcPr>
+                    </a:tc>
+                    <a:extLst>
+                      <a:ext uri="{0D108BD9-81ED-4DB2-BD59-A6C34878D82A}">
+                        <a16:rowId xmlns:a16="http://schemas.microsoft.com/office/drawing/2014/main" val="3465027243"/>
+                      </a:ext>
+                    </a:extLst>
+                  </a:tr>
+                  <a:tr h="376515">
+                    <a:tc>
+                      <a:txBody>
+                        <a:bodyPr/>
+                        <a:lstStyle/>
+                        <a:p>
+                          <a:endParaRPr lang="it-IT"/>
+                        </a:p>
+                      </a:txBody>
+                      <a:tcPr>
+                        <a:lnL w="12700" cap="flat" cmpd="sng" algn="ctr">
+                          <a:solidFill>
+                            <a:schemeClr val="tx1"/>
+                          </a:solidFill>
+                          <a:prstDash val="solid"/>
+                          <a:round/>
+                          <a:headEnd type="none" w="med" len="med"/>
+                          <a:tailEnd type="none" w="med" len="med"/>
+                        </a:lnL>
+                        <a:blipFill>
+                          <a:blip r:embed="rId13"/>
+                          <a:stretch>
+                            <a:fillRect t="-303333" r="-100000" b="-103333"/>
+                          </a:stretch>
+                        </a:blipFill>
+                      </a:tcPr>
+                    </a:tc>
+                    <a:tc>
+                      <a:txBody>
+                        <a:bodyPr/>
+                        <a:lstStyle/>
+                        <a:p>
+                          <a:endParaRPr lang="it-IT" dirty="0"/>
+                        </a:p>
+                      </a:txBody>
+                      <a:tcPr>
+                        <a:lnR w="12700" cap="flat" cmpd="sng" algn="ctr">
+                          <a:solidFill>
+                            <a:schemeClr val="tx1"/>
+                          </a:solidFill>
+                          <a:prstDash val="solid"/>
+                          <a:round/>
+                          <a:headEnd type="none" w="med" len="med"/>
+                          <a:tailEnd type="none" w="med" len="med"/>
+                        </a:lnR>
+                        <a:solidFill>
+                          <a:schemeClr val="bg1">
+                            <a:alpha val="36863"/>
+                          </a:schemeClr>
+                        </a:solidFill>
+                      </a:tcPr>
+                    </a:tc>
+                    <a:extLst>
+                      <a:ext uri="{0D108BD9-81ED-4DB2-BD59-A6C34878D82A}">
+                        <a16:rowId xmlns:a16="http://schemas.microsoft.com/office/drawing/2014/main" val="572882039"/>
+                      </a:ext>
+                    </a:extLst>
+                  </a:tr>
+                  <a:tr h="376515">
+                    <a:tc>
+                      <a:txBody>
+                        <a:bodyPr/>
+                        <a:lstStyle/>
+                        <a:p>
+                          <a:endParaRPr lang="it-IT"/>
+                        </a:p>
+                      </a:txBody>
+                      <a:tcPr>
+                        <a:lnL w="12700" cap="flat" cmpd="sng" algn="ctr">
+                          <a:solidFill>
+                            <a:schemeClr val="tx1"/>
+                          </a:solidFill>
+                          <a:prstDash val="solid"/>
+                          <a:round/>
+                          <a:headEnd type="none" w="med" len="med"/>
+                          <a:tailEnd type="none" w="med" len="med"/>
+                        </a:lnL>
+                        <a:lnB w="12700" cap="flat" cmpd="sng" algn="ctr">
+                          <a:solidFill>
+                            <a:schemeClr val="tx1"/>
+                          </a:solidFill>
+                          <a:prstDash val="solid"/>
+                          <a:round/>
+                          <a:headEnd type="none" w="med" len="med"/>
+                          <a:tailEnd type="none" w="med" len="med"/>
+                        </a:lnB>
+                        <a:blipFill>
+                          <a:blip r:embed="rId13"/>
+                          <a:stretch>
+                            <a:fillRect t="-403333" r="-100000" b="-3333"/>
+                          </a:stretch>
+                        </a:blipFill>
+                      </a:tcPr>
+                    </a:tc>
+                    <a:tc>
+                      <a:txBody>
+                        <a:bodyPr/>
+                        <a:lstStyle/>
+                        <a:p>
+                          <a:endParaRPr lang="it-IT" dirty="0"/>
+                        </a:p>
+                      </a:txBody>
+                      <a:tcPr>
+                        <a:lnR w="12700" cap="flat" cmpd="sng" algn="ctr">
+                          <a:solidFill>
+                            <a:schemeClr val="tx1"/>
+                          </a:solidFill>
+                          <a:prstDash val="solid"/>
+                          <a:round/>
+                          <a:headEnd type="none" w="med" len="med"/>
+                          <a:tailEnd type="none" w="med" len="med"/>
+                        </a:lnR>
+                        <a:lnB w="12700" cap="flat" cmpd="sng" algn="ctr">
+                          <a:solidFill>
+                            <a:schemeClr val="tx1"/>
+                          </a:solidFill>
+                          <a:prstDash val="solid"/>
+                          <a:round/>
+                          <a:headEnd type="none" w="med" len="med"/>
+                          <a:tailEnd type="none" w="med" len="med"/>
+                        </a:lnB>
+                        <a:solidFill>
+                          <a:schemeClr val="bg1">
+                            <a:alpha val="36863"/>
+                          </a:schemeClr>
+                        </a:solidFill>
+                      </a:tcPr>
+                    </a:tc>
+                    <a:extLst>
+                      <a:ext uri="{0D108BD9-81ED-4DB2-BD59-A6C34878D82A}">
+                        <a16:rowId xmlns:a16="http://schemas.microsoft.com/office/drawing/2014/main" val="4183447673"/>
+                      </a:ext>
+                    </a:extLst>
+                  </a:tr>
+                </a:tbl>
+              </a:graphicData>
+            </a:graphic>
+          </p:graphicFrame>
+        </mc:Fallback>
+      </mc:AlternateContent>
     </p:spTree>
   </p:cSld>
   <p:clrMapOvr>
@@ -10985,76 +11765,194 @@
           </a:p>
         </p:txBody>
       </p:sp>
-      <p:sp>
-        <p:nvSpPr>
-          <p:cNvPr id="135" name="Segnaposto testo 22"/>
-          <p:cNvSpPr/>
-          <p:nvPr/>
-        </p:nvSpPr>
-        <p:spPr>
-          <a:xfrm>
-            <a:off x="4140000" y="5040000"/>
-            <a:ext cx="4859640" cy="697680"/>
-          </a:xfrm>
-          <a:prstGeom prst="rect">
-            <a:avLst/>
-          </a:prstGeom>
-          <a:noFill/>
-          <a:ln w="0">
-            <a:noFill/>
-          </a:ln>
-        </p:spPr>
-        <p:style>
-          <a:lnRef idx="0">
-            <a:scrgbClr r="0" g="0" b="0"/>
-          </a:lnRef>
-          <a:fillRef idx="0">
-            <a:scrgbClr r="0" g="0" b="0"/>
-          </a:fillRef>
-          <a:effectRef idx="0">
-            <a:scrgbClr r="0" g="0" b="0"/>
-          </a:effectRef>
-          <a:fontRef idx="minor"/>
-        </p:style>
-        <p:txBody>
-          <a:bodyPr lIns="90000" tIns="45000" rIns="90000" bIns="45000" anchor="t">
-            <a:noAutofit/>
-          </a:bodyPr>
-          <a:lstStyle/>
-          <a:p>
-            <a:pPr marL="7920">
-              <a:lnSpc>
-                <a:spcPct val="150000"/>
-              </a:lnSpc>
-              <a:spcBef>
-                <a:spcPts val="1001"/>
-              </a:spcBef>
-              <a:buNone/>
-              <a:tabLst>
-                <a:tab pos="0" algn="l"/>
-              </a:tabLst>
-            </a:pPr>
-            <a:r>
-              <a:rPr lang="en-US" sz="1800" b="0" strike="noStrike" spc="-1">
-                <a:solidFill>
-                  <a:srgbClr val="000000"/>
-                </a:solidFill>
-                <a:latin typeface="Verdana"/>
-              </a:rPr>
-              <a:t>K_p =  …  K_i = …  K_d = ... </a:t>
-            </a:r>
-            <a:endParaRPr lang="it-IT" sz="1800" b="0" strike="noStrike" spc="-1">
-              <a:latin typeface="Arial"/>
-            </a:endParaRPr>
-          </a:p>
-        </p:txBody>
-      </p:sp>
+      <mc:AlternateContent xmlns:mc="http://schemas.openxmlformats.org/markup-compatibility/2006">
+        <mc:Choice xmlns:a14="http://schemas.microsoft.com/office/drawing/2010/main" Requires="a14">
+          <p:sp>
+            <p:nvSpPr>
+              <p:cNvPr id="4" name="CasellaDiTesto 3">
+                <a:extLst>
+                  <a:ext uri="{FF2B5EF4-FFF2-40B4-BE49-F238E27FC236}">
+                    <a16:creationId xmlns:a16="http://schemas.microsoft.com/office/drawing/2014/main" id="{C28B4AA3-F585-B148-BFC2-B7BC371DB3B9}"/>
+                  </a:ext>
+                </a:extLst>
+              </p:cNvPr>
+              <p:cNvSpPr txBox="1"/>
+              <p:nvPr/>
+            </p:nvSpPr>
+            <p:spPr>
+              <a:xfrm>
+                <a:off x="4048625" y="5450887"/>
+                <a:ext cx="3134228" cy="298415"/>
+              </a:xfrm>
+              <a:prstGeom prst="rect">
+                <a:avLst/>
+              </a:prstGeom>
+              <a:noFill/>
+            </p:spPr>
+            <p:txBody>
+              <a:bodyPr wrap="square" lIns="0" tIns="0" rIns="0" bIns="0" rtlCol="0">
+                <a:spAutoFit/>
+              </a:bodyPr>
+              <a:lstStyle/>
+              <a:p>
+                <a14:m>
+                  <m:oMathPara xmlns:m="http://schemas.openxmlformats.org/officeDocument/2006/math">
+                    <m:oMathParaPr>
+                      <m:jc m:val="centerGroup"/>
+                    </m:oMathParaPr>
+                    <m:oMath xmlns:m="http://schemas.openxmlformats.org/officeDocument/2006/math">
+                      <m:sSub>
+                        <m:sSubPr>
+                          <m:ctrlPr>
+                            <a:rPr lang="it-IT" i="1" smtClean="0">
+                              <a:latin typeface="Cambria Math" panose="02040503050406030204" pitchFamily="18" charset="0"/>
+                            </a:rPr>
+                          </m:ctrlPr>
+                        </m:sSubPr>
+                        <m:e>
+                          <m:r>
+                            <a:rPr lang="it-IT" b="0" i="1" smtClean="0">
+                              <a:latin typeface="Cambria Math" panose="02040503050406030204" pitchFamily="18" charset="0"/>
+                            </a:rPr>
+                            <m:t>𝑘</m:t>
+                          </m:r>
+                        </m:e>
+                        <m:sub>
+                          <m:r>
+                            <a:rPr lang="it-IT" b="0" i="1" smtClean="0">
+                              <a:latin typeface="Cambria Math" panose="02040503050406030204" pitchFamily="18" charset="0"/>
+                            </a:rPr>
+                            <m:t>𝑝</m:t>
+                          </m:r>
+                        </m:sub>
+                      </m:sSub>
+                      <m:r>
+                        <a:rPr lang="it-IT" b="0" i="1" smtClean="0">
+                          <a:latin typeface="Cambria Math" panose="02040503050406030204" pitchFamily="18" charset="0"/>
+                        </a:rPr>
+                        <m:t>=          </m:t>
+                      </m:r>
+                      <m:sSub>
+                        <m:sSubPr>
+                          <m:ctrlPr>
+                            <a:rPr lang="it-IT" b="0" i="1" smtClean="0">
+                              <a:latin typeface="Cambria Math" panose="02040503050406030204" pitchFamily="18" charset="0"/>
+                            </a:rPr>
+                          </m:ctrlPr>
+                        </m:sSubPr>
+                        <m:e>
+                          <m:r>
+                            <a:rPr lang="it-IT" b="0" i="1" smtClean="0">
+                              <a:latin typeface="Cambria Math" panose="02040503050406030204" pitchFamily="18" charset="0"/>
+                            </a:rPr>
+                            <m:t>𝑘</m:t>
+                          </m:r>
+                        </m:e>
+                        <m:sub>
+                          <m:r>
+                            <a:rPr lang="it-IT" b="0" i="1" smtClean="0">
+                              <a:latin typeface="Cambria Math" panose="02040503050406030204" pitchFamily="18" charset="0"/>
+                            </a:rPr>
+                            <m:t>𝑖</m:t>
+                          </m:r>
+                        </m:sub>
+                      </m:sSub>
+                      <m:r>
+                        <a:rPr lang="it-IT" b="0" i="1" smtClean="0">
+                          <a:latin typeface="Cambria Math" panose="02040503050406030204" pitchFamily="18" charset="0"/>
+                        </a:rPr>
+                        <m:t>=           </m:t>
+                      </m:r>
+                      <m:sSub>
+                        <m:sSubPr>
+                          <m:ctrlPr>
+                            <a:rPr lang="it-IT" b="0" i="1" smtClean="0">
+                              <a:latin typeface="Cambria Math" panose="02040503050406030204" pitchFamily="18" charset="0"/>
+                            </a:rPr>
+                          </m:ctrlPr>
+                        </m:sSubPr>
+                        <m:e>
+                          <m:r>
+                            <a:rPr lang="it-IT" b="0" i="1" smtClean="0">
+                              <a:latin typeface="Cambria Math" panose="02040503050406030204" pitchFamily="18" charset="0"/>
+                            </a:rPr>
+                            <m:t>𝑘</m:t>
+                          </m:r>
+                        </m:e>
+                        <m:sub>
+                          <m:r>
+                            <a:rPr lang="it-IT" b="0" i="1" smtClean="0">
+                              <a:latin typeface="Cambria Math" panose="02040503050406030204" pitchFamily="18" charset="0"/>
+                            </a:rPr>
+                            <m:t>𝑑</m:t>
+                          </m:r>
+                        </m:sub>
+                      </m:sSub>
+                      <m:r>
+                        <a:rPr lang="it-IT" b="0" i="1" smtClean="0">
+                          <a:latin typeface="Cambria Math" panose="02040503050406030204" pitchFamily="18" charset="0"/>
+                        </a:rPr>
+                        <m:t>=</m:t>
+                      </m:r>
+                    </m:oMath>
+                  </m:oMathPara>
+                </a14:m>
+                <a:endParaRPr lang="it-IT" dirty="0"/>
+              </a:p>
+            </p:txBody>
+          </p:sp>
+        </mc:Choice>
+        <mc:Fallback>
+          <p:sp>
+            <p:nvSpPr>
+              <p:cNvPr id="4" name="CasellaDiTesto 3">
+                <a:extLst>
+                  <a:ext uri="{FF2B5EF4-FFF2-40B4-BE49-F238E27FC236}">
+                    <a16:creationId xmlns:a16="http://schemas.microsoft.com/office/drawing/2014/main" id="{C28B4AA3-F585-B148-BFC2-B7BC371DB3B9}"/>
+                  </a:ext>
+                </a:extLst>
+              </p:cNvPr>
+              <p:cNvSpPr txBox="1">
+                <a:spLocks noRot="1" noChangeAspect="1" noMove="1" noResize="1" noEditPoints="1" noAdjustHandles="1" noChangeArrowheads="1" noChangeShapeType="1" noTextEdit="1"/>
+              </p:cNvSpPr>
+              <p:nvPr/>
+            </p:nvSpPr>
+            <p:spPr>
+              <a:xfrm>
+                <a:off x="4048625" y="5450887"/>
+                <a:ext cx="3134228" cy="298415"/>
+              </a:xfrm>
+              <a:prstGeom prst="rect">
+                <a:avLst/>
+              </a:prstGeom>
+              <a:blipFill>
+                <a:blip r:embed="rId3"/>
+                <a:stretch>
+                  <a:fillRect t="-4000" b="-24000"/>
+                </a:stretch>
+              </a:blipFill>
+            </p:spPr>
+            <p:txBody>
+              <a:bodyPr/>
+              <a:lstStyle/>
+              <a:p>
+                <a:r>
+                  <a:rPr lang="it-IT">
+                    <a:noFill/>
+                  </a:rPr>
+                  <a:t> </a:t>
+                </a:r>
+              </a:p>
+            </p:txBody>
+          </p:sp>
+        </mc:Fallback>
+      </mc:AlternateContent>
       <p:pic>
         <p:nvPicPr>
-          <p:cNvPr id="5" name="Elemento grafico 4">
+          <p:cNvPr id="9" name="Elemento grafico 8">
             <a:extLst>
               <a:ext uri="{FF2B5EF4-FFF2-40B4-BE49-F238E27FC236}">
-                <a16:creationId xmlns:a16="http://schemas.microsoft.com/office/drawing/2014/main" id="{1597D2F8-DCBC-E080-A937-CDA10F0CD3AA}"/>
+                <a16:creationId xmlns:a16="http://schemas.microsoft.com/office/drawing/2014/main" id="{6559D41B-91E6-0C49-B5A2-875E23F602FE}"/>
               </a:ext>
             </a:extLst>
           </p:cNvPr>
@@ -11064,13 +11962,13 @@
           <p:nvPr/>
         </p:nvPicPr>
         <p:blipFill>
-          <a:blip r:embed="rId3">
+          <a:blip r:embed="rId4">
             <a:extLst>
               <a:ext uri="{28A0092B-C50C-407E-A947-70E740481C1C}">
                 <a14:useLocalDpi xmlns:a14="http://schemas.microsoft.com/office/drawing/2010/main" val="0"/>
               </a:ext>
               <a:ext uri="{96DAC541-7B7A-43D3-8B79-37D633B846F1}">
-                <asvg:svgBlip xmlns:asvg="http://schemas.microsoft.com/office/drawing/2016/SVG/main" r:embed="rId4"/>
+                <asvg:svgBlip xmlns:asvg="http://schemas.microsoft.com/office/drawing/2016/SVG/main" r:embed="rId5"/>
               </a:ext>
             </a:extLst>
           </a:blip>
@@ -11080,8 +11978,8 @@
         </p:blipFill>
         <p:spPr>
           <a:xfrm>
-            <a:off x="625400" y="1468527"/>
-            <a:ext cx="8374240" cy="2656345"/>
+            <a:off x="348733" y="1600568"/>
+            <a:ext cx="8851900" cy="2565400"/>
           </a:xfrm>
           <a:prstGeom prst="rect">
             <a:avLst/>

--- a/labauto.pptx
+++ b/labauto.pptx
@@ -1551,7 +1551,7 @@
         <p:spPr>
           <a:xfrm>
             <a:off x="685800" y="1143000"/>
-            <a:ext cx="5485680" cy="3085560"/>
+            <a:ext cx="5486400" cy="3086100"/>
           </a:xfrm>
           <a:prstGeom prst="rect">
             <a:avLst/>
@@ -8454,63 +8454,6 @@
       </p:sp>
       <p:sp>
         <p:nvSpPr>
-          <p:cNvPr id="94" name="PlaceHolder 2"/>
-          <p:cNvSpPr>
-            <a:spLocks noGrp="1"/>
-          </p:cNvSpPr>
-          <p:nvPr>
-            <p:ph/>
-          </p:nvPr>
-        </p:nvSpPr>
-        <p:spPr>
-          <a:xfrm>
-            <a:off x="775800" y="1821960"/>
-            <a:ext cx="2404080" cy="2590200"/>
-          </a:xfrm>
-          <a:prstGeom prst="rect">
-            <a:avLst/>
-          </a:prstGeom>
-          <a:noFill/>
-          <a:ln w="0">
-            <a:noFill/>
-          </a:ln>
-        </p:spPr>
-        <p:txBody>
-          <a:bodyPr lIns="90000" tIns="45000" rIns="90000" bIns="45000" anchor="t">
-            <a:noAutofit/>
-          </a:bodyPr>
-          <a:lstStyle/>
-          <a:p>
-            <a:pPr marL="7920">
-              <a:lnSpc>
-                <a:spcPct val="150000"/>
-              </a:lnSpc>
-              <a:spcBef>
-                <a:spcPts val="1001"/>
-              </a:spcBef>
-              <a:buNone/>
-              <a:tabLst>
-                <a:tab pos="0" algn="l"/>
-              </a:tabLst>
-            </a:pPr>
-            <a:r>
-              <a:rPr lang="it-IT" sz="1800" b="0" strike="noStrike" spc="-1">
-                <a:solidFill>
-                  <a:srgbClr val="000000"/>
-                </a:solidFill>
-                <a:latin typeface="Verdana"/>
-                <a:ea typeface="Verdana"/>
-              </a:rPr>
-              <a:t>Foto aruco</a:t>
-            </a:r>
-            <a:endParaRPr lang="it-IT" sz="1800" b="0" strike="noStrike" spc="-1">
-              <a:latin typeface="Arial"/>
-            </a:endParaRPr>
-          </a:p>
-        </p:txBody>
-      </p:sp>
-      <p:sp>
-        <p:nvSpPr>
           <p:cNvPr id="95" name="PlaceHolder 3"/>
           <p:cNvSpPr>
             <a:spLocks noGrp="1"/>
@@ -8545,7 +8488,7 @@
               <a:buNone/>
             </a:pPr>
             <a:r>
-              <a:rPr lang="it-IT" sz="2200" b="1" strike="noStrike" spc="-1">
+              <a:rPr lang="it-IT" sz="2200" b="1" strike="noStrike" spc="-1" dirty="0">
                 <a:solidFill>
                   <a:srgbClr val="000000"/>
                 </a:solidFill>
@@ -8554,7 +8497,7 @@
               </a:rPr>
               <a:t>Nodo visione</a:t>
             </a:r>
-            <a:endParaRPr lang="it-IT" sz="2200" b="0" strike="noStrike" spc="-1">
+            <a:endParaRPr lang="it-IT" sz="2200" b="0" strike="noStrike" spc="-1" dirty="0">
               <a:latin typeface="Arial"/>
             </a:endParaRPr>
           </a:p>
@@ -8710,6 +8653,45 @@
           </a:p>
         </p:txBody>
       </p:sp>
+      <p:pic>
+        <p:nvPicPr>
+          <p:cNvPr id="5" name="Immagine 4" descr="Immagine che contiene scatola, design&#10;&#10;Descrizione generata automaticamente">
+            <a:extLst>
+              <a:ext uri="{FF2B5EF4-FFF2-40B4-BE49-F238E27FC236}">
+                <a16:creationId xmlns:a16="http://schemas.microsoft.com/office/drawing/2014/main" id="{5122644C-8C8A-A710-8AE1-AAAFED871A6B}"/>
+              </a:ext>
+            </a:extLst>
+          </p:cNvPr>
+          <p:cNvPicPr>
+            <a:picLocks noChangeAspect="1"/>
+          </p:cNvPicPr>
+          <p:nvPr/>
+        </p:nvPicPr>
+        <p:blipFill>
+          <a:blip r:embed="rId3" cstate="print">
+            <a:extLst>
+              <a:ext uri="{28A0092B-C50C-407E-A947-70E740481C1C}">
+                <a14:useLocalDpi xmlns:a14="http://schemas.microsoft.com/office/drawing/2010/main" val="0"/>
+              </a:ext>
+            </a:extLst>
+          </a:blip>
+          <a:stretch>
+            <a:fillRect/>
+          </a:stretch>
+        </p:blipFill>
+        <p:spPr>
+          <a:xfrm>
+            <a:off x="775800" y="1468878"/>
+            <a:ext cx="2716986" cy="3162010"/>
+          </a:xfrm>
+          <a:prstGeom prst="rect">
+            <a:avLst/>
+          </a:prstGeom>
+          <a:ln>
+            <a:noFill/>
+          </a:ln>
+        </p:spPr>
+      </p:pic>
     </p:spTree>
   </p:cSld>
   <p:clrMapOvr>
@@ -9579,8 +9561,8 @@
           </a:prstGeom>
         </p:spPr>
       </p:pic>
-      <mc:AlternateContent xmlns:mc="http://schemas.openxmlformats.org/markup-compatibility/2006">
-        <mc:Choice xmlns:a14="http://schemas.microsoft.com/office/drawing/2010/main" Requires="a14">
+      <mc:AlternateContent xmlns:mc="http://schemas.openxmlformats.org/markup-compatibility/2006" xmlns:a14="http://schemas.microsoft.com/office/drawing/2010/main">
+        <mc:Choice Requires="a14">
           <p:graphicFrame>
             <p:nvGraphicFramePr>
               <p:cNvPr id="2" name="Tabella 1">
@@ -9727,6 +9709,7 @@
                         <a:bodyPr/>
                         <a:lstStyle/>
                         <a:p>
+                          <a:pPr/>
                           <a14:m>
                             <m:oMathPara xmlns:m="http://schemas.openxmlformats.org/officeDocument/2006/math">
                               <m:oMathParaPr>
@@ -9736,18 +9719,24 @@
                                 <m:sSub>
                                   <m:sSubPr>
                                     <m:ctrlPr>
-                                      <a:rPr lang="it-IT" smtClean="0"/>
+                                      <a:rPr lang="it-IT" i="1" smtClean="0">
+                                        <a:latin typeface="Cambria Math" panose="02040503050406030204" pitchFamily="18" charset="0"/>
+                                      </a:rPr>
                                     </m:ctrlPr>
                                   </m:sSubPr>
                                   <m:e>
                                     <m:r>
-                                      <a:rPr lang="it-IT" smtClean="0"/>
+                                      <a:rPr lang="it-IT" smtClean="0">
+                                        <a:latin typeface="Cambria Math" panose="02040503050406030204" pitchFamily="18" charset="0"/>
+                                      </a:rPr>
                                       <m:t>𝑘</m:t>
                                     </m:r>
                                   </m:e>
                                   <m:sub>
                                     <m:r>
-                                      <a:rPr lang="it-IT" smtClean="0"/>
+                                      <a:rPr lang="it-IT" smtClean="0">
+                                        <a:latin typeface="Cambria Math" panose="02040503050406030204" pitchFamily="18" charset="0"/>
+                                      </a:rPr>
                                       <m:t>𝑎</m:t>
                                     </m:r>
                                   </m:sub>
@@ -9812,6 +9801,7 @@
                         <a:bodyPr/>
                         <a:lstStyle/>
                         <a:p>
+                          <a:pPr/>
                           <a14:m>
                             <m:oMathPara xmlns:m="http://schemas.openxmlformats.org/officeDocument/2006/math">
                               <m:oMathParaPr>
@@ -9821,18 +9811,24 @@
                                 <m:sSub>
                                   <m:sSubPr>
                                     <m:ctrlPr>
-                                      <a:rPr lang="it-IT" smtClean="0"/>
+                                      <a:rPr lang="it-IT" i="1" smtClean="0">
+                                        <a:latin typeface="Cambria Math" panose="02040503050406030204" pitchFamily="18" charset="0"/>
+                                      </a:rPr>
                                     </m:ctrlPr>
                                   </m:sSubPr>
                                   <m:e>
                                     <m:r>
-                                      <a:rPr lang="it-IT" smtClean="0"/>
+                                      <a:rPr lang="it-IT" smtClean="0">
+                                        <a:latin typeface="Cambria Math" panose="02040503050406030204" pitchFamily="18" charset="0"/>
+                                      </a:rPr>
                                       <m:t>𝑘</m:t>
                                     </m:r>
                                   </m:e>
                                   <m:sub>
                                     <m:r>
-                                      <a:rPr lang="it-IT" smtClean="0"/>
+                                      <a:rPr lang="it-IT" smtClean="0">
+                                        <a:latin typeface="Cambria Math" panose="02040503050406030204" pitchFamily="18" charset="0"/>
+                                      </a:rPr>
                                       <m:t>𝑟</m:t>
                                     </m:r>
                                   </m:sub>
@@ -9897,6 +9893,7 @@
                         <a:bodyPr/>
                         <a:lstStyle/>
                         <a:p>
+                          <a:pPr/>
                           <a14:m>
                             <m:oMathPara xmlns:m="http://schemas.openxmlformats.org/officeDocument/2006/math">
                               <m:oMathParaPr>
@@ -9904,7 +9901,9 @@
                               </m:oMathParaPr>
                               <m:oMath xmlns:m="http://schemas.openxmlformats.org/officeDocument/2006/math">
                                 <m:r>
-                                  <a:rPr lang="it-IT" smtClean="0"/>
+                                  <a:rPr lang="it-IT" smtClean="0">
+                                    <a:latin typeface="Cambria Math" panose="02040503050406030204" pitchFamily="18" charset="0"/>
+                                  </a:rPr>
                                   <m:t>𝛿</m:t>
                                 </m:r>
                               </m:oMath>
@@ -9967,6 +9966,7 @@
                         <a:bodyPr/>
                         <a:lstStyle/>
                         <a:p>
+                          <a:pPr/>
                           <a14:m>
                             <m:oMathPara xmlns:m="http://schemas.openxmlformats.org/officeDocument/2006/math">
                               <m:oMathParaPr>
@@ -9976,18 +9976,24 @@
                                 <m:sSub>
                                   <m:sSubPr>
                                     <m:ctrlPr>
-                                      <a:rPr lang="it-IT" smtClean="0"/>
+                                      <a:rPr lang="it-IT" i="1" smtClean="0">
+                                        <a:latin typeface="Cambria Math" panose="02040503050406030204" pitchFamily="18" charset="0"/>
+                                      </a:rPr>
                                     </m:ctrlPr>
                                   </m:sSubPr>
                                   <m:e>
                                     <m:r>
-                                      <a:rPr lang="it-IT" smtClean="0"/>
+                                      <a:rPr lang="it-IT" smtClean="0">
+                                        <a:latin typeface="Cambria Math" panose="02040503050406030204" pitchFamily="18" charset="0"/>
+                                      </a:rPr>
                                       <m:t>𝛿</m:t>
                                     </m:r>
                                   </m:e>
                                   <m:sub>
                                     <m:r>
-                                      <a:rPr lang="it-IT" smtClean="0"/>
+                                      <a:rPr lang="it-IT" smtClean="0">
+                                        <a:latin typeface="Cambria Math" panose="02040503050406030204" pitchFamily="18" charset="0"/>
+                                      </a:rPr>
                                       <m:t>0</m:t>
                                     </m:r>
                                   </m:sub>
@@ -10069,7 +10075,7 @@
             </a:graphic>
           </p:graphicFrame>
         </mc:Choice>
-        <mc:Fallback>
+        <mc:Fallback xmlns="">
           <p:graphicFrame>
             <p:nvGraphicFramePr>
               <p:cNvPr id="2" name="Tabella 1">
@@ -11765,8 +11771,8 @@
           </a:p>
         </p:txBody>
       </p:sp>
-      <mc:AlternateContent xmlns:mc="http://schemas.openxmlformats.org/markup-compatibility/2006">
-        <mc:Choice xmlns:a14="http://schemas.microsoft.com/office/drawing/2010/main" Requires="a14">
+      <mc:AlternateContent xmlns:mc="http://schemas.openxmlformats.org/markup-compatibility/2006" xmlns:a14="http://schemas.microsoft.com/office/drawing/2010/main">
+        <mc:Choice Requires="a14">
           <p:sp>
             <p:nvSpPr>
               <p:cNvPr id="4" name="CasellaDiTesto 3">
@@ -11795,6 +11801,7 @@
               </a:bodyPr>
               <a:lstStyle/>
               <a:p>
+                <a:pPr/>
                 <a14:m>
                   <m:oMathPara xmlns:m="http://schemas.openxmlformats.org/officeDocument/2006/math">
                     <m:oMathParaPr>
@@ -11902,7 +11909,7 @@
             </p:txBody>
           </p:sp>
         </mc:Choice>
-        <mc:Fallback>
+        <mc:Fallback xmlns="">
           <p:sp>
             <p:nvSpPr>
               <p:cNvPr id="4" name="CasellaDiTesto 3">

--- a/labauto.pptx
+++ b/labauto.pptx
@@ -8827,35 +8827,12 @@
       </p:sp>
       <p:pic>
         <p:nvPicPr>
-          <p:cNvPr id="100" name="Elemento grafico 8"/>
+          <p:cNvPr id="101" name="Elemento grafico 14"/>
           <p:cNvPicPr/>
           <p:nvPr/>
         </p:nvPicPr>
         <p:blipFill>
           <a:blip r:embed="rId3"/>
-          <a:stretch/>
-        </p:blipFill>
-        <p:spPr>
-          <a:xfrm>
-            <a:off x="6789335" y="1598400"/>
-            <a:ext cx="4351907" cy="1023120"/>
-          </a:xfrm>
-          <a:prstGeom prst="rect">
-            <a:avLst/>
-          </a:prstGeom>
-          <a:ln w="0">
-            <a:noFill/>
-          </a:ln>
-        </p:spPr>
-      </p:pic>
-      <p:pic>
-        <p:nvPicPr>
-          <p:cNvPr id="101" name="Elemento grafico 14"/>
-          <p:cNvPicPr/>
-          <p:nvPr/>
-        </p:nvPicPr>
-        <p:blipFill>
-          <a:blip r:embed="rId4"/>
           <a:stretch/>
         </p:blipFill>
         <p:spPr>
@@ -8878,7 +8855,7 @@
           <p:nvPr/>
         </p:nvPicPr>
         <p:blipFill>
-          <a:blip r:embed="rId5"/>
+          <a:blip r:embed="rId4"/>
           <a:stretch/>
         </p:blipFill>
         <p:spPr>
@@ -8974,13 +8951,13 @@
           <p:nvPr/>
         </p:nvPicPr>
         <p:blipFill>
-          <a:blip r:embed="rId6">
+          <a:blip r:embed="rId5">
             <a:extLst>
               <a:ext uri="{28A0092B-C50C-407E-A947-70E740481C1C}">
                 <a14:useLocalDpi xmlns:a14="http://schemas.microsoft.com/office/drawing/2010/main" val="0"/>
               </a:ext>
               <a:ext uri="{96DAC541-7B7A-43D3-8B79-37D633B846F1}">
-                <asvg:svgBlip xmlns:asvg="http://schemas.microsoft.com/office/drawing/2016/SVG/main" r:embed="rId7"/>
+                <asvg:svgBlip xmlns:asvg="http://schemas.microsoft.com/office/drawing/2016/SVG/main" r:embed="rId6"/>
               </a:ext>
             </a:extLst>
           </a:blip>
@@ -9013,13 +8990,13 @@
           <p:nvPr/>
         </p:nvPicPr>
         <p:blipFill>
-          <a:blip r:embed="rId8">
+          <a:blip r:embed="rId7">
             <a:extLst>
               <a:ext uri="{28A0092B-C50C-407E-A947-70E740481C1C}">
                 <a14:useLocalDpi xmlns:a14="http://schemas.microsoft.com/office/drawing/2010/main" val="0"/>
               </a:ext>
               <a:ext uri="{96DAC541-7B7A-43D3-8B79-37D633B846F1}">
-                <asvg:svgBlip xmlns:asvg="http://schemas.microsoft.com/office/drawing/2016/SVG/main" r:embed="rId9"/>
+                <asvg:svgBlip xmlns:asvg="http://schemas.microsoft.com/office/drawing/2016/SVG/main" r:embed="rId8"/>
               </a:ext>
             </a:extLst>
           </a:blip>
@@ -9052,13 +9029,13 @@
           <p:nvPr/>
         </p:nvPicPr>
         <p:blipFill>
-          <a:blip r:embed="rId10">
+          <a:blip r:embed="rId9">
             <a:extLst>
               <a:ext uri="{28A0092B-C50C-407E-A947-70E740481C1C}">
                 <a14:useLocalDpi xmlns:a14="http://schemas.microsoft.com/office/drawing/2010/main" val="0"/>
               </a:ext>
               <a:ext uri="{96DAC541-7B7A-43D3-8B79-37D633B846F1}">
-                <asvg:svgBlip xmlns:asvg="http://schemas.microsoft.com/office/drawing/2016/SVG/main" r:embed="rId11"/>
+                <asvg:svgBlip xmlns:asvg="http://schemas.microsoft.com/office/drawing/2016/SVG/main" r:embed="rId10"/>
               </a:ext>
             </a:extLst>
           </a:blip>
@@ -9078,10 +9055,10 @@
       </p:pic>
       <p:pic>
         <p:nvPicPr>
-          <p:cNvPr id="7" name="Elemento grafico 6">
+          <p:cNvPr id="4" name="Elemento grafico 3">
             <a:extLst>
               <a:ext uri="{FF2B5EF4-FFF2-40B4-BE49-F238E27FC236}">
-                <a16:creationId xmlns:a16="http://schemas.microsoft.com/office/drawing/2014/main" id="{B896F64E-9D02-494A-8C2C-6CDAE46F5B36}"/>
+                <a16:creationId xmlns:a16="http://schemas.microsoft.com/office/drawing/2014/main" id="{82303452-D37E-E64B-BD5C-E71A222DDF3D}"/>
               </a:ext>
             </a:extLst>
           </p:cNvPr>
@@ -9091,13 +9068,13 @@
           <p:nvPr/>
         </p:nvPicPr>
         <p:blipFill>
-          <a:blip r:embed="rId12">
+          <a:blip r:embed="rId11">
             <a:extLst>
               <a:ext uri="{28A0092B-C50C-407E-A947-70E740481C1C}">
                 <a14:useLocalDpi xmlns:a14="http://schemas.microsoft.com/office/drawing/2010/main" val="0"/>
               </a:ext>
               <a:ext uri="{96DAC541-7B7A-43D3-8B79-37D633B846F1}">
-                <asvg:svgBlip xmlns:asvg="http://schemas.microsoft.com/office/drawing/2016/SVG/main" r:embed="rId13"/>
+                <asvg:svgBlip xmlns:asvg="http://schemas.microsoft.com/office/drawing/2016/SVG/main" r:embed="rId12"/>
               </a:ext>
             </a:extLst>
           </a:blip>
@@ -9107,8 +9084,47 @@
         </p:blipFill>
         <p:spPr>
           <a:xfrm>
-            <a:off x="3793984" y="4285533"/>
-            <a:ext cx="1662025" cy="760588"/>
+            <a:off x="6585178" y="1332533"/>
+            <a:ext cx="5168710" cy="1209924"/>
+          </a:xfrm>
+          <a:prstGeom prst="rect">
+            <a:avLst/>
+          </a:prstGeom>
+        </p:spPr>
+      </p:pic>
+      <p:pic>
+        <p:nvPicPr>
+          <p:cNvPr id="8" name="Elemento grafico 7">
+            <a:extLst>
+              <a:ext uri="{FF2B5EF4-FFF2-40B4-BE49-F238E27FC236}">
+                <a16:creationId xmlns:a16="http://schemas.microsoft.com/office/drawing/2014/main" id="{EBEB6017-A7E0-A748-88AD-FFC06BE80303}"/>
+              </a:ext>
+            </a:extLst>
+          </p:cNvPr>
+          <p:cNvPicPr>
+            <a:picLocks noChangeAspect="1"/>
+          </p:cNvPicPr>
+          <p:nvPr/>
+        </p:nvPicPr>
+        <p:blipFill>
+          <a:blip r:embed="rId13">
+            <a:extLst>
+              <a:ext uri="{28A0092B-C50C-407E-A947-70E740481C1C}">
+                <a14:useLocalDpi xmlns:a14="http://schemas.microsoft.com/office/drawing/2010/main" val="0"/>
+              </a:ext>
+              <a:ext uri="{96DAC541-7B7A-43D3-8B79-37D633B846F1}">
+                <asvg:svgBlip xmlns:asvg="http://schemas.microsoft.com/office/drawing/2016/SVG/main" r:embed="rId14"/>
+              </a:ext>
+            </a:extLst>
+          </a:blip>
+          <a:stretch>
+            <a:fillRect/>
+          </a:stretch>
+        </p:blipFill>
+        <p:spPr>
+          <a:xfrm>
+            <a:off x="3765405" y="4388818"/>
+            <a:ext cx="1960134" cy="853920"/>
           </a:xfrm>
           <a:prstGeom prst="rect">
             <a:avLst/>
